--- a/obras/static/ppt/ppt-generados/FichaTecnicaObras_1.pptx
+++ b/obras/static/ppt/ppt-generados/FichaTecnicaObras_1.pptx
@@ -107,36 +107,6 @@
       </a:defRPr>
     </a:lvl9pPr>
   </p:defaultTextStyle>
-  <p:extLst>
-    <p:ext uri="{EFAFB233-063F-42B5-8137-9DF3F51BA10A}">
-      <p15:sldGuideLst xmlns:p15="http://schemas.microsoft.com/office/powerpoint/2012/main">
-        <p15:guide id="1" orient="horz" pos="2160">
-          <p15:clr>
-            <a:srgbClr val="A4A3A4"/>
-          </p15:clr>
-        </p15:guide>
-        <p15:guide id="2" pos="2880">
-          <p15:clr>
-            <a:srgbClr val="A4A3A4"/>
-          </p15:clr>
-        </p15:guide>
-      </p15:sldGuideLst>
-    </p:ext>
-    <p:ext uri="{2D200454-40CA-4A62-9FC3-DE9A4176ACB9}">
-      <p15:notesGuideLst xmlns:p15="http://schemas.microsoft.com/office/powerpoint/2012/main">
-        <p15:guide id="1" orient="horz" pos="2880">
-          <p15:clr>
-            <a:srgbClr val="A4A3A4"/>
-          </p15:clr>
-        </p15:guide>
-        <p15:guide id="2" pos="2160">
-          <p15:clr>
-            <a:srgbClr val="A4A3A4"/>
-          </p15:clr>
-        </p15:guide>
-      </p15:notesGuideLst>
-    </p:ext>
-  </p:extLst>
 </p:presentation>
 </file>
 
@@ -222,7 +192,7 @@
           <a:p>
             <a:fld id="{A12F159B-2BA9-4A4C-8F37-6A12CA4521B5}" type="datetimeFigureOut">
               <a:rPr lang="es-MX" smtClean="0"/>
-              <a:t>26/06/2015</a:t>
+              <a:t>21/10/2014</a:t>
             </a:fld>
             <a:endParaRPr lang="es-MX"/>
           </a:p>
@@ -492,7 +462,7 @@
           <a:p>
             <a:fld id="{F4C741E7-0659-46B3-91BB-B8C3B98C4B5D}" type="datetimeFigureOut">
               <a:rPr lang="es-MX" smtClean="0"/>
-              <a:t>26/06/2015</a:t>
+              <a:t>21/10/2014</a:t>
             </a:fld>
             <a:endParaRPr lang="es-MX"/>
           </a:p>
@@ -685,7 +655,7 @@
           <a:p>
             <a:fld id="{F4C741E7-0659-46B3-91BB-B8C3B98C4B5D}" type="datetimeFigureOut">
               <a:rPr lang="es-MX" smtClean="0"/>
-              <a:t>26/06/2015</a:t>
+              <a:t>21/10/2014</a:t>
             </a:fld>
             <a:endParaRPr lang="es-MX"/>
           </a:p>
@@ -871,7 +841,7 @@
           <a:p>
             <a:fld id="{F4C741E7-0659-46B3-91BB-B8C3B98C4B5D}" type="datetimeFigureOut">
               <a:rPr lang="es-MX" smtClean="0"/>
-              <a:t>26/06/2015</a:t>
+              <a:t>21/10/2014</a:t>
             </a:fld>
             <a:endParaRPr lang="es-MX"/>
           </a:p>
@@ -1057,7 +1027,7 @@
           <a:p>
             <a:fld id="{F4C741E7-0659-46B3-91BB-B8C3B98C4B5D}" type="datetimeFigureOut">
               <a:rPr lang="es-MX" smtClean="0"/>
-              <a:t>26/06/2015</a:t>
+              <a:t>21/10/2014</a:t>
             </a:fld>
             <a:endParaRPr lang="es-MX"/>
           </a:p>
@@ -1309,7 +1279,7 @@
           <a:p>
             <a:fld id="{F4C741E7-0659-46B3-91BB-B8C3B98C4B5D}" type="datetimeFigureOut">
               <a:rPr lang="es-MX" smtClean="0"/>
-              <a:t>26/06/2015</a:t>
+              <a:t>21/10/2014</a:t>
             </a:fld>
             <a:endParaRPr lang="es-MX"/>
           </a:p>
@@ -1611,7 +1581,7 @@
           <a:p>
             <a:fld id="{F4C741E7-0659-46B3-91BB-B8C3B98C4B5D}" type="datetimeFigureOut">
               <a:rPr lang="es-MX" smtClean="0"/>
-              <a:t>26/06/2015</a:t>
+              <a:t>21/10/2014</a:t>
             </a:fld>
             <a:endParaRPr lang="es-MX"/>
           </a:p>
@@ -2053,7 +2023,7 @@
           <a:p>
             <a:fld id="{F4C741E7-0659-46B3-91BB-B8C3B98C4B5D}" type="datetimeFigureOut">
               <a:rPr lang="es-MX" smtClean="0"/>
-              <a:t>26/06/2015</a:t>
+              <a:t>21/10/2014</a:t>
             </a:fld>
             <a:endParaRPr lang="es-MX"/>
           </a:p>
@@ -2179,7 +2149,7 @@
           <a:p>
             <a:fld id="{F4C741E7-0659-46B3-91BB-B8C3B98C4B5D}" type="datetimeFigureOut">
               <a:rPr lang="es-MX" smtClean="0"/>
-              <a:t>26/06/2015</a:t>
+              <a:t>21/10/2014</a:t>
             </a:fld>
             <a:endParaRPr lang="es-MX"/>
           </a:p>
@@ -2274,7 +2244,7 @@
           <a:p>
             <a:fld id="{F4C741E7-0659-46B3-91BB-B8C3B98C4B5D}" type="datetimeFigureOut">
               <a:rPr lang="es-MX" smtClean="0"/>
-              <a:t>26/06/2015</a:t>
+              <a:t>21/10/2014</a:t>
             </a:fld>
             <a:endParaRPr lang="es-MX"/>
           </a:p>
@@ -2560,7 +2530,7 @@
           <a:p>
             <a:fld id="{F4C741E7-0659-46B3-91BB-B8C3B98C4B5D}" type="datetimeFigureOut">
               <a:rPr lang="es-MX" smtClean="0"/>
-              <a:t>26/06/2015</a:t>
+              <a:t>21/10/2014</a:t>
             </a:fld>
             <a:endParaRPr lang="es-MX"/>
           </a:p>
@@ -2822,7 +2792,7 @@
           <a:p>
             <a:fld id="{F4C741E7-0659-46B3-91BB-B8C3B98C4B5D}" type="datetimeFigureOut">
               <a:rPr lang="es-MX" smtClean="0"/>
-              <a:t>26/06/2015</a:t>
+              <a:t>21/10/2014</a:t>
             </a:fld>
             <a:endParaRPr lang="es-MX"/>
           </a:p>
@@ -2940,7 +2910,7 @@
           <a:p>
             <a:fld id="{F4C741E7-0659-46B3-91BB-B8C3B98C4B5D}" type="datetimeFigureOut">
               <a:rPr lang="es-MX" smtClean="0"/>
-              <a:t>26/06/2015</a:t>
+              <a:t>21/10/2014</a:t>
             </a:fld>
             <a:endParaRPr lang="es-MX"/>
           </a:p>
@@ -5398,11 +5368,11 @@
           </a:bodyPr>
           <a:lstStyle/>
           <a:p>
-            <a:r>
-              <a:rPr lang="es-MX" sz="800" smtClean="0">
-                <a:latin typeface="Arial Narrow" panose="020B0606020202030204" pitchFamily="34" charset="0"/>
-              </a:rPr>
-              <a:t>x</a:t>
+            <a:pPr>
+              <a:defRPr sz="800"/>
+            </a:pPr>
+            <a:r>
+              <a:t>OB_CDI_00001</a:t>
             </a:r>
             <a:endParaRPr lang="es-MX" sz="800" dirty="0">
               <a:latin typeface="Arial Narrow" panose="020B0606020202030204" pitchFamily="34" charset="0"/>
@@ -5432,11 +5402,11 @@
           </a:bodyPr>
           <a:lstStyle/>
           <a:p>
-            <a:r>
-              <a:rPr lang="es-MX" sz="600" smtClean="0">
-                <a:latin typeface="Arial Narrow" panose="020B0606020202030204" pitchFamily="34" charset="0"/>
-              </a:rPr>
-              <a:t>x</a:t>
+            <a:pPr>
+              <a:defRPr sz="800"/>
+            </a:pPr>
+            <a:r>
+              <a:t>AMPLIACION DE SISTEMA MULTIPLE DE AGUA POTABLE</a:t>
             </a:r>
             <a:endParaRPr lang="es-MX" sz="600" dirty="0">
               <a:latin typeface="Arial Narrow" panose="020B0606020202030204" pitchFamily="34" charset="0"/>
@@ -5466,11 +5436,11 @@
           </a:bodyPr>
           <a:lstStyle/>
           <a:p>
-            <a:r>
-              <a:rPr lang="es-MX" sz="800" smtClean="0">
-                <a:latin typeface="Arial Narrow" panose="020B0606020202030204" pitchFamily="34" charset="0"/>
-              </a:rPr>
-              <a:t>x</a:t>
+            <a:pPr>
+              <a:defRPr sz="800"/>
+            </a:pPr>
+            <a:r>
+              <a:t>CDI</a:t>
             </a:r>
             <a:endParaRPr lang="es-MX" sz="800" dirty="0">
               <a:latin typeface="Arial Narrow" panose="020B0606020202030204" pitchFamily="34" charset="0"/>
@@ -5500,8 +5470,11 @@
           </a:bodyPr>
           <a:lstStyle/>
           <a:p>
-            <a:r>
-              <a:t>OB_CDI_00001</a:t>
+            <a:pPr>
+              <a:defRPr sz="800"/>
+            </a:pPr>
+            <a:r>
+              <a:t>BAJA CALIFORNIA</a:t>
             </a:r>
             <a:endParaRPr lang="es-MX" sz="800" dirty="0">
               <a:latin typeface="Arial Narrow" panose="020B0606020202030204" pitchFamily="34" charset="0"/>
@@ -5531,11 +5504,11 @@
           </a:bodyPr>
           <a:lstStyle/>
           <a:p>
-            <a:r>
-              <a:rPr lang="es-MX" sz="800" smtClean="0">
-                <a:latin typeface="Arial Narrow" panose="020B0606020202030204" pitchFamily="34" charset="0"/>
-              </a:rPr>
-              <a:t>x</a:t>
+            <a:pPr>
+              <a:defRPr sz="800"/>
+            </a:pPr>
+            <a:r>
+              <a:t>ENSENADA</a:t>
             </a:r>
             <a:endParaRPr lang="es-MX" sz="800" dirty="0">
               <a:latin typeface="Arial Narrow" panose="020B0606020202030204" pitchFamily="34" charset="0"/>
@@ -5565,11 +5538,11 @@
           </a:bodyPr>
           <a:lstStyle/>
           <a:p>
-            <a:r>
-              <a:rPr lang="es-MX" sz="800" smtClean="0">
-                <a:latin typeface="Arial Narrow" panose="020B0606020202030204" pitchFamily="34" charset="0"/>
-              </a:rPr>
-              <a:t>x</a:t>
+            <a:pPr>
+              <a:defRPr sz="800"/>
+            </a:pPr>
+            <a:r>
+              <a:t>2013-08-09</a:t>
             </a:r>
             <a:endParaRPr lang="es-MX" sz="800" dirty="0">
               <a:latin typeface="Arial Narrow" panose="020B0606020202030204" pitchFamily="34" charset="0"/>
@@ -5599,11 +5572,11 @@
           </a:bodyPr>
           <a:lstStyle/>
           <a:p>
-            <a:r>
-              <a:rPr lang="es-MX" sz="800" smtClean="0">
-                <a:latin typeface="Arial Narrow" panose="020B0606020202030204" pitchFamily="34" charset="0"/>
-              </a:rPr>
-              <a:t>x</a:t>
+            <a:pPr>
+              <a:defRPr sz="800"/>
+            </a:pPr>
+            <a:r>
+              <a:t>2013-11-26</a:t>
             </a:r>
             <a:endParaRPr lang="es-MX" sz="800" dirty="0">
               <a:latin typeface="Arial Narrow" panose="020B0606020202030204" pitchFamily="34" charset="0"/>
@@ -5640,8 +5613,7 @@
               <a:t>CONCLUIDAS</a:t>
             </a:r>
             <a:endParaRPr lang="es-MX" sz="800" dirty="0">
-              <a:latin typeface="Times New Roman" panose="02020603050405020304" pitchFamily="18" charset="0"/>
-              <a:cs typeface="Times New Roman" panose="02020603050405020304" pitchFamily="18" charset="0"/>
+              <a:latin typeface="Arial Narrow" panose="020B0606020202030204" pitchFamily="34" charset="0"/>
             </a:endParaRPr>
           </a:p>
         </p:txBody>
@@ -5668,11 +5640,11 @@
           </a:bodyPr>
           <a:lstStyle/>
           <a:p>
-            <a:r>
-              <a:rPr lang="es-MX" sz="800" smtClean="0">
-                <a:latin typeface="Arial Narrow" panose="020B0606020202030204" pitchFamily="34" charset="0"/>
-              </a:rPr>
-              <a:t>x</a:t>
+            <a:pPr>
+              <a:defRPr sz="800"/>
+            </a:pPr>
+            <a:r>
+              <a:t>100.0</a:t>
             </a:r>
             <a:endParaRPr lang="es-MX" sz="800" dirty="0">
               <a:latin typeface="Arial Narrow" panose="020B0606020202030204" pitchFamily="34" charset="0"/>
@@ -5702,11 +5674,11 @@
           </a:bodyPr>
           <a:lstStyle/>
           <a:p>
-            <a:r>
-              <a:rPr lang="es-MX" sz="800" smtClean="0">
-                <a:latin typeface="Arial Narrow" panose="020B0606020202030204" pitchFamily="34" charset="0"/>
-              </a:rPr>
-              <a:t>x</a:t>
+            <a:pPr>
+              <a:defRPr sz="800"/>
+            </a:pPr>
+            <a:r>
+              <a:t>2015-05-29 13:12:08+00:00</a:t>
             </a:r>
             <a:endParaRPr lang="es-MX" sz="800" dirty="0">
               <a:latin typeface="Arial Narrow" panose="020B0606020202030204" pitchFamily="34" charset="0"/>
@@ -5736,11 +5708,11 @@
           </a:bodyPr>
           <a:lstStyle/>
           <a:p>
-            <a:r>
-              <a:rPr lang="es-MX" sz="800" smtClean="0">
-                <a:latin typeface="Arial Narrow" panose="020B0606020202030204" pitchFamily="34" charset="0"/>
-              </a:rPr>
-              <a:t>x</a:t>
+            <a:pPr>
+              <a:defRPr sz="800"/>
+            </a:pPr>
+            <a:r>
+              <a:t>Si</a:t>
             </a:r>
             <a:endParaRPr lang="es-MX" sz="800" dirty="0">
               <a:latin typeface="Arial Narrow" panose="020B0606020202030204" pitchFamily="34" charset="0"/>
@@ -5770,11 +5742,11 @@
           </a:bodyPr>
           <a:lstStyle/>
           <a:p>
-            <a:r>
-              <a:rPr lang="es-MX" sz="800" smtClean="0">
-                <a:latin typeface="Arial Narrow" panose="020B0606020202030204" pitchFamily="34" charset="0"/>
-              </a:rPr>
-              <a:t>x</a:t>
+            <a:pPr>
+              <a:defRPr sz="800"/>
+            </a:pPr>
+            <a:r>
+              <a:t>Si</a:t>
             </a:r>
             <a:endParaRPr lang="es-MX" sz="800" dirty="0">
               <a:latin typeface="Arial Narrow" panose="020B0606020202030204" pitchFamily="34" charset="0"/>

--- a/obras/static/ppt/ppt-generados/FichaTecnicaObras_1.pptx
+++ b/obras/static/ppt/ppt-generados/FichaTecnicaObras_1.pptx
@@ -5776,11 +5776,11 @@
           </a:bodyPr>
           <a:lstStyle/>
           <a:p>
-            <a:r>
-              <a:rPr lang="es-MX" sz="800" smtClean="0">
-                <a:latin typeface="Arial Narrow" panose="020B0606020202030204" pitchFamily="34" charset="0"/>
-              </a:rPr>
-              <a:t>xx</a:t>
+            <a:pPr>
+              <a:defRPr sz="800"/>
+            </a:pPr>
+            <a:r>
+              <a:t>Si</a:t>
             </a:r>
             <a:endParaRPr lang="es-MX" sz="800" dirty="0">
               <a:latin typeface="Arial Narrow" panose="020B0606020202030204" pitchFamily="34" charset="0"/>
@@ -5810,11 +5810,11 @@
           </a:bodyPr>
           <a:lstStyle/>
           <a:p>
-            <a:r>
-              <a:rPr lang="es-MX" sz="800" smtClean="0">
-                <a:latin typeface="Arial Narrow" panose="020B0606020202030204" pitchFamily="34" charset="0"/>
-              </a:rPr>
-              <a:t>xx</a:t>
+            <a:pPr>
+              <a:defRPr sz="800"/>
+            </a:pPr>
+            <a:r>
+              <a:t>Si</a:t>
             </a:r>
             <a:endParaRPr lang="es-MX" sz="800" dirty="0">
               <a:latin typeface="Arial Narrow" panose="020B0606020202030204" pitchFamily="34" charset="0"/>
@@ -5844,11 +5844,11 @@
           </a:bodyPr>
           <a:lstStyle/>
           <a:p>
-            <a:r>
-              <a:rPr lang="es-MX" sz="800" smtClean="0">
-                <a:latin typeface="Arial Narrow" panose="020B0606020202030204" pitchFamily="34" charset="0"/>
-              </a:rPr>
-              <a:t>xx</a:t>
+            <a:pPr>
+              <a:defRPr sz="800"/>
+            </a:pPr>
+            <a:r>
+              <a:t>Si</a:t>
             </a:r>
             <a:endParaRPr lang="es-MX" sz="800" dirty="0">
               <a:latin typeface="Arial Narrow" panose="020B0606020202030204" pitchFamily="34" charset="0"/>
@@ -5878,11 +5878,11 @@
           </a:bodyPr>
           <a:lstStyle/>
           <a:p>
-            <a:r>
-              <a:rPr lang="es-MX" sz="800" smtClean="0">
-                <a:latin typeface="Arial Narrow" panose="020B0606020202030204" pitchFamily="34" charset="0"/>
-              </a:rPr>
-              <a:t>xx</a:t>
+            <a:pPr>
+              <a:defRPr sz="800"/>
+            </a:pPr>
+            <a:r>
+              <a:t>Si</a:t>
             </a:r>
             <a:endParaRPr lang="es-MX" sz="800" dirty="0">
               <a:latin typeface="Arial Narrow" panose="020B0606020202030204" pitchFamily="34" charset="0"/>
@@ -5912,11 +5912,11 @@
           </a:bodyPr>
           <a:lstStyle/>
           <a:p>
-            <a:r>
-              <a:rPr lang="es-MX" sz="800" smtClean="0">
-                <a:latin typeface="Arial Narrow" panose="020B0606020202030204" pitchFamily="34" charset="0"/>
-              </a:rPr>
-              <a:t>x</a:t>
+            <a:pPr>
+              <a:defRPr sz="800"/>
+            </a:pPr>
+            <a:r>
+              <a:t>N/A</a:t>
             </a:r>
             <a:endParaRPr lang="es-MX" sz="800" dirty="0">
               <a:latin typeface="Arial Narrow" panose="020B0606020202030204" pitchFamily="34" charset="0"/>
@@ -5946,11 +5946,11 @@
           </a:bodyPr>
           <a:lstStyle/>
           <a:p>
-            <a:r>
-              <a:rPr lang="es-MX" sz="800" smtClean="0">
-                <a:latin typeface="Arial Narrow" panose="020B0606020202030204" pitchFamily="34" charset="0"/>
-              </a:rPr>
-              <a:t>x</a:t>
+            <a:pPr>
+              <a:defRPr sz="800"/>
+            </a:pPr>
+            <a:r>
+              <a:t>25.18</a:t>
             </a:r>
             <a:endParaRPr lang="es-MX" sz="800" dirty="0">
               <a:latin typeface="Arial Narrow" panose="020B0606020202030204" pitchFamily="34" charset="0"/>
@@ -5980,11 +5980,11 @@
           </a:bodyPr>
           <a:lstStyle/>
           <a:p>
-            <a:r>
-              <a:rPr lang="es-MX" sz="800" smtClean="0">
-                <a:latin typeface="Arial Narrow" panose="020B0606020202030204" pitchFamily="34" charset="0"/>
-              </a:rPr>
-              <a:t>x</a:t>
+            <a:pPr>
+              <a:defRPr sz="800"/>
+            </a:pPr>
+            <a:r>
+              <a:t>MDP</a:t>
             </a:r>
             <a:endParaRPr lang="es-MX" sz="800" dirty="0">
               <a:latin typeface="Arial Narrow" panose="020B0606020202030204" pitchFamily="34" charset="0"/>
@@ -6014,11 +6014,11 @@
           </a:bodyPr>
           <a:lstStyle/>
           <a:p>
-            <a:r>
-              <a:rPr lang="es-MX" sz="800" smtClean="0">
-                <a:latin typeface="Arial Narrow" panose="020B0606020202030204" pitchFamily="34" charset="0"/>
-              </a:rPr>
-              <a:t>x</a:t>
+            <a:pPr>
+              <a:defRPr sz="800"/>
+            </a:pPr>
+            <a:r>
+              <a:t>HABITANTES</a:t>
             </a:r>
             <a:endParaRPr lang="es-MX" sz="800" dirty="0">
               <a:latin typeface="Arial Narrow" panose="020B0606020202030204" pitchFamily="34" charset="0"/>
@@ -6048,11 +6048,11 @@
           </a:bodyPr>
           <a:lstStyle/>
           <a:p>
-            <a:r>
-              <a:rPr lang="es-MX" sz="800" smtClean="0">
-                <a:latin typeface="Arial Narrow" panose="020B0606020202030204" pitchFamily="34" charset="0"/>
-              </a:rPr>
-              <a:t>x</a:t>
+            <a:pPr>
+              <a:defRPr sz="800"/>
+            </a:pPr>
+            <a:r>
+              <a:t>MUNICIPAL</a:t>
             </a:r>
             <a:endParaRPr lang="es-MX" sz="800" dirty="0">
               <a:latin typeface="Arial Narrow" panose="020B0606020202030204" pitchFamily="34" charset="0"/>
@@ -6082,11 +6082,11 @@
           </a:bodyPr>
           <a:lstStyle/>
           <a:p>
-            <a:r>
-              <a:rPr lang="es-MX" sz="800" smtClean="0">
-                <a:latin typeface="Arial Narrow" panose="020B0606020202030204" pitchFamily="34" charset="0"/>
-              </a:rPr>
-              <a:t>x</a:t>
+            <a:pPr>
+              <a:defRPr sz="800"/>
+            </a:pPr>
+            <a:r>
+              <a:t>Si</a:t>
             </a:r>
             <a:endParaRPr lang="es-MX" sz="800" dirty="0">
               <a:latin typeface="Arial Narrow" panose="020B0606020202030204" pitchFamily="34" charset="0"/>
@@ -6116,11 +6116,11 @@
           </a:bodyPr>
           <a:lstStyle/>
           <a:p>
-            <a:r>
-              <a:rPr lang="es-MX" sz="800" smtClean="0">
-                <a:latin typeface="Arial Narrow" panose="020B0606020202030204" pitchFamily="34" charset="0"/>
-              </a:rPr>
-              <a:t>xx</a:t>
+            <a:pPr>
+              <a:defRPr sz="800"/>
+            </a:pPr>
+            <a:r>
+              <a:t>Si</a:t>
             </a:r>
             <a:endParaRPr lang="es-MX" sz="800" dirty="0">
               <a:latin typeface="Arial Narrow" panose="020B0606020202030204" pitchFamily="34" charset="0"/>
@@ -6150,12 +6150,11 @@
           </a:bodyPr>
           <a:lstStyle/>
           <a:p>
-            <a:r>
-              <a:rPr lang="es-MX" sz="800" smtClean="0">
-                <a:latin typeface="Arial Narrow" panose="020B0606020202030204" pitchFamily="34" charset="0"/>
-                <a:cs typeface="Angsana New" panose="02020603050405020304" pitchFamily="18" charset="-34"/>
-              </a:rPr>
-              <a:t>x</a:t>
+            <a:pPr>
+              <a:defRPr sz="800"/>
+            </a:pPr>
+            <a:r>
+              <a:t>CG257</a:t>
             </a:r>
             <a:endParaRPr lang="es-MX" sz="800" dirty="0">
               <a:latin typeface="Arial Narrow" panose="020B0606020202030204" pitchFamily="34" charset="0"/>
@@ -6186,11 +6185,11 @@
           </a:bodyPr>
           <a:lstStyle/>
           <a:p>
-            <a:r>
-              <a:rPr lang="es-MX" sz="800" smtClean="0">
-                <a:latin typeface="Arial Narrow" panose="020B0606020202030204" pitchFamily="34" charset="0"/>
-              </a:rPr>
-              <a:t>xx</a:t>
+            <a:pPr>
+              <a:defRPr sz="800"/>
+            </a:pPr>
+            <a:r>
+              <a:t>No</a:t>
             </a:r>
             <a:endParaRPr lang="es-MX" sz="800" dirty="0">
               <a:latin typeface="Arial Narrow" panose="020B0606020202030204" pitchFamily="34" charset="0"/>
@@ -6220,11 +6219,11 @@
           </a:bodyPr>
           <a:lstStyle/>
           <a:p>
-            <a:r>
-              <a:rPr lang="es-MX" sz="800" smtClean="0">
-                <a:latin typeface="Arial Narrow" panose="020B0606020202030204" pitchFamily="34" charset="0"/>
-              </a:rPr>
-              <a:t>xx</a:t>
+            <a:pPr>
+              <a:defRPr sz="800"/>
+            </a:pPr>
+            <a:r>
+              <a:t>No</a:t>
             </a:r>
             <a:endParaRPr lang="es-MX" sz="800" dirty="0">
               <a:latin typeface="Arial Narrow" panose="020B0606020202030204" pitchFamily="34" charset="0"/>
@@ -6254,11 +6253,11 @@
           </a:bodyPr>
           <a:lstStyle/>
           <a:p>
-            <a:r>
-              <a:rPr lang="es-MX" sz="800" smtClean="0">
-                <a:latin typeface="Arial Narrow" panose="020B0606020202030204" pitchFamily="34" charset="0"/>
-              </a:rPr>
-              <a:t>xx</a:t>
+            <a:pPr>
+              <a:defRPr sz="800"/>
+            </a:pPr>
+            <a:r>
+              <a:t>No</a:t>
             </a:r>
             <a:endParaRPr lang="es-MX" sz="800" dirty="0">
               <a:latin typeface="Arial Narrow" panose="020B0606020202030204" pitchFamily="34" charset="0"/>
@@ -6288,11 +6287,11 @@
           </a:bodyPr>
           <a:lstStyle/>
           <a:p>
-            <a:r>
-              <a:rPr lang="es-MX" sz="800" smtClean="0">
-                <a:latin typeface="Arial Narrow" panose="020B0606020202030204" pitchFamily="34" charset="0"/>
-              </a:rPr>
-              <a:t>xx</a:t>
+            <a:pPr>
+              <a:defRPr sz="800"/>
+            </a:pPr>
+            <a:r>
+              <a:t>Si</a:t>
             </a:r>
             <a:endParaRPr lang="es-MX" sz="800" dirty="0">
               <a:latin typeface="Arial Narrow" panose="020B0606020202030204" pitchFamily="34" charset="0"/>
@@ -6322,11 +6321,11 @@
           </a:bodyPr>
           <a:lstStyle/>
           <a:p>
-            <a:r>
-              <a:rPr lang="es-MX" sz="800" smtClean="0">
-                <a:latin typeface="Arial Narrow" panose="020B0606020202030204" pitchFamily="34" charset="0"/>
-              </a:rPr>
-              <a:t>xx</a:t>
+            <a:pPr>
+              <a:defRPr sz="800"/>
+            </a:pPr>
+            <a:r>
+              <a:t>No</a:t>
             </a:r>
             <a:endParaRPr lang="es-MX" sz="800" dirty="0">
               <a:latin typeface="Arial Narrow" panose="020B0606020202030204" pitchFamily="34" charset="0"/>
@@ -6356,11 +6355,11 @@
           </a:bodyPr>
           <a:lstStyle/>
           <a:p>
-            <a:r>
-              <a:rPr lang="es-MX" sz="800" smtClean="0">
-                <a:latin typeface="Arial Narrow" panose="020B0606020202030204" pitchFamily="34" charset="0"/>
-              </a:rPr>
-              <a:t>x</a:t>
+            <a:pPr>
+              <a:defRPr sz="800"/>
+            </a:pPr>
+            <a:r>
+              <a:t>RED DE DISTRIBUCION TOMAS DOMICILIARIAS TANQUE DE REGULACION CON CAPACIDAD DE 1,500M3 INTERCONEXION LINEA DE CONDUCCION HACIA POZOS</a:t>
             </a:r>
             <a:endParaRPr lang="es-MX" sz="800" dirty="0">
               <a:latin typeface="Arial Narrow" panose="020B0606020202030204" pitchFamily="34" charset="0"/>
@@ -6390,11 +6389,11 @@
           </a:bodyPr>
           <a:lstStyle/>
           <a:p>
-            <a:r>
-              <a:rPr lang="es-MX" sz="800" smtClean="0">
-                <a:latin typeface="Arial Narrow" panose="020B0606020202030204" pitchFamily="34" charset="0"/>
-              </a:rPr>
-              <a:t>x</a:t>
+            <a:pPr>
+              <a:defRPr sz="800"/>
+            </a:pPr>
+            <a:r>
+              <a:t>N/A</a:t>
             </a:r>
             <a:endParaRPr lang="es-MX" sz="800" dirty="0">
               <a:latin typeface="Arial Narrow" panose="020B0606020202030204" pitchFamily="34" charset="0"/>
@@ -6424,11 +6423,11 @@
           </a:bodyPr>
           <a:lstStyle/>
           <a:p>
-            <a:r>
-              <a:rPr lang="es-MX" sz="800" smtClean="0">
-                <a:latin typeface="Arial Narrow" panose="020B0606020202030204" pitchFamily="34" charset="0"/>
-              </a:rPr>
-              <a:t>x</a:t>
+            <a:pPr>
+              <a:defRPr sz="800"/>
+            </a:pPr>
+            <a:r>
+              <a:t>Si</a:t>
             </a:r>
             <a:endParaRPr lang="es-MX" sz="800" dirty="0">
               <a:latin typeface="Arial Narrow" panose="020B0606020202030204" pitchFamily="34" charset="0"/>
@@ -6458,11 +6457,11 @@
           </a:bodyPr>
           <a:lstStyle/>
           <a:p>
-            <a:r>
-              <a:rPr lang="es-MX" sz="800" smtClean="0">
-                <a:latin typeface="Arial Narrow" panose="020B0606020202030204" pitchFamily="34" charset="0"/>
-              </a:rPr>
-              <a:t>x</a:t>
+            <a:pPr>
+              <a:defRPr sz="800"/>
+            </a:pPr>
+            <a:r>
+              <a:t>Si</a:t>
             </a:r>
             <a:endParaRPr lang="es-MX" sz="800" dirty="0">
               <a:latin typeface="Arial Narrow" panose="020B0606020202030204" pitchFamily="34" charset="0"/>
@@ -6492,11 +6491,11 @@
           </a:bodyPr>
           <a:lstStyle/>
           <a:p>
-            <a:r>
-              <a:rPr lang="es-MX" sz="800" smtClean="0">
-                <a:latin typeface="Arial Narrow" panose="020B0606020202030204" pitchFamily="34" charset="0"/>
-              </a:rPr>
-              <a:t>x</a:t>
+            <a:pPr>
+              <a:defRPr sz="800"/>
+            </a:pPr>
+            <a:r>
+              <a:t>OTRO</a:t>
             </a:r>
             <a:endParaRPr lang="es-MX" sz="800" dirty="0">
               <a:latin typeface="Arial Narrow" panose="020B0606020202030204" pitchFamily="34" charset="0"/>
@@ -6504,6 +6503,30 @@
           </a:p>
         </p:txBody>
       </p:sp>
+      <p:pic>
+        <p:nvPicPr>
+          <p:cNvPr id="45" name="Picture 44" descr="CDI.jpg"/>
+          <p:cNvPicPr>
+            <a:picLocks noChangeAspect="1"/>
+          </p:cNvPicPr>
+          <p:nvPr/>
+        </p:nvPicPr>
+        <p:blipFill>
+          <a:blip r:embed="rId2"/>
+          <a:stretch>
+            <a:fillRect/>
+          </a:stretch>
+        </p:blipFill>
+        <p:spPr>
+          <a:xfrm>
+            <a:off x="365760" y="914400"/>
+            <a:ext cx="2667000" cy="914400"/>
+          </a:xfrm>
+          <a:prstGeom prst="rect">
+            <a:avLst/>
+          </a:prstGeom>
+        </p:spPr>
+      </p:pic>
     </p:spTree>
     <p:extLst>
       <p:ext uri="{BB962C8B-B14F-4D97-AF65-F5344CB8AC3E}">

--- a/obras/static/ppt/ppt-generados/FichaTecnicaObras_1.pptx
+++ b/obras/static/ppt/ppt-generados/FichaTecnicaObras_1.pptx
@@ -5372,7 +5372,7 @@
               <a:defRPr sz="800"/>
             </a:pPr>
             <a:r>
-              <a:t>OB_CDI_00001</a:t>
+              <a:t>OB_SEGOB_00056</a:t>
             </a:r>
             <a:endParaRPr lang="es-MX" sz="800" dirty="0">
               <a:latin typeface="Arial Narrow" panose="020B0606020202030204" pitchFamily="34" charset="0"/>
@@ -5406,7 +5406,7 @@
               <a:defRPr sz="800"/>
             </a:pPr>
             <a:r>
-              <a:t>AMPLIACION DE SISTEMA MULTIPLE DE AGUA POTABLE</a:t>
+              <a:t>PROYECTO DE AMPLIACION DE LA COBERTURA DEL ORGANISMO PROMOTOR DE MEDIOS AUDIOVISUALES</a:t>
             </a:r>
             <a:endParaRPr lang="es-MX" sz="600" dirty="0">
               <a:latin typeface="Arial Narrow" panose="020B0606020202030204" pitchFamily="34" charset="0"/>
@@ -5440,7 +5440,7 @@
               <a:defRPr sz="800"/>
             </a:pPr>
             <a:r>
-              <a:t>CDI</a:t>
+              <a:t>SEGOB</a:t>
             </a:r>
             <a:endParaRPr lang="es-MX" sz="800" dirty="0">
               <a:latin typeface="Arial Narrow" panose="020B0606020202030204" pitchFamily="34" charset="0"/>
@@ -5474,7 +5474,7 @@
               <a:defRPr sz="800"/>
             </a:pPr>
             <a:r>
-              <a:t>BAJA CALIFORNIA</a:t>
+              <a:t>NACIONAL</a:t>
             </a:r>
             <a:endParaRPr lang="es-MX" sz="800" dirty="0">
               <a:latin typeface="Arial Narrow" panose="020B0606020202030204" pitchFamily="34" charset="0"/>
@@ -5508,7 +5508,7 @@
               <a:defRPr sz="800"/>
             </a:pPr>
             <a:r>
-              <a:t>ENSENADA</a:t>
+              <a:t>ESTATAL</a:t>
             </a:r>
             <a:endParaRPr lang="es-MX" sz="800" dirty="0">
               <a:latin typeface="Arial Narrow" panose="020B0606020202030204" pitchFamily="34" charset="0"/>
@@ -5542,7 +5542,7 @@
               <a:defRPr sz="800"/>
             </a:pPr>
             <a:r>
-              <a:t>2013-08-09</a:t>
+              <a:t>2011-04-01</a:t>
             </a:r>
             <a:endParaRPr lang="es-MX" sz="800" dirty="0">
               <a:latin typeface="Arial Narrow" panose="020B0606020202030204" pitchFamily="34" charset="0"/>
@@ -5576,7 +5576,7 @@
               <a:defRPr sz="800"/>
             </a:pPr>
             <a:r>
-              <a:t>2013-11-26</a:t>
+              <a:t>2015-12-31</a:t>
             </a:r>
             <a:endParaRPr lang="es-MX" sz="800" dirty="0">
               <a:latin typeface="Arial Narrow" panose="020B0606020202030204" pitchFamily="34" charset="0"/>
@@ -5610,7 +5610,7 @@
               <a:defRPr sz="800"/>
             </a:pPr>
             <a:r>
-              <a:t>CONCLUIDAS</a:t>
+              <a:t>PROCESO</a:t>
             </a:r>
             <a:endParaRPr lang="es-MX" sz="800" dirty="0">
               <a:latin typeface="Arial Narrow" panose="020B0606020202030204" pitchFamily="34" charset="0"/>
@@ -5644,7 +5644,7 @@
               <a:defRPr sz="800"/>
             </a:pPr>
             <a:r>
-              <a:t>100.0</a:t>
+              <a:t>80.0</a:t>
             </a:r>
             <a:endParaRPr lang="es-MX" sz="800" dirty="0">
               <a:latin typeface="Arial Narrow" panose="020B0606020202030204" pitchFamily="34" charset="0"/>
@@ -5678,7 +5678,7 @@
               <a:defRPr sz="800"/>
             </a:pPr>
             <a:r>
-              <a:t>2015-05-29 13:12:08+00:00</a:t>
+              <a:t>2015-01-23 10:36:35+00:00</a:t>
             </a:r>
             <a:endParaRPr lang="es-MX" sz="800" dirty="0">
               <a:latin typeface="Arial Narrow" panose="020B0606020202030204" pitchFamily="34" charset="0"/>
@@ -5746,7 +5746,7 @@
               <a:defRPr sz="800"/>
             </a:pPr>
             <a:r>
-              <a:t>Si</a:t>
+              <a:t>No</a:t>
             </a:r>
             <a:endParaRPr lang="es-MX" sz="800" dirty="0">
               <a:latin typeface="Arial Narrow" panose="020B0606020202030204" pitchFamily="34" charset="0"/>
@@ -5780,7 +5780,7 @@
               <a:defRPr sz="800"/>
             </a:pPr>
             <a:r>
-              <a:t>Si</a:t>
+              <a:t>No</a:t>
             </a:r>
             <a:endParaRPr lang="es-MX" sz="800" dirty="0">
               <a:latin typeface="Arial Narrow" panose="020B0606020202030204" pitchFamily="34" charset="0"/>
@@ -5814,7 +5814,7 @@
               <a:defRPr sz="800"/>
             </a:pPr>
             <a:r>
-              <a:t>Si</a:t>
+              <a:t>No</a:t>
             </a:r>
             <a:endParaRPr lang="es-MX" sz="800" dirty="0">
               <a:latin typeface="Arial Narrow" panose="020B0606020202030204" pitchFamily="34" charset="0"/>
@@ -5848,7 +5848,7 @@
               <a:defRPr sz="800"/>
             </a:pPr>
             <a:r>
-              <a:t>Si</a:t>
+              <a:t>No</a:t>
             </a:r>
             <a:endParaRPr lang="es-MX" sz="800" dirty="0">
               <a:latin typeface="Arial Narrow" panose="020B0606020202030204" pitchFamily="34" charset="0"/>
@@ -5882,7 +5882,7 @@
               <a:defRPr sz="800"/>
             </a:pPr>
             <a:r>
-              <a:t>Si</a:t>
+              <a:t>No</a:t>
             </a:r>
             <a:endParaRPr lang="es-MX" sz="800" dirty="0">
               <a:latin typeface="Arial Narrow" panose="020B0606020202030204" pitchFamily="34" charset="0"/>
@@ -5950,7 +5950,7 @@
               <a:defRPr sz="800"/>
             </a:pPr>
             <a:r>
-              <a:t>25.18</a:t>
+              <a:t>1060.65</a:t>
             </a:r>
             <a:endParaRPr lang="es-MX" sz="800" dirty="0">
               <a:latin typeface="Arial Narrow" panose="020B0606020202030204" pitchFamily="34" charset="0"/>
@@ -6018,7 +6018,7 @@
               <a:defRPr sz="800"/>
             </a:pPr>
             <a:r>
-              <a:t>HABITANTES</a:t>
+              <a:t>N.D.</a:t>
             </a:r>
             <a:endParaRPr lang="es-MX" sz="800" dirty="0">
               <a:latin typeface="Arial Narrow" panose="020B0606020202030204" pitchFamily="34" charset="0"/>
@@ -6052,7 +6052,7 @@
               <a:defRPr sz="800"/>
             </a:pPr>
             <a:r>
-              <a:t>MUNICIPAL</a:t>
+              <a:t>NACIONAL</a:t>
             </a:r>
             <a:endParaRPr lang="es-MX" sz="800" dirty="0">
               <a:latin typeface="Arial Narrow" panose="020B0606020202030204" pitchFamily="34" charset="0"/>
@@ -6120,7 +6120,7 @@
               <a:defRPr sz="800"/>
             </a:pPr>
             <a:r>
-              <a:t>Si</a:t>
+              <a:t>No</a:t>
             </a:r>
             <a:endParaRPr lang="es-MX" sz="800" dirty="0">
               <a:latin typeface="Arial Narrow" panose="020B0606020202030204" pitchFamily="34" charset="0"/>
@@ -6150,11 +6150,12 @@
           </a:bodyPr>
           <a:lstStyle/>
           <a:p>
-            <a:pPr>
-              <a:defRPr sz="800"/>
-            </a:pPr>
-            <a:r>
-              <a:t>CG257</a:t>
+            <a:r>
+              <a:rPr lang="es-MX" sz="800" smtClean="0">
+                <a:latin typeface="Arial Narrow" panose="020B0606020202030204" pitchFamily="34" charset="0"/>
+                <a:cs typeface="Angsana New" panose="02020603050405020304" pitchFamily="18" charset="-34"/>
+              </a:rPr>
+              <a:t>x</a:t>
             </a:r>
             <a:endParaRPr lang="es-MX" sz="800" dirty="0">
               <a:latin typeface="Arial Narrow" panose="020B0606020202030204" pitchFamily="34" charset="0"/>
@@ -6291,7 +6292,7 @@
               <a:defRPr sz="800"/>
             </a:pPr>
             <a:r>
-              <a:t>Si</a:t>
+              <a:t>No</a:t>
             </a:r>
             <a:endParaRPr lang="es-MX" sz="800" dirty="0">
               <a:latin typeface="Arial Narrow" panose="020B0606020202030204" pitchFamily="34" charset="0"/>
@@ -6325,7 +6326,7 @@
               <a:defRPr sz="800"/>
             </a:pPr>
             <a:r>
-              <a:t>No</a:t>
+              <a:t>Si</a:t>
             </a:r>
             <a:endParaRPr lang="es-MX" sz="800" dirty="0">
               <a:latin typeface="Arial Narrow" panose="020B0606020202030204" pitchFamily="34" charset="0"/>
@@ -6359,7 +6360,7 @@
               <a:defRPr sz="800"/>
             </a:pPr>
             <a:r>
-              <a:t>RED DE DISTRIBUCION TOMAS DOMICILIARIAS TANQUE DE REGULACION CON CAPACIDAD DE 1,500M3 INTERCONEXION LINEA DE CONDUCCION HACIA POZOS</a:t>
+              <a:t>AMPLIAR LA COBERTURA DE LOS MEDIOS AUDIOVISUALES DE LA ADMINISTRACION PUBLICA FEDERAL, QUE CONSTITUYE UNA ACTIVIDAD DE INTERES PUBLICO.</a:t>
             </a:r>
             <a:endParaRPr lang="es-MX" sz="800" dirty="0">
               <a:latin typeface="Arial Narrow" panose="020B0606020202030204" pitchFamily="34" charset="0"/>
@@ -6505,7 +6506,7 @@
       </p:sp>
       <p:pic>
         <p:nvPicPr>
-          <p:cNvPr id="45" name="Picture 44" descr="CDI.jpg"/>
+          <p:cNvPr id="45" name="Picture 44" descr="SEGOB.jpg"/>
           <p:cNvPicPr>
             <a:picLocks noChangeAspect="1"/>
           </p:cNvPicPr>

--- a/obras/static/ppt/ppt-generados/FichaTecnicaObras_1.pptx
+++ b/obras/static/ppt/ppt-generados/FichaTecnicaObras_1.pptx
@@ -192,7 +192,7 @@
           <a:p>
             <a:fld id="{A12F159B-2BA9-4A4C-8F37-6A12CA4521B5}" type="datetimeFigureOut">
               <a:rPr lang="es-MX" smtClean="0"/>
-              <a:t>21/10/2014</a:t>
+              <a:t>05/07/2015</a:t>
             </a:fld>
             <a:endParaRPr lang="es-MX"/>
           </a:p>
@@ -462,7 +462,7 @@
           <a:p>
             <a:fld id="{F4C741E7-0659-46B3-91BB-B8C3B98C4B5D}" type="datetimeFigureOut">
               <a:rPr lang="es-MX" smtClean="0"/>
-              <a:t>21/10/2014</a:t>
+              <a:t>05/07/2015</a:t>
             </a:fld>
             <a:endParaRPr lang="es-MX"/>
           </a:p>
@@ -655,7 +655,7 @@
           <a:p>
             <a:fld id="{F4C741E7-0659-46B3-91BB-B8C3B98C4B5D}" type="datetimeFigureOut">
               <a:rPr lang="es-MX" smtClean="0"/>
-              <a:t>21/10/2014</a:t>
+              <a:t>05/07/2015</a:t>
             </a:fld>
             <a:endParaRPr lang="es-MX"/>
           </a:p>
@@ -841,7 +841,7 @@
           <a:p>
             <a:fld id="{F4C741E7-0659-46B3-91BB-B8C3B98C4B5D}" type="datetimeFigureOut">
               <a:rPr lang="es-MX" smtClean="0"/>
-              <a:t>21/10/2014</a:t>
+              <a:t>05/07/2015</a:t>
             </a:fld>
             <a:endParaRPr lang="es-MX"/>
           </a:p>
@@ -1027,7 +1027,7 @@
           <a:p>
             <a:fld id="{F4C741E7-0659-46B3-91BB-B8C3B98C4B5D}" type="datetimeFigureOut">
               <a:rPr lang="es-MX" smtClean="0"/>
-              <a:t>21/10/2014</a:t>
+              <a:t>05/07/2015</a:t>
             </a:fld>
             <a:endParaRPr lang="es-MX"/>
           </a:p>
@@ -1279,7 +1279,7 @@
           <a:p>
             <a:fld id="{F4C741E7-0659-46B3-91BB-B8C3B98C4B5D}" type="datetimeFigureOut">
               <a:rPr lang="es-MX" smtClean="0"/>
-              <a:t>21/10/2014</a:t>
+              <a:t>05/07/2015</a:t>
             </a:fld>
             <a:endParaRPr lang="es-MX"/>
           </a:p>
@@ -1581,7 +1581,7 @@
           <a:p>
             <a:fld id="{F4C741E7-0659-46B3-91BB-B8C3B98C4B5D}" type="datetimeFigureOut">
               <a:rPr lang="es-MX" smtClean="0"/>
-              <a:t>21/10/2014</a:t>
+              <a:t>05/07/2015</a:t>
             </a:fld>
             <a:endParaRPr lang="es-MX"/>
           </a:p>
@@ -2023,7 +2023,7 @@
           <a:p>
             <a:fld id="{F4C741E7-0659-46B3-91BB-B8C3B98C4B5D}" type="datetimeFigureOut">
               <a:rPr lang="es-MX" smtClean="0"/>
-              <a:t>21/10/2014</a:t>
+              <a:t>05/07/2015</a:t>
             </a:fld>
             <a:endParaRPr lang="es-MX"/>
           </a:p>
@@ -2149,7 +2149,7 @@
           <a:p>
             <a:fld id="{F4C741E7-0659-46B3-91BB-B8C3B98C4B5D}" type="datetimeFigureOut">
               <a:rPr lang="es-MX" smtClean="0"/>
-              <a:t>21/10/2014</a:t>
+              <a:t>05/07/2015</a:t>
             </a:fld>
             <a:endParaRPr lang="es-MX"/>
           </a:p>
@@ -2244,7 +2244,7 @@
           <a:p>
             <a:fld id="{F4C741E7-0659-46B3-91BB-B8C3B98C4B5D}" type="datetimeFigureOut">
               <a:rPr lang="es-MX" smtClean="0"/>
-              <a:t>21/10/2014</a:t>
+              <a:t>05/07/2015</a:t>
             </a:fld>
             <a:endParaRPr lang="es-MX"/>
           </a:p>
@@ -2530,7 +2530,7 @@
           <a:p>
             <a:fld id="{F4C741E7-0659-46B3-91BB-B8C3B98C4B5D}" type="datetimeFigureOut">
               <a:rPr lang="es-MX" smtClean="0"/>
-              <a:t>21/10/2014</a:t>
+              <a:t>05/07/2015</a:t>
             </a:fld>
             <a:endParaRPr lang="es-MX"/>
           </a:p>
@@ -2792,7 +2792,7 @@
           <a:p>
             <a:fld id="{F4C741E7-0659-46B3-91BB-B8C3B98C4B5D}" type="datetimeFigureOut">
               <a:rPr lang="es-MX" smtClean="0"/>
-              <a:t>21/10/2014</a:t>
+              <a:t>05/07/2015</a:t>
             </a:fld>
             <a:endParaRPr lang="es-MX"/>
           </a:p>
@@ -2910,7 +2910,7 @@
           <a:p>
             <a:fld id="{F4C741E7-0659-46B3-91BB-B8C3B98C4B5D}" type="datetimeFigureOut">
               <a:rPr lang="es-MX" smtClean="0"/>
-              <a:t>21/10/2014</a:t>
+              <a:t>05/07/2015</a:t>
             </a:fld>
             <a:endParaRPr lang="es-MX"/>
           </a:p>
@@ -5372,7 +5372,7 @@
               <a:defRPr sz="800"/>
             </a:pPr>
             <a:r>
-              <a:t>OB_SEGOB_00056</a:t>
+              <a:t>OB_CDI_01920</a:t>
             </a:r>
             <a:endParaRPr lang="es-MX" sz="800" dirty="0">
               <a:latin typeface="Arial Narrow" panose="020B0606020202030204" pitchFamily="34" charset="0"/>
@@ -5389,7 +5389,7 @@
         <p:spPr>
           <a:xfrm>
             <a:off x="1547664" y="2780928"/>
-            <a:ext cx="1284618" cy="184666"/>
+            <a:ext cx="1440160" cy="184666"/>
           </a:xfrm>
           <a:prstGeom prst="rect">
             <a:avLst/>
@@ -5406,7 +5406,7 @@
               <a:defRPr sz="800"/>
             </a:pPr>
             <a:r>
-              <a:t>PROYECTO DE AMPLIACION DE LA COBERTURA DEL ORGANISMO PROMOTOR DE MEDIOS AUDIOVISUALES</a:t>
+              <a:t>MODERNIZACION Y AMPLIACION DE CARRETERA ALIMENTADORA</a:t>
             </a:r>
             <a:endParaRPr lang="es-MX" sz="600" dirty="0">
               <a:latin typeface="Arial Narrow" panose="020B0606020202030204" pitchFamily="34" charset="0"/>
@@ -5440,7 +5440,7 @@
               <a:defRPr sz="800"/>
             </a:pPr>
             <a:r>
-              <a:t>SEGOB</a:t>
+              <a:t>CDI</a:t>
             </a:r>
             <a:endParaRPr lang="es-MX" sz="800" dirty="0">
               <a:latin typeface="Arial Narrow" panose="020B0606020202030204" pitchFamily="34" charset="0"/>
@@ -5474,7 +5474,7 @@
               <a:defRPr sz="800"/>
             </a:pPr>
             <a:r>
-              <a:t>NACIONAL</a:t>
+              <a:t>YUCATAN</a:t>
             </a:r>
             <a:endParaRPr lang="es-MX" sz="800" dirty="0">
               <a:latin typeface="Arial Narrow" panose="020B0606020202030204" pitchFamily="34" charset="0"/>
@@ -5508,7 +5508,7 @@
               <a:defRPr sz="800"/>
             </a:pPr>
             <a:r>
-              <a:t>ESTATAL</a:t>
+              <a:t>TEKAX TIXMEHUAC</a:t>
             </a:r>
             <a:endParaRPr lang="es-MX" sz="800" dirty="0">
               <a:latin typeface="Arial Narrow" panose="020B0606020202030204" pitchFamily="34" charset="0"/>
@@ -5542,7 +5542,7 @@
               <a:defRPr sz="800"/>
             </a:pPr>
             <a:r>
-              <a:t>2011-04-01</a:t>
+              <a:t>2015-08-31</a:t>
             </a:r>
             <a:endParaRPr lang="es-MX" sz="800" dirty="0">
               <a:latin typeface="Arial Narrow" panose="020B0606020202030204" pitchFamily="34" charset="0"/>
@@ -5610,7 +5610,7 @@
               <a:defRPr sz="800"/>
             </a:pPr>
             <a:r>
-              <a:t>PROCESO</a:t>
+              <a:t>PROYECTADAS</a:t>
             </a:r>
             <a:endParaRPr lang="es-MX" sz="800" dirty="0">
               <a:latin typeface="Arial Narrow" panose="020B0606020202030204" pitchFamily="34" charset="0"/>
@@ -5644,7 +5644,7 @@
               <a:defRPr sz="800"/>
             </a:pPr>
             <a:r>
-              <a:t>80.0</a:t>
+              <a:t>0.0</a:t>
             </a:r>
             <a:endParaRPr lang="es-MX" sz="800" dirty="0">
               <a:latin typeface="Arial Narrow" panose="020B0606020202030204" pitchFamily="34" charset="0"/>
@@ -5678,7 +5678,7 @@
               <a:defRPr sz="800"/>
             </a:pPr>
             <a:r>
-              <a:t>2015-01-23 10:36:35+00:00</a:t>
+              <a:t>2015-07-04 22:18:06+00:00</a:t>
             </a:r>
             <a:endParaRPr lang="es-MX" sz="800" dirty="0">
               <a:latin typeface="Arial Narrow" panose="020B0606020202030204" pitchFamily="34" charset="0"/>
@@ -5746,7 +5746,7 @@
               <a:defRPr sz="800"/>
             </a:pPr>
             <a:r>
-              <a:t>No</a:t>
+              <a:t>Si</a:t>
             </a:r>
             <a:endParaRPr lang="es-MX" sz="800" dirty="0">
               <a:latin typeface="Arial Narrow" panose="020B0606020202030204" pitchFamily="34" charset="0"/>
@@ -5780,7 +5780,7 @@
               <a:defRPr sz="800"/>
             </a:pPr>
             <a:r>
-              <a:t>No</a:t>
+              <a:t>Si</a:t>
             </a:r>
             <a:endParaRPr lang="es-MX" sz="800" dirty="0">
               <a:latin typeface="Arial Narrow" panose="020B0606020202030204" pitchFamily="34" charset="0"/>
@@ -5814,7 +5814,7 @@
               <a:defRPr sz="800"/>
             </a:pPr>
             <a:r>
-              <a:t>No</a:t>
+              <a:t>Si</a:t>
             </a:r>
             <a:endParaRPr lang="es-MX" sz="800" dirty="0">
               <a:latin typeface="Arial Narrow" panose="020B0606020202030204" pitchFamily="34" charset="0"/>
@@ -5848,7 +5848,7 @@
               <a:defRPr sz="800"/>
             </a:pPr>
             <a:r>
-              <a:t>No</a:t>
+              <a:t>Si</a:t>
             </a:r>
             <a:endParaRPr lang="es-MX" sz="800" dirty="0">
               <a:latin typeface="Arial Narrow" panose="020B0606020202030204" pitchFamily="34" charset="0"/>
@@ -5882,7 +5882,7 @@
               <a:defRPr sz="800"/>
             </a:pPr>
             <a:r>
-              <a:t>No</a:t>
+              <a:t>Si</a:t>
             </a:r>
             <a:endParaRPr lang="es-MX" sz="800" dirty="0">
               <a:latin typeface="Arial Narrow" panose="020B0606020202030204" pitchFamily="34" charset="0"/>
@@ -5950,7 +5950,7 @@
               <a:defRPr sz="800"/>
             </a:pPr>
             <a:r>
-              <a:t>1060.65</a:t>
+              <a:t>20.8</a:t>
             </a:r>
             <a:endParaRPr lang="es-MX" sz="800" dirty="0">
               <a:latin typeface="Arial Narrow" panose="020B0606020202030204" pitchFamily="34" charset="0"/>
@@ -6018,7 +6018,7 @@
               <a:defRPr sz="800"/>
             </a:pPr>
             <a:r>
-              <a:t>N.D.</a:t>
+              <a:t>HABITANTES</a:t>
             </a:r>
             <a:endParaRPr lang="es-MX" sz="800" dirty="0">
               <a:latin typeface="Arial Narrow" panose="020B0606020202030204" pitchFamily="34" charset="0"/>
@@ -6052,7 +6052,7 @@
               <a:defRPr sz="800"/>
             </a:pPr>
             <a:r>
-              <a:t>NACIONAL</a:t>
+              <a:t>REGIONAL</a:t>
             </a:r>
             <a:endParaRPr lang="es-MX" sz="800" dirty="0">
               <a:latin typeface="Arial Narrow" panose="020B0606020202030204" pitchFamily="34" charset="0"/>
@@ -6103,7 +6103,7 @@
         <p:spPr>
           <a:xfrm>
             <a:off x="3059832" y="4365104"/>
-            <a:ext cx="288032" cy="215444"/>
+            <a:ext cx="432048" cy="215444"/>
           </a:xfrm>
           <a:prstGeom prst="rect">
             <a:avLst/>
@@ -6120,7 +6120,7 @@
               <a:defRPr sz="800"/>
             </a:pPr>
             <a:r>
-              <a:t>No</a:t>
+              <a:t>Si</a:t>
             </a:r>
             <a:endParaRPr lang="es-MX" sz="800" dirty="0">
               <a:latin typeface="Arial Narrow" panose="020B0606020202030204" pitchFamily="34" charset="0"/>
@@ -6150,12 +6150,11 @@
           </a:bodyPr>
           <a:lstStyle/>
           <a:p>
-            <a:r>
-              <a:rPr lang="es-MX" sz="800" smtClean="0">
-                <a:latin typeface="Arial Narrow" panose="020B0606020202030204" pitchFamily="34" charset="0"/>
-                <a:cs typeface="Angsana New" panose="02020603050405020304" pitchFamily="18" charset="-34"/>
-              </a:rPr>
-              <a:t>x</a:t>
+            <a:pPr>
+              <a:defRPr sz="800"/>
+            </a:pPr>
+            <a:r>
+              <a:t>CG257</a:t>
             </a:r>
             <a:endParaRPr lang="es-MX" sz="800" dirty="0">
               <a:latin typeface="Arial Narrow" panose="020B0606020202030204" pitchFamily="34" charset="0"/>
@@ -6292,7 +6291,7 @@
               <a:defRPr sz="800"/>
             </a:pPr>
             <a:r>
-              <a:t>No</a:t>
+              <a:t>Si</a:t>
             </a:r>
             <a:endParaRPr lang="es-MX" sz="800" dirty="0">
               <a:latin typeface="Arial Narrow" panose="020B0606020202030204" pitchFamily="34" charset="0"/>
@@ -6326,7 +6325,7 @@
               <a:defRPr sz="800"/>
             </a:pPr>
             <a:r>
-              <a:t>Si</a:t>
+              <a:t>No</a:t>
             </a:r>
             <a:endParaRPr lang="es-MX" sz="800" dirty="0">
               <a:latin typeface="Arial Narrow" panose="020B0606020202030204" pitchFamily="34" charset="0"/>
@@ -6360,7 +6359,7 @@
               <a:defRPr sz="800"/>
             </a:pPr>
             <a:r>
-              <a:t>AMPLIAR LA COBERTURA DE LOS MEDIOS AUDIOVISUALES DE LA ADMINISTRACION PUBLICA FEDERAL, QUE CONSTITUYE UNA ACTIVIDAD DE INTERES PUBLICO.</a:t>
+              <a:t>1. TERRACERIAS. 2. SUB-BASE. 3. CARPETA DE 2 RIEGOS DE SELLO. 4. SEÑALAMIENTO.</a:t>
             </a:r>
             <a:endParaRPr lang="es-MX" sz="800" dirty="0">
               <a:latin typeface="Arial Narrow" panose="020B0606020202030204" pitchFamily="34" charset="0"/>
@@ -6506,7 +6505,7 @@
       </p:sp>
       <p:pic>
         <p:nvPicPr>
-          <p:cNvPr id="45" name="Picture 44" descr="SEGOB.jpg"/>
+          <p:cNvPr id="45" name="Picture 44" descr="CDI.jpg"/>
           <p:cNvPicPr>
             <a:picLocks noChangeAspect="1"/>
           </p:cNvPicPr>

--- a/obras/static/ppt/ppt-generados/FichaTecnicaObras_1.pptx
+++ b/obras/static/ppt/ppt-generados/FichaTecnicaObras_1.pptx
@@ -5372,7 +5372,7 @@
               <a:defRPr sz="800"/>
             </a:pPr>
             <a:r>
-              <a:t>OB_CDI_01920</a:t>
+              <a:t>OB_SEDESOL_00001</a:t>
             </a:r>
             <a:endParaRPr lang="es-MX" sz="800" dirty="0">
               <a:latin typeface="Arial Narrow" panose="020B0606020202030204" pitchFamily="34" charset="0"/>
@@ -5406,7 +5406,7 @@
               <a:defRPr sz="800"/>
             </a:pPr>
             <a:r>
-              <a:t>MODERNIZACION Y AMPLIACION DE CARRETERA ALIMENTADORA</a:t>
+              <a:t>CONSTRUCCION DE CENTRO DE ACOPIO EN TUTUTEPEC, OAX</a:t>
             </a:r>
             <a:endParaRPr lang="es-MX" sz="600" dirty="0">
               <a:latin typeface="Arial Narrow" panose="020B0606020202030204" pitchFamily="34" charset="0"/>
@@ -5440,7 +5440,7 @@
               <a:defRPr sz="800"/>
             </a:pPr>
             <a:r>
-              <a:t>CDI</a:t>
+              <a:t>SEDESOL</a:t>
             </a:r>
             <a:endParaRPr lang="es-MX" sz="800" dirty="0">
               <a:latin typeface="Arial Narrow" panose="020B0606020202030204" pitchFamily="34" charset="0"/>
@@ -5474,7 +5474,7 @@
               <a:defRPr sz="800"/>
             </a:pPr>
             <a:r>
-              <a:t>YUCATAN</a:t>
+              <a:t>OAXACA</a:t>
             </a:r>
             <a:endParaRPr lang="es-MX" sz="800" dirty="0">
               <a:latin typeface="Arial Narrow" panose="020B0606020202030204" pitchFamily="34" charset="0"/>
@@ -5508,7 +5508,7 @@
               <a:defRPr sz="800"/>
             </a:pPr>
             <a:r>
-              <a:t>TEKAX TIXMEHUAC</a:t>
+              <a:t>VILLA DE TUTUTEPEC DE MELCHOR OCAMPO</a:t>
             </a:r>
             <a:endParaRPr lang="es-MX" sz="800" dirty="0">
               <a:latin typeface="Arial Narrow" panose="020B0606020202030204" pitchFamily="34" charset="0"/>
@@ -5542,7 +5542,7 @@
               <a:defRPr sz="800"/>
             </a:pPr>
             <a:r>
-              <a:t>2015-08-31</a:t>
+              <a:t>2014-02-01</a:t>
             </a:r>
             <a:endParaRPr lang="es-MX" sz="800" dirty="0">
               <a:latin typeface="Arial Narrow" panose="020B0606020202030204" pitchFamily="34" charset="0"/>
@@ -5576,7 +5576,7 @@
               <a:defRPr sz="800"/>
             </a:pPr>
             <a:r>
-              <a:t>2015-12-31</a:t>
+              <a:t>2014-04-01</a:t>
             </a:r>
             <a:endParaRPr lang="es-MX" sz="800" dirty="0">
               <a:latin typeface="Arial Narrow" panose="020B0606020202030204" pitchFamily="34" charset="0"/>
@@ -5610,7 +5610,7 @@
               <a:defRPr sz="800"/>
             </a:pPr>
             <a:r>
-              <a:t>PROYECTADAS</a:t>
+              <a:t>CONCLUIDAS</a:t>
             </a:r>
             <a:endParaRPr lang="es-MX" sz="800" dirty="0">
               <a:latin typeface="Arial Narrow" panose="020B0606020202030204" pitchFamily="34" charset="0"/>
@@ -5644,7 +5644,7 @@
               <a:defRPr sz="800"/>
             </a:pPr>
             <a:r>
-              <a:t>0.0</a:t>
+              <a:t>100.0</a:t>
             </a:r>
             <a:endParaRPr lang="es-MX" sz="800" dirty="0">
               <a:latin typeface="Arial Narrow" panose="020B0606020202030204" pitchFamily="34" charset="0"/>
@@ -5678,7 +5678,7 @@
               <a:defRPr sz="800"/>
             </a:pPr>
             <a:r>
-              <a:t>2015-07-04 22:18:06+00:00</a:t>
+              <a:t>2015-05-29 10:00:00+00:00</a:t>
             </a:r>
             <a:endParaRPr lang="es-MX" sz="800" dirty="0">
               <a:latin typeface="Arial Narrow" panose="020B0606020202030204" pitchFamily="34" charset="0"/>
@@ -5746,7 +5746,7 @@
               <a:defRPr sz="800"/>
             </a:pPr>
             <a:r>
-              <a:t>Si</a:t>
+              <a:t>No</a:t>
             </a:r>
             <a:endParaRPr lang="es-MX" sz="800" dirty="0">
               <a:latin typeface="Arial Narrow" panose="020B0606020202030204" pitchFamily="34" charset="0"/>
@@ -5780,7 +5780,7 @@
               <a:defRPr sz="800"/>
             </a:pPr>
             <a:r>
-              <a:t>Si</a:t>
+              <a:t>No</a:t>
             </a:r>
             <a:endParaRPr lang="es-MX" sz="800" dirty="0">
               <a:latin typeface="Arial Narrow" panose="020B0606020202030204" pitchFamily="34" charset="0"/>
@@ -5814,7 +5814,7 @@
               <a:defRPr sz="800"/>
             </a:pPr>
             <a:r>
-              <a:t>Si</a:t>
+              <a:t>No</a:t>
             </a:r>
             <a:endParaRPr lang="es-MX" sz="800" dirty="0">
               <a:latin typeface="Arial Narrow" panose="020B0606020202030204" pitchFamily="34" charset="0"/>
@@ -5848,7 +5848,7 @@
               <a:defRPr sz="800"/>
             </a:pPr>
             <a:r>
-              <a:t>Si</a:t>
+              <a:t>No</a:t>
             </a:r>
             <a:endParaRPr lang="es-MX" sz="800" dirty="0">
               <a:latin typeface="Arial Narrow" panose="020B0606020202030204" pitchFamily="34" charset="0"/>
@@ -5882,7 +5882,7 @@
               <a:defRPr sz="800"/>
             </a:pPr>
             <a:r>
-              <a:t>Si</a:t>
+              <a:t>No</a:t>
             </a:r>
             <a:endParaRPr lang="es-MX" sz="800" dirty="0">
               <a:latin typeface="Arial Narrow" panose="020B0606020202030204" pitchFamily="34" charset="0"/>
@@ -5950,7 +5950,7 @@
               <a:defRPr sz="800"/>
             </a:pPr>
             <a:r>
-              <a:t>20.8</a:t>
+              <a:t>10.4</a:t>
             </a:r>
             <a:endParaRPr lang="es-MX" sz="800" dirty="0">
               <a:latin typeface="Arial Narrow" panose="020B0606020202030204" pitchFamily="34" charset="0"/>
@@ -6018,7 +6018,7 @@
               <a:defRPr sz="800"/>
             </a:pPr>
             <a:r>
-              <a:t>HABITANTES</a:t>
+              <a:t>PERSONAS</a:t>
             </a:r>
             <a:endParaRPr lang="es-MX" sz="800" dirty="0">
               <a:latin typeface="Arial Narrow" panose="020B0606020202030204" pitchFamily="34" charset="0"/>
@@ -6052,7 +6052,7 @@
               <a:defRPr sz="800"/>
             </a:pPr>
             <a:r>
-              <a:t>REGIONAL</a:t>
+              <a:t>ESTATAL</a:t>
             </a:r>
             <a:endParaRPr lang="es-MX" sz="800" dirty="0">
               <a:latin typeface="Arial Narrow" panose="020B0606020202030204" pitchFamily="34" charset="0"/>
@@ -6120,7 +6120,7 @@
               <a:defRPr sz="800"/>
             </a:pPr>
             <a:r>
-              <a:t>Si</a:t>
+              <a:t>No</a:t>
             </a:r>
             <a:endParaRPr lang="es-MX" sz="800" dirty="0">
               <a:latin typeface="Arial Narrow" panose="020B0606020202030204" pitchFamily="34" charset="0"/>
@@ -6150,11 +6150,12 @@
           </a:bodyPr>
           <a:lstStyle/>
           <a:p>
-            <a:pPr>
-              <a:defRPr sz="800"/>
-            </a:pPr>
-            <a:r>
-              <a:t>CG257</a:t>
+            <a:r>
+              <a:rPr lang="es-MX" sz="800" smtClean="0">
+                <a:latin typeface="Arial Narrow" panose="020B0606020202030204" pitchFamily="34" charset="0"/>
+                <a:cs typeface="Angsana New" panose="02020603050405020304" pitchFamily="18" charset="-34"/>
+              </a:rPr>
+              <a:t>x</a:t>
             </a:r>
             <a:endParaRPr lang="es-MX" sz="800" dirty="0">
               <a:latin typeface="Arial Narrow" panose="020B0606020202030204" pitchFamily="34" charset="0"/>
@@ -6359,7 +6360,7 @@
               <a:defRPr sz="800"/>
             </a:pPr>
             <a:r>
-              <a:t>1. TERRACERIAS. 2. SUB-BASE. 3. CARPETA DE 2 RIEGOS DE SELLO. 4. SEÑALAMIENTO.</a:t>
+              <a:t>CONSTRUCCION DE CIMENTACION A BASE DE CONCRETO ARMADO, MUROS DE TABIQUE, COLUMNAS CADENAS, TRABES Y LOSA TAPA A BASE DE CONCRETO ARMADO, ASI COMO TECHUMBRE A BASE DE ACERO ESTRUCTURAL Y LAMINA PINTRO,</a:t>
             </a:r>
             <a:endParaRPr lang="es-MX" sz="800" dirty="0">
               <a:latin typeface="Arial Narrow" panose="020B0606020202030204" pitchFamily="34" charset="0"/>
@@ -6393,7 +6394,7 @@
               <a:defRPr sz="800"/>
             </a:pPr>
             <a:r>
-              <a:t>N/A</a:t>
+              <a:t>OBRA CONCLUIDA RECIBIDA Y FINIQUITADA</a:t>
             </a:r>
             <a:endParaRPr lang="es-MX" sz="800" dirty="0">
               <a:latin typeface="Arial Narrow" panose="020B0606020202030204" pitchFamily="34" charset="0"/>
@@ -6505,7 +6506,7 @@
       </p:sp>
       <p:pic>
         <p:nvPicPr>
-          <p:cNvPr id="45" name="Picture 44" descr="CDI.jpg"/>
+          <p:cNvPr id="45" name="Picture 44" descr="SEDESOL.jpg"/>
           <p:cNvPicPr>
             <a:picLocks noChangeAspect="1"/>
           </p:cNvPicPr>

--- a/obras/static/ppt/ppt-generados/FichaTecnicaObras_1.pptx
+++ b/obras/static/ppt/ppt-generados/FichaTecnicaObras_1.pptx
@@ -5372,7 +5372,7 @@
               <a:defRPr sz="800"/>
             </a:pPr>
             <a:r>
-              <a:t>OB_SEDESOL_00001</a:t>
+              <a:t>OB-SEGOB-001</a:t>
             </a:r>
             <a:endParaRPr lang="es-MX" sz="800" dirty="0">
               <a:latin typeface="Arial Narrow" panose="020B0606020202030204" pitchFamily="34" charset="0"/>
@@ -5406,7 +5406,7 @@
               <a:defRPr sz="800"/>
             </a:pPr>
             <a:r>
-              <a:t>CONSTRUCCION DE CENTRO DE ACOPIO EN TUTUTEPEC, OAX</a:t>
+              <a:t>casa alejandro</a:t>
             </a:r>
             <a:endParaRPr lang="es-MX" sz="600" dirty="0">
               <a:latin typeface="Arial Narrow" panose="020B0606020202030204" pitchFamily="34" charset="0"/>
@@ -5440,7 +5440,7 @@
               <a:defRPr sz="800"/>
             </a:pPr>
             <a:r>
-              <a:t>SEDESOL</a:t>
+              <a:t>SEGOB</a:t>
             </a:r>
             <a:endParaRPr lang="es-MX" sz="800" dirty="0">
               <a:latin typeface="Arial Narrow" panose="020B0606020202030204" pitchFamily="34" charset="0"/>
@@ -5474,7 +5474,7 @@
               <a:defRPr sz="800"/>
             </a:pPr>
             <a:r>
-              <a:t>OAXACA</a:t>
+              <a:t>MEXICO</a:t>
             </a:r>
             <a:endParaRPr lang="es-MX" sz="800" dirty="0">
               <a:latin typeface="Arial Narrow" panose="020B0606020202030204" pitchFamily="34" charset="0"/>
@@ -5508,7 +5508,7 @@
               <a:defRPr sz="800"/>
             </a:pPr>
             <a:r>
-              <a:t>VILLA DE TUTUTEPEC DE MELCHOR OCAMPO</a:t>
+              <a:t>METEPEC</a:t>
             </a:r>
             <a:endParaRPr lang="es-MX" sz="800" dirty="0">
               <a:latin typeface="Arial Narrow" panose="020B0606020202030204" pitchFamily="34" charset="0"/>
@@ -5542,7 +5542,7 @@
               <a:defRPr sz="800"/>
             </a:pPr>
             <a:r>
-              <a:t>2014-02-01</a:t>
+              <a:t>2015-01-07</a:t>
             </a:r>
             <a:endParaRPr lang="es-MX" sz="800" dirty="0">
               <a:latin typeface="Arial Narrow" panose="020B0606020202030204" pitchFamily="34" charset="0"/>
@@ -5576,7 +5576,7 @@
               <a:defRPr sz="800"/>
             </a:pPr>
             <a:r>
-              <a:t>2014-04-01</a:t>
+              <a:t>2015-01-07</a:t>
             </a:r>
             <a:endParaRPr lang="es-MX" sz="800" dirty="0">
               <a:latin typeface="Arial Narrow" panose="020B0606020202030204" pitchFamily="34" charset="0"/>
@@ -5610,7 +5610,7 @@
               <a:defRPr sz="800"/>
             </a:pPr>
             <a:r>
-              <a:t>CONCLUIDAS</a:t>
+              <a:t>PROYECTADAS</a:t>
             </a:r>
             <a:endParaRPr lang="es-MX" sz="800" dirty="0">
               <a:latin typeface="Arial Narrow" panose="020B0606020202030204" pitchFamily="34" charset="0"/>
@@ -5644,7 +5644,7 @@
               <a:defRPr sz="800"/>
             </a:pPr>
             <a:r>
-              <a:t>100.0</a:t>
+              <a:t>0.0</a:t>
             </a:r>
             <a:endParaRPr lang="es-MX" sz="800" dirty="0">
               <a:latin typeface="Arial Narrow" panose="020B0606020202030204" pitchFamily="34" charset="0"/>
@@ -5678,7 +5678,7 @@
               <a:defRPr sz="800"/>
             </a:pPr>
             <a:r>
-              <a:t>2015-05-29 10:00:00+00:00</a:t>
+              <a:t>2015-07-08 01:11:55+00:00</a:t>
             </a:r>
             <a:endParaRPr lang="es-MX" sz="800" dirty="0">
               <a:latin typeface="Arial Narrow" panose="020B0606020202030204" pitchFamily="34" charset="0"/>
@@ -5950,7 +5950,7 @@
               <a:defRPr sz="800"/>
             </a:pPr>
             <a:r>
-              <a:t>10.4</a:t>
+              <a:t>15.0</a:t>
             </a:r>
             <a:endParaRPr lang="es-MX" sz="800" dirty="0">
               <a:latin typeface="Arial Narrow" panose="020B0606020202030204" pitchFamily="34" charset="0"/>
@@ -6018,7 +6018,7 @@
               <a:defRPr sz="800"/>
             </a:pPr>
             <a:r>
-              <a:t>PERSONAS</a:t>
+              <a:t>yo</a:t>
             </a:r>
             <a:endParaRPr lang="es-MX" sz="800" dirty="0">
               <a:latin typeface="Arial Narrow" panose="020B0606020202030204" pitchFamily="34" charset="0"/>
@@ -6052,7 +6052,7 @@
               <a:defRPr sz="800"/>
             </a:pPr>
             <a:r>
-              <a:t>ESTATAL</a:t>
+              <a:t>NACIONAL</a:t>
             </a:r>
             <a:endParaRPr lang="es-MX" sz="800" dirty="0">
               <a:latin typeface="Arial Narrow" panose="020B0606020202030204" pitchFamily="34" charset="0"/>
@@ -6120,7 +6120,7 @@
               <a:defRPr sz="800"/>
             </a:pPr>
             <a:r>
-              <a:t>No</a:t>
+              <a:t>Si</a:t>
             </a:r>
             <a:endParaRPr lang="es-MX" sz="800" dirty="0">
               <a:latin typeface="Arial Narrow" panose="020B0606020202030204" pitchFamily="34" charset="0"/>
@@ -6150,12 +6150,11 @@
           </a:bodyPr>
           <a:lstStyle/>
           <a:p>
-            <a:r>
-              <a:rPr lang="es-MX" sz="800" smtClean="0">
-                <a:latin typeface="Arial Narrow" panose="020B0606020202030204" pitchFamily="34" charset="0"/>
-                <a:cs typeface="Angsana New" panose="02020603050405020304" pitchFamily="18" charset="-34"/>
-              </a:rPr>
-              <a:t>x</a:t>
+            <a:pPr>
+              <a:defRPr sz="800"/>
+            </a:pPr>
+            <a:r>
+              <a:t>CG001</a:t>
             </a:r>
             <a:endParaRPr lang="es-MX" sz="800" dirty="0">
               <a:latin typeface="Arial Narrow" panose="020B0606020202030204" pitchFamily="34" charset="0"/>
@@ -6258,7 +6257,7 @@
               <a:defRPr sz="800"/>
             </a:pPr>
             <a:r>
-              <a:t>No</a:t>
+              <a:t>Si</a:t>
             </a:r>
             <a:endParaRPr lang="es-MX" sz="800" dirty="0">
               <a:latin typeface="Arial Narrow" panose="020B0606020202030204" pitchFamily="34" charset="0"/>
@@ -6292,7 +6291,7 @@
               <a:defRPr sz="800"/>
             </a:pPr>
             <a:r>
-              <a:t>Si</a:t>
+              <a:t>No</a:t>
             </a:r>
             <a:endParaRPr lang="es-MX" sz="800" dirty="0">
               <a:latin typeface="Arial Narrow" panose="020B0606020202030204" pitchFamily="34" charset="0"/>
@@ -6360,7 +6359,7 @@
               <a:defRPr sz="800"/>
             </a:pPr>
             <a:r>
-              <a:t>CONSTRUCCION DE CIMENTACION A BASE DE CONCRETO ARMADO, MUROS DE TABIQUE, COLUMNAS CADENAS, TRABES Y LOSA TAPA A BASE DE CONCRETO ARMADO, ASI COMO TECHUMBRE A BASE DE ACERO ESTRUCTURAL Y LAMINA PINTRO,</a:t>
+              <a:t>nueva</a:t>
             </a:r>
             <a:endParaRPr lang="es-MX" sz="800" dirty="0">
               <a:latin typeface="Arial Narrow" panose="020B0606020202030204" pitchFamily="34" charset="0"/>
@@ -6394,7 +6393,7 @@
               <a:defRPr sz="800"/>
             </a:pPr>
             <a:r>
-              <a:t>OBRA CONCLUIDA RECIBIDA Y FINIQUITADA</a:t>
+              <a:t>obra para mi</a:t>
             </a:r>
             <a:endParaRPr lang="es-MX" sz="800" dirty="0">
               <a:latin typeface="Arial Narrow" panose="020B0606020202030204" pitchFamily="34" charset="0"/>
@@ -6506,7 +6505,7 @@
       </p:sp>
       <p:pic>
         <p:nvPicPr>
-          <p:cNvPr id="45" name="Picture 44" descr="SEDESOL.jpg"/>
+          <p:cNvPr id="45" name="Picture 44" descr="SEGOB.jpg"/>
           <p:cNvPicPr>
             <a:picLocks noChangeAspect="1"/>
           </p:cNvPicPr>

--- a/obras/static/ppt/ppt-generados/FichaTecnicaObras_1.pptx
+++ b/obras/static/ppt/ppt-generados/FichaTecnicaObras_1.pptx
@@ -5372,7 +5372,7 @@
               <a:defRPr sz="800"/>
             </a:pPr>
             <a:r>
-              <a:t>OB-SEGOB-001</a:t>
+              <a:t>OB_SEGOB_00002</a:t>
             </a:r>
             <a:endParaRPr lang="es-MX" sz="800" dirty="0">
               <a:latin typeface="Arial Narrow" panose="020B0606020202030204" pitchFamily="34" charset="0"/>
@@ -5406,7 +5406,7 @@
               <a:defRPr sz="800"/>
             </a:pPr>
             <a:r>
-              <a:t>casa alejandro</a:t>
+              <a:t>ESTACION MIGRATORIA (INM)</a:t>
             </a:r>
             <a:endParaRPr lang="es-MX" sz="600" dirty="0">
               <a:latin typeface="Arial Narrow" panose="020B0606020202030204" pitchFamily="34" charset="0"/>
@@ -5474,7 +5474,7 @@
               <a:defRPr sz="800"/>
             </a:pPr>
             <a:r>
-              <a:t>MEXICO</a:t>
+              <a:t>CHIAPAS</a:t>
             </a:r>
             <a:endParaRPr lang="es-MX" sz="800" dirty="0">
               <a:latin typeface="Arial Narrow" panose="020B0606020202030204" pitchFamily="34" charset="0"/>
@@ -5508,7 +5508,7 @@
               <a:defRPr sz="800"/>
             </a:pPr>
             <a:r>
-              <a:t>METEPEC</a:t>
+              <a:t>ESTATAL</a:t>
             </a:r>
             <a:endParaRPr lang="es-MX" sz="800" dirty="0">
               <a:latin typeface="Arial Narrow" panose="020B0606020202030204" pitchFamily="34" charset="0"/>
@@ -5542,7 +5542,7 @@
               <a:defRPr sz="800"/>
             </a:pPr>
             <a:r>
-              <a:t>2015-01-07</a:t>
+              <a:t>2013-11-01</a:t>
             </a:r>
             <a:endParaRPr lang="es-MX" sz="800" dirty="0">
               <a:latin typeface="Arial Narrow" panose="020B0606020202030204" pitchFamily="34" charset="0"/>
@@ -5576,7 +5576,7 @@
               <a:defRPr sz="800"/>
             </a:pPr>
             <a:r>
-              <a:t>2015-01-07</a:t>
+              <a:t>2014-01-01</a:t>
             </a:r>
             <a:endParaRPr lang="es-MX" sz="800" dirty="0">
               <a:latin typeface="Arial Narrow" panose="020B0606020202030204" pitchFamily="34" charset="0"/>
@@ -5610,7 +5610,7 @@
               <a:defRPr sz="800"/>
             </a:pPr>
             <a:r>
-              <a:t>PROYECTADAS</a:t>
+              <a:t>CONCLUIDAS</a:t>
             </a:r>
             <a:endParaRPr lang="es-MX" sz="800" dirty="0">
               <a:latin typeface="Arial Narrow" panose="020B0606020202030204" pitchFamily="34" charset="0"/>
@@ -5644,7 +5644,7 @@
               <a:defRPr sz="800"/>
             </a:pPr>
             <a:r>
-              <a:t>0.0</a:t>
+              <a:t>100.0</a:t>
             </a:r>
             <a:endParaRPr lang="es-MX" sz="800" dirty="0">
               <a:latin typeface="Arial Narrow" panose="020B0606020202030204" pitchFamily="34" charset="0"/>
@@ -5678,7 +5678,7 @@
               <a:defRPr sz="800"/>
             </a:pPr>
             <a:r>
-              <a:t>2015-07-08 01:11:55+00:00</a:t>
+              <a:t>2015-05-29 10:10:00+00:00</a:t>
             </a:r>
             <a:endParaRPr lang="es-MX" sz="800" dirty="0">
               <a:latin typeface="Arial Narrow" panose="020B0606020202030204" pitchFamily="34" charset="0"/>
@@ -5950,7 +5950,7 @@
               <a:defRPr sz="800"/>
             </a:pPr>
             <a:r>
-              <a:t>15.0</a:t>
+              <a:t>12.71</a:t>
             </a:r>
             <a:endParaRPr lang="es-MX" sz="800" dirty="0">
               <a:latin typeface="Arial Narrow" panose="020B0606020202030204" pitchFamily="34" charset="0"/>
@@ -6018,7 +6018,7 @@
               <a:defRPr sz="800"/>
             </a:pPr>
             <a:r>
-              <a:t>yo</a:t>
+              <a:t>EXTRANJEROS</a:t>
             </a:r>
             <a:endParaRPr lang="es-MX" sz="800" dirty="0">
               <a:latin typeface="Arial Narrow" panose="020B0606020202030204" pitchFamily="34" charset="0"/>
@@ -6120,7 +6120,7 @@
               <a:defRPr sz="800"/>
             </a:pPr>
             <a:r>
-              <a:t>Si</a:t>
+              <a:t>No</a:t>
             </a:r>
             <a:endParaRPr lang="es-MX" sz="800" dirty="0">
               <a:latin typeface="Arial Narrow" panose="020B0606020202030204" pitchFamily="34" charset="0"/>
@@ -6150,11 +6150,12 @@
           </a:bodyPr>
           <a:lstStyle/>
           <a:p>
-            <a:pPr>
-              <a:defRPr sz="800"/>
-            </a:pPr>
-            <a:r>
-              <a:t>CG001</a:t>
+            <a:r>
+              <a:rPr lang="es-MX" sz="800" smtClean="0">
+                <a:latin typeface="Arial Narrow" panose="020B0606020202030204" pitchFamily="34" charset="0"/>
+                <a:cs typeface="Angsana New" panose="02020603050405020304" pitchFamily="18" charset="-34"/>
+              </a:rPr>
+              <a:t>x</a:t>
             </a:r>
             <a:endParaRPr lang="es-MX" sz="800" dirty="0">
               <a:latin typeface="Arial Narrow" panose="020B0606020202030204" pitchFamily="34" charset="0"/>
@@ -6257,7 +6258,7 @@
               <a:defRPr sz="800"/>
             </a:pPr>
             <a:r>
-              <a:t>Si</a:t>
+              <a:t>No</a:t>
             </a:r>
             <a:endParaRPr lang="es-MX" sz="800" dirty="0">
               <a:latin typeface="Arial Narrow" panose="020B0606020202030204" pitchFamily="34" charset="0"/>
@@ -6325,7 +6326,7 @@
               <a:defRPr sz="800"/>
             </a:pPr>
             <a:r>
-              <a:t>No</a:t>
+              <a:t>Si</a:t>
             </a:r>
             <a:endParaRPr lang="es-MX" sz="800" dirty="0">
               <a:latin typeface="Arial Narrow" panose="020B0606020202030204" pitchFamily="34" charset="0"/>
@@ -6359,7 +6360,7 @@
               <a:defRPr sz="800"/>
             </a:pPr>
             <a:r>
-              <a:t>nueva</a:t>
+              <a:t>MANTENIMIENTO MAYOR A INMUEBLES DE LA DELEGACION FEDERAL DEL INM EN CASA ROJA, UNION JUAREZ, TAPACHULA -GRUPO BETA -REGULACION DE ESTANCIA EN EL ESTADO DE CHIAPAS</a:t>
             </a:r>
             <a:endParaRPr lang="es-MX" sz="800" dirty="0">
               <a:latin typeface="Arial Narrow" panose="020B0606020202030204" pitchFamily="34" charset="0"/>
@@ -6393,7 +6394,7 @@
               <a:defRPr sz="800"/>
             </a:pPr>
             <a:r>
-              <a:t>obra para mi</a:t>
+              <a:t>TRAMITES MIGRATORIOS: 165,475 EXTRANJEROS PRESENTADOS ANTE EL INM: 5,359</a:t>
             </a:r>
             <a:endParaRPr lang="es-MX" sz="800" dirty="0">
               <a:latin typeface="Arial Narrow" panose="020B0606020202030204" pitchFamily="34" charset="0"/>

--- a/obras/static/ppt/ppt-generados/FichaTecnicaObras_1.pptx
+++ b/obras/static/ppt/ppt-generados/FichaTecnicaObras_1.pptx
@@ -5372,7 +5372,7 @@
               <a:defRPr sz="800"/>
             </a:pPr>
             <a:r>
-              <a:t>OB_SEGOB_00002</a:t>
+              <a:t>OB_SEGOB_00010</a:t>
             </a:r>
             <a:endParaRPr lang="es-MX" sz="800" dirty="0">
               <a:latin typeface="Arial Narrow" panose="020B0606020202030204" pitchFamily="34" charset="0"/>
@@ -5474,7 +5474,7 @@
               <a:defRPr sz="800"/>
             </a:pPr>
             <a:r>
-              <a:t>CHIAPAS</a:t>
+              <a:t>INTERESTATAL</a:t>
             </a:r>
             <a:endParaRPr lang="es-MX" sz="800" dirty="0">
               <a:latin typeface="Arial Narrow" panose="020B0606020202030204" pitchFamily="34" charset="0"/>
@@ -5542,7 +5542,7 @@
               <a:defRPr sz="800"/>
             </a:pPr>
             <a:r>
-              <a:t>2013-11-01</a:t>
+              <a:t>2013-10-01</a:t>
             </a:r>
             <a:endParaRPr lang="es-MX" sz="800" dirty="0">
               <a:latin typeface="Arial Narrow" panose="020B0606020202030204" pitchFamily="34" charset="0"/>
@@ -5576,7 +5576,7 @@
               <a:defRPr sz="800"/>
             </a:pPr>
             <a:r>
-              <a:t>2014-01-01</a:t>
+              <a:t>2013-12-01</a:t>
             </a:r>
             <a:endParaRPr lang="es-MX" sz="800" dirty="0">
               <a:latin typeface="Arial Narrow" panose="020B0606020202030204" pitchFamily="34" charset="0"/>
@@ -5950,7 +5950,7 @@
               <a:defRPr sz="800"/>
             </a:pPr>
             <a:r>
-              <a:t>12.71</a:t>
+              <a:t>8.18</a:t>
             </a:r>
             <a:endParaRPr lang="es-MX" sz="800" dirty="0">
               <a:latin typeface="Arial Narrow" panose="020B0606020202030204" pitchFamily="34" charset="0"/>
@@ -6360,7 +6360,7 @@
               <a:defRPr sz="800"/>
             </a:pPr>
             <a:r>
-              <a:t>MANTENIMIENTO MAYOR A INMUEBLES DE LA DELEGACION FEDERAL DEL INM EN CASA ROJA, UNION JUAREZ, TAPACHULA -GRUPO BETA -REGULACION DE ESTANCIA EN EL ESTADO DE CHIAPAS</a:t>
+              <a:t>MANTENIMIENTO MAYOR A INMUEBLES DE LA DELEGACION FEDERAL DEL INM EN EL ESTADO DE QUINTANA ROO Y TABASCO</a:t>
             </a:r>
             <a:endParaRPr lang="es-MX" sz="800" dirty="0">
               <a:latin typeface="Arial Narrow" panose="020B0606020202030204" pitchFamily="34" charset="0"/>
@@ -6394,7 +6394,7 @@
               <a:defRPr sz="800"/>
             </a:pPr>
             <a:r>
-              <a:t>TRAMITES MIGRATORIOS: 165,475 EXTRANJEROS PRESENTADOS ANTE EL INM: 5,359</a:t>
+              <a:t>TRAMITES MIGRATORIOS: 2488,885 EXTRANJEROS PRESENTADOS ANTE EL INM: 3,461</a:t>
             </a:r>
             <a:endParaRPr lang="es-MX" sz="800" dirty="0">
               <a:latin typeface="Arial Narrow" panose="020B0606020202030204" pitchFamily="34" charset="0"/>

--- a/obras/static/ppt/ppt-generados/FichaTecnicaObras_1.pptx
+++ b/obras/static/ppt/ppt-generados/FichaTecnicaObras_1.pptx
@@ -4,8 +4,11 @@
   <p:sldMasterIdLst>
     <p:sldMasterId id="2147483648" r:id="rId1"/>
   </p:sldMasterIdLst>
+  <p:notesMasterIdLst>
+    <p:notesMasterId r:id="rId3"/>
+  </p:notesMasterIdLst>
   <p:handoutMasterIdLst>
-    <p:handoutMasterId r:id="rId3"/>
+    <p:handoutMasterId r:id="rId4"/>
   </p:handoutMasterIdLst>
   <p:sldIdLst>
     <p:sldId id="256" r:id="rId2"/>
@@ -107,6 +110,36 @@
       </a:defRPr>
     </a:lvl9pPr>
   </p:defaultTextStyle>
+  <p:extLst>
+    <p:ext uri="{EFAFB233-063F-42B5-8137-9DF3F51BA10A}">
+      <p15:sldGuideLst xmlns:p15="http://schemas.microsoft.com/office/powerpoint/2012/main">
+        <p15:guide id="1" orient="horz" pos="2160">
+          <p15:clr>
+            <a:srgbClr val="A4A3A4"/>
+          </p15:clr>
+        </p15:guide>
+        <p15:guide id="2" pos="2880">
+          <p15:clr>
+            <a:srgbClr val="A4A3A4"/>
+          </p15:clr>
+        </p15:guide>
+      </p15:sldGuideLst>
+    </p:ext>
+    <p:ext uri="{2D200454-40CA-4A62-9FC3-DE9A4176ACB9}">
+      <p15:notesGuideLst xmlns:p15="http://schemas.microsoft.com/office/powerpoint/2012/main">
+        <p15:guide id="1" orient="horz" pos="2880">
+          <p15:clr>
+            <a:srgbClr val="A4A3A4"/>
+          </p15:clr>
+        </p15:guide>
+        <p15:guide id="2" pos="2160">
+          <p15:clr>
+            <a:srgbClr val="A4A3A4"/>
+          </p15:clr>
+        </p15:guide>
+      </p15:notesGuideLst>
+    </p:ext>
+  </p:extLst>
 </p:presentation>
 </file>
 
@@ -192,7 +225,7 @@
           <a:p>
             <a:fld id="{A12F159B-2BA9-4A4C-8F37-6A12CA4521B5}" type="datetimeFigureOut">
               <a:rPr lang="es-MX" smtClean="0"/>
-              <a:t>05/07/2015</a:t>
+              <a:t>17/07/2015</a:t>
             </a:fld>
             <a:endParaRPr lang="es-MX"/>
           </a:p>
@@ -273,6 +306,356 @@
   </p:cSld>
   <p:clrMap bg1="lt1" tx1="dk1" bg2="lt2" tx2="dk2" accent1="accent1" accent2="accent2" accent3="accent3" accent4="accent4" accent5="accent5" accent6="accent6" hlink="hlink" folHlink="folHlink"/>
 </p:handoutMaster>
+</file>
+
+<file path=ppt/notesMasters/notesMaster1.xml><?xml version="1.0" encoding="utf-8"?>
+<p:notesMaster xmlns:a="http://schemas.openxmlformats.org/drawingml/2006/main" xmlns:r="http://schemas.openxmlformats.org/officeDocument/2006/relationships" xmlns:p="http://schemas.openxmlformats.org/presentationml/2006/main">
+  <p:cSld>
+    <p:bg>
+      <p:bgRef idx="1001">
+        <a:schemeClr val="bg1"/>
+      </p:bgRef>
+    </p:bg>
+    <p:spTree>
+      <p:nvGrpSpPr>
+        <p:cNvPr id="1" name=""/>
+        <p:cNvGrpSpPr/>
+        <p:nvPr/>
+      </p:nvGrpSpPr>
+      <p:grpSpPr>
+        <a:xfrm>
+          <a:off x="0" y="0"/>
+          <a:ext cx="0" cy="0"/>
+          <a:chOff x="0" y="0"/>
+          <a:chExt cx="0" cy="0"/>
+        </a:xfrm>
+      </p:grpSpPr>
+      <p:sp>
+        <p:nvSpPr>
+          <p:cNvPr id="2" name="1 Marcador de encabezado"/>
+          <p:cNvSpPr>
+            <a:spLocks noGrp="1"/>
+          </p:cNvSpPr>
+          <p:nvPr>
+            <p:ph type="hdr" sz="quarter"/>
+          </p:nvPr>
+        </p:nvSpPr>
+        <p:spPr>
+          <a:xfrm>
+            <a:off x="0" y="0"/>
+            <a:ext cx="2971800" cy="457200"/>
+          </a:xfrm>
+          <a:prstGeom prst="rect">
+            <a:avLst/>
+          </a:prstGeom>
+        </p:spPr>
+        <p:txBody>
+          <a:bodyPr vert="horz" lIns="91440" tIns="45720" rIns="91440" bIns="45720" rtlCol="0"/>
+          <a:lstStyle>
+            <a:lvl1pPr algn="l">
+              <a:defRPr sz="1200"/>
+            </a:lvl1pPr>
+          </a:lstStyle>
+          <a:p>
+            <a:endParaRPr lang="es-MX"/>
+          </a:p>
+        </p:txBody>
+      </p:sp>
+      <p:sp>
+        <p:nvSpPr>
+          <p:cNvPr id="3" name="2 Marcador de fecha"/>
+          <p:cNvSpPr>
+            <a:spLocks noGrp="1"/>
+          </p:cNvSpPr>
+          <p:nvPr>
+            <p:ph type="dt" idx="1"/>
+          </p:nvPr>
+        </p:nvSpPr>
+        <p:spPr>
+          <a:xfrm>
+            <a:off x="3884613" y="0"/>
+            <a:ext cx="2971800" cy="457200"/>
+          </a:xfrm>
+          <a:prstGeom prst="rect">
+            <a:avLst/>
+          </a:prstGeom>
+        </p:spPr>
+        <p:txBody>
+          <a:bodyPr vert="horz" lIns="91440" tIns="45720" rIns="91440" bIns="45720" rtlCol="0"/>
+          <a:lstStyle>
+            <a:lvl1pPr algn="r">
+              <a:defRPr sz="1200"/>
+            </a:lvl1pPr>
+          </a:lstStyle>
+          <a:p>
+            <a:fld id="{E725DF0C-0434-4166-AFB2-E9FB5C8C5747}" type="datetimeFigureOut">
+              <a:rPr lang="es-MX" smtClean="0"/>
+              <a:t>17/07/2015</a:t>
+            </a:fld>
+            <a:endParaRPr lang="es-MX"/>
+          </a:p>
+        </p:txBody>
+      </p:sp>
+      <p:sp>
+        <p:nvSpPr>
+          <p:cNvPr id="4" name="3 Marcador de imagen de diapositiva"/>
+          <p:cNvSpPr>
+            <a:spLocks noGrp="1" noRot="1" noChangeAspect="1"/>
+          </p:cNvSpPr>
+          <p:nvPr>
+            <p:ph type="sldImg" idx="2"/>
+          </p:nvPr>
+        </p:nvSpPr>
+        <p:spPr>
+          <a:xfrm>
+            <a:off x="1143000" y="685800"/>
+            <a:ext cx="4572000" cy="3429000"/>
+          </a:xfrm>
+          <a:prstGeom prst="rect">
+            <a:avLst/>
+          </a:prstGeom>
+          <a:noFill/>
+          <a:ln w="12700">
+            <a:solidFill>
+              <a:prstClr val="black"/>
+            </a:solidFill>
+          </a:ln>
+        </p:spPr>
+        <p:txBody>
+          <a:bodyPr vert="horz" lIns="91440" tIns="45720" rIns="91440" bIns="45720" rtlCol="0" anchor="ctr"/>
+          <a:lstStyle/>
+          <a:p>
+            <a:endParaRPr lang="es-MX"/>
+          </a:p>
+        </p:txBody>
+      </p:sp>
+      <p:sp>
+        <p:nvSpPr>
+          <p:cNvPr id="5" name="4 Marcador de notas"/>
+          <p:cNvSpPr>
+            <a:spLocks noGrp="1"/>
+          </p:cNvSpPr>
+          <p:nvPr>
+            <p:ph type="body" sz="quarter" idx="3"/>
+          </p:nvPr>
+        </p:nvSpPr>
+        <p:spPr>
+          <a:xfrm>
+            <a:off x="685800" y="4343400"/>
+            <a:ext cx="5486400" cy="4114800"/>
+          </a:xfrm>
+          <a:prstGeom prst="rect">
+            <a:avLst/>
+          </a:prstGeom>
+        </p:spPr>
+        <p:txBody>
+          <a:bodyPr vert="horz" lIns="91440" tIns="45720" rIns="91440" bIns="45720" rtlCol="0"/>
+          <a:lstStyle/>
+          <a:p>
+            <a:pPr lvl="0"/>
+            <a:r>
+              <a:rPr lang="es-ES" smtClean="0"/>
+              <a:t>Haga clic para modificar el estilo de texto del patrón</a:t>
+            </a:r>
+          </a:p>
+          <a:p>
+            <a:pPr lvl="1"/>
+            <a:r>
+              <a:rPr lang="es-ES" smtClean="0"/>
+              <a:t>Segundo nivel</a:t>
+            </a:r>
+          </a:p>
+          <a:p>
+            <a:pPr lvl="2"/>
+            <a:r>
+              <a:rPr lang="es-ES" smtClean="0"/>
+              <a:t>Tercer nivel</a:t>
+            </a:r>
+          </a:p>
+          <a:p>
+            <a:pPr lvl="3"/>
+            <a:r>
+              <a:rPr lang="es-ES" smtClean="0"/>
+              <a:t>Cuarto nivel</a:t>
+            </a:r>
+          </a:p>
+          <a:p>
+            <a:pPr lvl="4"/>
+            <a:r>
+              <a:rPr lang="es-ES" smtClean="0"/>
+              <a:t>Quinto nivel</a:t>
+            </a:r>
+            <a:endParaRPr lang="es-MX"/>
+          </a:p>
+        </p:txBody>
+      </p:sp>
+      <p:sp>
+        <p:nvSpPr>
+          <p:cNvPr id="6" name="5 Marcador de pie de página"/>
+          <p:cNvSpPr>
+            <a:spLocks noGrp="1"/>
+          </p:cNvSpPr>
+          <p:nvPr>
+            <p:ph type="ftr" sz="quarter" idx="4"/>
+          </p:nvPr>
+        </p:nvSpPr>
+        <p:spPr>
+          <a:xfrm>
+            <a:off x="0" y="8685213"/>
+            <a:ext cx="2971800" cy="457200"/>
+          </a:xfrm>
+          <a:prstGeom prst="rect">
+            <a:avLst/>
+          </a:prstGeom>
+        </p:spPr>
+        <p:txBody>
+          <a:bodyPr vert="horz" lIns="91440" tIns="45720" rIns="91440" bIns="45720" rtlCol="0" anchor="b"/>
+          <a:lstStyle>
+            <a:lvl1pPr algn="l">
+              <a:defRPr sz="1200"/>
+            </a:lvl1pPr>
+          </a:lstStyle>
+          <a:p>
+            <a:endParaRPr lang="es-MX"/>
+          </a:p>
+        </p:txBody>
+      </p:sp>
+      <p:sp>
+        <p:nvSpPr>
+          <p:cNvPr id="7" name="6 Marcador de número de diapositiva"/>
+          <p:cNvSpPr>
+            <a:spLocks noGrp="1"/>
+          </p:cNvSpPr>
+          <p:nvPr>
+            <p:ph type="sldNum" sz="quarter" idx="5"/>
+          </p:nvPr>
+        </p:nvSpPr>
+        <p:spPr>
+          <a:xfrm>
+            <a:off x="3884613" y="8685213"/>
+            <a:ext cx="2971800" cy="457200"/>
+          </a:xfrm>
+          <a:prstGeom prst="rect">
+            <a:avLst/>
+          </a:prstGeom>
+        </p:spPr>
+        <p:txBody>
+          <a:bodyPr vert="horz" lIns="91440" tIns="45720" rIns="91440" bIns="45720" rtlCol="0" anchor="b"/>
+          <a:lstStyle>
+            <a:lvl1pPr algn="r">
+              <a:defRPr sz="1200"/>
+            </a:lvl1pPr>
+          </a:lstStyle>
+          <a:p>
+            <a:fld id="{6C2C919C-6F3A-4BD1-A987-70045E4C4A6B}" type="slidenum">
+              <a:rPr lang="es-MX" smtClean="0"/>
+              <a:t>‹Nº›</a:t>
+            </a:fld>
+            <a:endParaRPr lang="es-MX"/>
+          </a:p>
+        </p:txBody>
+      </p:sp>
+    </p:spTree>
+    <p:extLst>
+      <p:ext uri="{BB962C8B-B14F-4D97-AF65-F5344CB8AC3E}">
+        <p14:creationId xmlns:p14="http://schemas.microsoft.com/office/powerpoint/2010/main" val="1065884515"/>
+      </p:ext>
+    </p:extLst>
+  </p:cSld>
+  <p:clrMap bg1="lt1" tx1="dk1" bg2="lt2" tx2="dk2" accent1="accent1" accent2="accent2" accent3="accent3" accent4="accent4" accent5="accent5" accent6="accent6" hlink="hlink" folHlink="folHlink"/>
+  <p:notesStyle>
+    <a:lvl1pPr marL="0" algn="l" defTabSz="914400" rtl="0" eaLnBrk="1" latinLnBrk="0" hangingPunct="1">
+      <a:defRPr sz="1200" kern="1200">
+        <a:solidFill>
+          <a:schemeClr val="tx1"/>
+        </a:solidFill>
+        <a:latin typeface="+mn-lt"/>
+        <a:ea typeface="+mn-ea"/>
+        <a:cs typeface="+mn-cs"/>
+      </a:defRPr>
+    </a:lvl1pPr>
+    <a:lvl2pPr marL="457200" algn="l" defTabSz="914400" rtl="0" eaLnBrk="1" latinLnBrk="0" hangingPunct="1">
+      <a:defRPr sz="1200" kern="1200">
+        <a:solidFill>
+          <a:schemeClr val="tx1"/>
+        </a:solidFill>
+        <a:latin typeface="+mn-lt"/>
+        <a:ea typeface="+mn-ea"/>
+        <a:cs typeface="+mn-cs"/>
+      </a:defRPr>
+    </a:lvl2pPr>
+    <a:lvl3pPr marL="914400" algn="l" defTabSz="914400" rtl="0" eaLnBrk="1" latinLnBrk="0" hangingPunct="1">
+      <a:defRPr sz="1200" kern="1200">
+        <a:solidFill>
+          <a:schemeClr val="tx1"/>
+        </a:solidFill>
+        <a:latin typeface="+mn-lt"/>
+        <a:ea typeface="+mn-ea"/>
+        <a:cs typeface="+mn-cs"/>
+      </a:defRPr>
+    </a:lvl3pPr>
+    <a:lvl4pPr marL="1371600" algn="l" defTabSz="914400" rtl="0" eaLnBrk="1" latinLnBrk="0" hangingPunct="1">
+      <a:defRPr sz="1200" kern="1200">
+        <a:solidFill>
+          <a:schemeClr val="tx1"/>
+        </a:solidFill>
+        <a:latin typeface="+mn-lt"/>
+        <a:ea typeface="+mn-ea"/>
+        <a:cs typeface="+mn-cs"/>
+      </a:defRPr>
+    </a:lvl4pPr>
+    <a:lvl5pPr marL="1828800" algn="l" defTabSz="914400" rtl="0" eaLnBrk="1" latinLnBrk="0" hangingPunct="1">
+      <a:defRPr sz="1200" kern="1200">
+        <a:solidFill>
+          <a:schemeClr val="tx1"/>
+        </a:solidFill>
+        <a:latin typeface="+mn-lt"/>
+        <a:ea typeface="+mn-ea"/>
+        <a:cs typeface="+mn-cs"/>
+      </a:defRPr>
+    </a:lvl5pPr>
+    <a:lvl6pPr marL="2286000" algn="l" defTabSz="914400" rtl="0" eaLnBrk="1" latinLnBrk="0" hangingPunct="1">
+      <a:defRPr sz="1200" kern="1200">
+        <a:solidFill>
+          <a:schemeClr val="tx1"/>
+        </a:solidFill>
+        <a:latin typeface="+mn-lt"/>
+        <a:ea typeface="+mn-ea"/>
+        <a:cs typeface="+mn-cs"/>
+      </a:defRPr>
+    </a:lvl6pPr>
+    <a:lvl7pPr marL="2743200" algn="l" defTabSz="914400" rtl="0" eaLnBrk="1" latinLnBrk="0" hangingPunct="1">
+      <a:defRPr sz="1200" kern="1200">
+        <a:solidFill>
+          <a:schemeClr val="tx1"/>
+        </a:solidFill>
+        <a:latin typeface="+mn-lt"/>
+        <a:ea typeface="+mn-ea"/>
+        <a:cs typeface="+mn-cs"/>
+      </a:defRPr>
+    </a:lvl7pPr>
+    <a:lvl8pPr marL="3200400" algn="l" defTabSz="914400" rtl="0" eaLnBrk="1" latinLnBrk="0" hangingPunct="1">
+      <a:defRPr sz="1200" kern="1200">
+        <a:solidFill>
+          <a:schemeClr val="tx1"/>
+        </a:solidFill>
+        <a:latin typeface="+mn-lt"/>
+        <a:ea typeface="+mn-ea"/>
+        <a:cs typeface="+mn-cs"/>
+      </a:defRPr>
+    </a:lvl8pPr>
+    <a:lvl9pPr marL="3657600" algn="l" defTabSz="914400" rtl="0" eaLnBrk="1" latinLnBrk="0" hangingPunct="1">
+      <a:defRPr sz="1200" kern="1200">
+        <a:solidFill>
+          <a:schemeClr val="tx1"/>
+        </a:solidFill>
+        <a:latin typeface="+mn-lt"/>
+        <a:ea typeface="+mn-ea"/>
+        <a:cs typeface="+mn-cs"/>
+      </a:defRPr>
+    </a:lvl9pPr>
+  </p:notesStyle>
+</p:notesMaster>
 </file>
 
 <file path=ppt/slideLayouts/slideLayout1.xml><?xml version="1.0" encoding="utf-8"?>
@@ -462,7 +845,7 @@
           <a:p>
             <a:fld id="{F4C741E7-0659-46B3-91BB-B8C3B98C4B5D}" type="datetimeFigureOut">
               <a:rPr lang="es-MX" smtClean="0"/>
-              <a:t>05/07/2015</a:t>
+              <a:t>17/07/2015</a:t>
             </a:fld>
             <a:endParaRPr lang="es-MX"/>
           </a:p>
@@ -655,7 +1038,7 @@
           <a:p>
             <a:fld id="{F4C741E7-0659-46B3-91BB-B8C3B98C4B5D}" type="datetimeFigureOut">
               <a:rPr lang="es-MX" smtClean="0"/>
-              <a:t>05/07/2015</a:t>
+              <a:t>17/07/2015</a:t>
             </a:fld>
             <a:endParaRPr lang="es-MX"/>
           </a:p>
@@ -841,7 +1224,7 @@
           <a:p>
             <a:fld id="{F4C741E7-0659-46B3-91BB-B8C3B98C4B5D}" type="datetimeFigureOut">
               <a:rPr lang="es-MX" smtClean="0"/>
-              <a:t>05/07/2015</a:t>
+              <a:t>17/07/2015</a:t>
             </a:fld>
             <a:endParaRPr lang="es-MX"/>
           </a:p>
@@ -1027,7 +1410,7 @@
           <a:p>
             <a:fld id="{F4C741E7-0659-46B3-91BB-B8C3B98C4B5D}" type="datetimeFigureOut">
               <a:rPr lang="es-MX" smtClean="0"/>
-              <a:t>05/07/2015</a:t>
+              <a:t>17/07/2015</a:t>
             </a:fld>
             <a:endParaRPr lang="es-MX"/>
           </a:p>
@@ -1279,7 +1662,7 @@
           <a:p>
             <a:fld id="{F4C741E7-0659-46B3-91BB-B8C3B98C4B5D}" type="datetimeFigureOut">
               <a:rPr lang="es-MX" smtClean="0"/>
-              <a:t>05/07/2015</a:t>
+              <a:t>17/07/2015</a:t>
             </a:fld>
             <a:endParaRPr lang="es-MX"/>
           </a:p>
@@ -1581,7 +1964,7 @@
           <a:p>
             <a:fld id="{F4C741E7-0659-46B3-91BB-B8C3B98C4B5D}" type="datetimeFigureOut">
               <a:rPr lang="es-MX" smtClean="0"/>
-              <a:t>05/07/2015</a:t>
+              <a:t>17/07/2015</a:t>
             </a:fld>
             <a:endParaRPr lang="es-MX"/>
           </a:p>
@@ -2023,7 +2406,7 @@
           <a:p>
             <a:fld id="{F4C741E7-0659-46B3-91BB-B8C3B98C4B5D}" type="datetimeFigureOut">
               <a:rPr lang="es-MX" smtClean="0"/>
-              <a:t>05/07/2015</a:t>
+              <a:t>17/07/2015</a:t>
             </a:fld>
             <a:endParaRPr lang="es-MX"/>
           </a:p>
@@ -2149,7 +2532,7 @@
           <a:p>
             <a:fld id="{F4C741E7-0659-46B3-91BB-B8C3B98C4B5D}" type="datetimeFigureOut">
               <a:rPr lang="es-MX" smtClean="0"/>
-              <a:t>05/07/2015</a:t>
+              <a:t>17/07/2015</a:t>
             </a:fld>
             <a:endParaRPr lang="es-MX"/>
           </a:p>
@@ -2244,7 +2627,7 @@
           <a:p>
             <a:fld id="{F4C741E7-0659-46B3-91BB-B8C3B98C4B5D}" type="datetimeFigureOut">
               <a:rPr lang="es-MX" smtClean="0"/>
-              <a:t>05/07/2015</a:t>
+              <a:t>17/07/2015</a:t>
             </a:fld>
             <a:endParaRPr lang="es-MX"/>
           </a:p>
@@ -2530,7 +2913,7 @@
           <a:p>
             <a:fld id="{F4C741E7-0659-46B3-91BB-B8C3B98C4B5D}" type="datetimeFigureOut">
               <a:rPr lang="es-MX" smtClean="0"/>
-              <a:t>05/07/2015</a:t>
+              <a:t>17/07/2015</a:t>
             </a:fld>
             <a:endParaRPr lang="es-MX"/>
           </a:p>
@@ -2792,7 +3175,7 @@
           <a:p>
             <a:fld id="{F4C741E7-0659-46B3-91BB-B8C3B98C4B5D}" type="datetimeFigureOut">
               <a:rPr lang="es-MX" smtClean="0"/>
-              <a:t>05/07/2015</a:t>
+              <a:t>17/07/2015</a:t>
             </a:fld>
             <a:endParaRPr lang="es-MX"/>
           </a:p>
@@ -2910,7 +3293,7 @@
           <a:p>
             <a:fld id="{F4C741E7-0659-46B3-91BB-B8C3B98C4B5D}" type="datetimeFigureOut">
               <a:rPr lang="es-MX" smtClean="0"/>
-              <a:t>05/07/2015</a:t>
+              <a:t>17/07/2015</a:t>
             </a:fld>
             <a:endParaRPr lang="es-MX"/>
           </a:p>
@@ -2994,111 +3377,144 @@
           </a:p>
         </p:txBody>
       </p:sp>
-      <p:sp>
-        <p:nvSpPr>
-          <p:cNvPr id="7" name="6 Marcador de título"/>
-          <p:cNvSpPr>
-            <a:spLocks noGrp="1"/>
-          </p:cNvSpPr>
-          <p:nvPr>
-            <p:ph type="title"/>
-          </p:nvPr>
-        </p:nvSpPr>
-        <p:spPr>
+      <p:pic>
+        <p:nvPicPr>
+          <p:cNvPr id="1026" name="Picture 2"/>
+          <p:cNvPicPr>
+            <a:picLocks noChangeAspect="1" noChangeArrowheads="1"/>
+          </p:cNvPicPr>
+          <p:nvPr userDrawn="1"/>
+        </p:nvPicPr>
+        <p:blipFill>
+          <a:blip r:embed="rId13">
+            <a:extLst>
+              <a:ext uri="{28A0092B-C50C-407E-A947-70E740481C1C}">
+                <a14:useLocalDpi xmlns:a14="http://schemas.microsoft.com/office/drawing/2010/main" val="0"/>
+              </a:ext>
+            </a:extLst>
+          </a:blip>
+          <a:srcRect/>
+          <a:stretch>
+            <a:fillRect/>
+          </a:stretch>
+        </p:blipFill>
+        <p:spPr bwMode="auto">
           <a:xfrm>
-            <a:off x="457200" y="274638"/>
-            <a:ext cx="8229600" cy="1143000"/>
+            <a:off x="107504" y="116633"/>
+            <a:ext cx="1368152" cy="476687"/>
           </a:xfrm>
           <a:prstGeom prst="rect">
             <a:avLst/>
           </a:prstGeom>
+          <a:noFill/>
+          <a:ln>
+            <a:noFill/>
+          </a:ln>
+          <a:effectLst/>
+          <a:extLst>
+            <a:ext uri="{909E8E84-426E-40DD-AFC4-6F175D3DCCD1}">
+              <a14:hiddenFill xmlns:a14="http://schemas.microsoft.com/office/drawing/2010/main">
+                <a:solidFill>
+                  <a:schemeClr val="accent1"/>
+                </a:solidFill>
+              </a14:hiddenFill>
+            </a:ext>
+            <a:ext uri="{91240B29-F687-4F45-9708-019B960494DF}">
+              <a14:hiddenLine xmlns:a14="http://schemas.microsoft.com/office/drawing/2010/main" w="9525">
+                <a:solidFill>
+                  <a:schemeClr val="tx1"/>
+                </a:solidFill>
+                <a:miter lim="800000"/>
+                <a:headEnd/>
+                <a:tailEnd/>
+              </a14:hiddenLine>
+            </a:ext>
+            <a:ext uri="{AF507438-7753-43E0-B8FC-AC1667EBCBE1}">
+              <a14:hiddenEffects xmlns:a14="http://schemas.microsoft.com/office/drawing/2010/main">
+                <a:effectLst>
+                  <a:outerShdw dist="35921" dir="2700000" algn="ctr" rotWithShape="0">
+                    <a:schemeClr val="bg2"/>
+                  </a:outerShdw>
+                </a:effectLst>
+              </a14:hiddenEffects>
+            </a:ext>
+          </a:extLst>
         </p:spPr>
-        <p:txBody>
-          <a:bodyPr vert="horz" lIns="91440" tIns="45720" rIns="91440" bIns="45720" rtlCol="0" anchor="ctr">
-            <a:normAutofit/>
-          </a:bodyPr>
-          <a:lstStyle/>
-          <a:p>
-            <a:r>
-              <a:rPr lang="es-ES" dirty="0" smtClean="0"/>
-              <a:t>Haga clic para modificar el estilo de título del patrón</a:t>
-            </a:r>
-            <a:endParaRPr lang="es-MX" dirty="0"/>
-          </a:p>
-        </p:txBody>
-      </p:sp>
-      <p:sp>
-        <p:nvSpPr>
-          <p:cNvPr id="8" name="7 Marcador de texto"/>
-          <p:cNvSpPr>
-            <a:spLocks noGrp="1"/>
-          </p:cNvSpPr>
-          <p:nvPr>
-            <p:ph type="body" idx="1"/>
-          </p:nvPr>
-        </p:nvSpPr>
-        <p:spPr>
+      </p:pic>
+      <p:pic>
+        <p:nvPicPr>
+          <p:cNvPr id="1027" name="Picture 3"/>
+          <p:cNvPicPr>
+            <a:picLocks noChangeAspect="1" noChangeArrowheads="1"/>
+          </p:cNvPicPr>
+          <p:nvPr userDrawn="1"/>
+        </p:nvPicPr>
+        <p:blipFill>
+          <a:blip r:embed="rId14">
+            <a:extLst>
+              <a:ext uri="{28A0092B-C50C-407E-A947-70E740481C1C}">
+                <a14:useLocalDpi xmlns:a14="http://schemas.microsoft.com/office/drawing/2010/main" val="0"/>
+              </a:ext>
+            </a:extLst>
+          </a:blip>
+          <a:srcRect/>
+          <a:stretch>
+            <a:fillRect/>
+          </a:stretch>
+        </p:blipFill>
+        <p:spPr bwMode="auto">
           <a:xfrm>
-            <a:off x="457200" y="1600200"/>
-            <a:ext cx="8229600" cy="4525963"/>
+            <a:off x="0" y="631577"/>
+            <a:ext cx="9144000" cy="205135"/>
           </a:xfrm>
           <a:prstGeom prst="rect">
             <a:avLst/>
           </a:prstGeom>
+          <a:noFill/>
+          <a:ln>
+            <a:noFill/>
+          </a:ln>
+          <a:effectLst/>
+          <a:extLst>
+            <a:ext uri="{909E8E84-426E-40DD-AFC4-6F175D3DCCD1}">
+              <a14:hiddenFill xmlns:a14="http://schemas.microsoft.com/office/drawing/2010/main">
+                <a:solidFill>
+                  <a:schemeClr val="accent1"/>
+                </a:solidFill>
+              </a14:hiddenFill>
+            </a:ext>
+            <a:ext uri="{91240B29-F687-4F45-9708-019B960494DF}">
+              <a14:hiddenLine xmlns:a14="http://schemas.microsoft.com/office/drawing/2010/main" w="9525">
+                <a:solidFill>
+                  <a:schemeClr val="tx1"/>
+                </a:solidFill>
+                <a:miter lim="800000"/>
+                <a:headEnd/>
+                <a:tailEnd/>
+              </a14:hiddenLine>
+            </a:ext>
+            <a:ext uri="{AF507438-7753-43E0-B8FC-AC1667EBCBE1}">
+              <a14:hiddenEffects xmlns:a14="http://schemas.microsoft.com/office/drawing/2010/main">
+                <a:effectLst>
+                  <a:outerShdw dist="35921" dir="2700000" algn="ctr" rotWithShape="0">
+                    <a:schemeClr val="bg2"/>
+                  </a:outerShdw>
+                </a:effectLst>
+              </a14:hiddenEffects>
+            </a:ext>
+          </a:extLst>
         </p:spPr>
-        <p:txBody>
-          <a:bodyPr vert="horz" lIns="91440" tIns="45720" rIns="91440" bIns="45720" rtlCol="0">
-            <a:normAutofit/>
-          </a:bodyPr>
-          <a:lstStyle/>
-          <a:p>
-            <a:pPr lvl="0"/>
-            <a:r>
-              <a:rPr lang="es-ES" smtClean="0"/>
-              <a:t>Haga clic para modificar el estilo de texto del patrón</a:t>
-            </a:r>
-          </a:p>
-          <a:p>
-            <a:pPr lvl="1"/>
-            <a:r>
-              <a:rPr lang="es-ES" smtClean="0"/>
-              <a:t>Segundo nivel</a:t>
-            </a:r>
-          </a:p>
-          <a:p>
-            <a:pPr lvl="2"/>
-            <a:r>
-              <a:rPr lang="es-ES" smtClean="0"/>
-              <a:t>Tercer nivel</a:t>
-            </a:r>
-          </a:p>
-          <a:p>
-            <a:pPr lvl="3"/>
-            <a:r>
-              <a:rPr lang="es-ES" smtClean="0"/>
-              <a:t>Cuarto nivel</a:t>
-            </a:r>
-          </a:p>
-          <a:p>
-            <a:pPr lvl="4"/>
-            <a:r>
-              <a:rPr lang="es-ES" smtClean="0"/>
-              <a:t>Quinto nivel</a:t>
-            </a:r>
-            <a:endParaRPr lang="es-MX"/>
-          </a:p>
-        </p:txBody>
-      </p:sp>
+      </p:pic>
       <p:pic>
         <p:nvPicPr>
-          <p:cNvPr id="9" name="8 Imagen"/>
+          <p:cNvPr id="12" name="11 Imagen"/>
           <p:cNvPicPr>
             <a:picLocks noChangeAspect="1"/>
           </p:cNvPicPr>
           <p:nvPr userDrawn="1"/>
         </p:nvPicPr>
         <p:blipFill>
-          <a:blip r:embed="rId13">
+          <a:blip r:embed="rId15">
             <a:extLst>
               <a:ext uri="{28A0092B-C50C-407E-A947-70E740481C1C}">
                 <a14:useLocalDpi xmlns:a14="http://schemas.microsoft.com/office/drawing/2010/main" val="0"/>
@@ -3111,17 +3527,12 @@
         </p:blipFill>
         <p:spPr>
           <a:xfrm>
-            <a:off x="467544" y="260648"/>
-            <a:ext cx="8208912" cy="542544"/>
+            <a:off x="4356293" y="225619"/>
+            <a:ext cx="4608195" cy="323061"/>
           </a:xfrm>
           <a:prstGeom prst="rect">
             <a:avLst/>
           </a:prstGeom>
-          <a:ln>
-            <a:solidFill>
-              <a:schemeClr val="accent1"/>
-            </a:solidFill>
-          </a:ln>
         </p:spPr>
       </p:pic>
     </p:spTree>
@@ -3431,7 +3842,7 @@
           <p:nvPr>
             <p:extLst>
               <p:ext uri="{D42A27DB-BD31-4B8C-83A1-F6EECF244321}">
-                <p14:modId xmlns:p14="http://schemas.microsoft.com/office/powerpoint/2010/main" val="3358103156"/>
+                <p14:modId xmlns:p14="http://schemas.microsoft.com/office/powerpoint/2010/main" val="931468680"/>
               </p:ext>
             </p:extLst>
           </p:nvPr>
@@ -3444,7 +3855,7 @@
           <a:graphicData uri="http://schemas.openxmlformats.org/drawingml/2006/table">
             <a:tbl>
               <a:tblPr firstRow="1" bandRow="1">
-                <a:tableStyleId>{5C22544A-7EE6-4342-B048-85BDC9FD1C3A}</a:tableStyleId>
+                <a:tableStyleId>{1FECB4D8-DB02-4DC6-A0A2-4F2EBAE1DC90}</a:tableStyleId>
               </a:tblPr>
               <a:tblGrid>
                 <a:gridCol w="1187768"/>
@@ -3473,15 +3884,44 @@
                         <a:tabLst/>
                         <a:defRPr/>
                       </a:pPr>
-                      <a:r>
-                        <a:rPr lang="es-MX" sz="2000" b="1" dirty="0" smtClean="0">
-                          <a:latin typeface="Arial Narrow" panose="020B0606020202030204" pitchFamily="34" charset="0"/>
-                        </a:rPr>
-                        <a:t>Datos Generales</a:t>
-                      </a:r>
-                    </a:p>
-                  </a:txBody>
-                  <a:tcPr/>
+                      <a:endParaRPr lang="es-MX" sz="1800" b="1" dirty="0" smtClean="0">
+                        <a:solidFill>
+                          <a:schemeClr val="tx1"/>
+                        </a:solidFill>
+                        <a:latin typeface="Soberana Titular" pitchFamily="50" charset="0"/>
+                      </a:endParaRPr>
+                    </a:p>
+                  </a:txBody>
+                  <a:tcPr>
+                    <a:lnL w="28575" cap="flat" cmpd="sng" algn="ctr">
+                      <a:solidFill>
+                        <a:srgbClr val="006600"/>
+                      </a:solidFill>
+                      <a:prstDash val="solid"/>
+                      <a:round/>
+                      <a:headEnd type="none" w="med" len="med"/>
+                      <a:tailEnd type="none" w="med" len="med"/>
+                    </a:lnL>
+                    <a:lnR w="28575" cap="flat" cmpd="sng" algn="ctr">
+                      <a:solidFill>
+                        <a:srgbClr val="006600"/>
+                      </a:solidFill>
+                      <a:prstDash val="solid"/>
+                      <a:round/>
+                      <a:headEnd type="none" w="med" len="med"/>
+                      <a:tailEnd type="none" w="med" len="med"/>
+                    </a:lnR>
+                    <a:lnT w="28575" cap="flat" cmpd="sng" algn="ctr">
+                      <a:solidFill>
+                        <a:srgbClr val="006600"/>
+                      </a:solidFill>
+                      <a:prstDash val="solid"/>
+                      <a:round/>
+                      <a:headEnd type="none" w="med" len="med"/>
+                      <a:tailEnd type="none" w="med" len="med"/>
+                    </a:lnT>
+                    <a:noFill/>
+                  </a:tcPr>
                 </a:tc>
                 <a:tc hMerge="1">
                   <a:txBody>
@@ -3502,10 +3942,11 @@
                     <a:bodyPr/>
                     <a:lstStyle/>
                     <a:p>
+                      <a:endParaRPr lang="es-MX" sz="800" dirty="0" smtClean="0"/>
+                    </a:p>
+                    <a:p>
                       <a:r>
-                        <a:rPr lang="es-MX" sz="800" b="1" dirty="0" smtClean="0">
-                          <a:latin typeface="Arial Narrow" panose="020B0606020202030204" pitchFamily="34" charset="0"/>
-                        </a:rPr>
+                        <a:rPr lang="es-MX" sz="800" dirty="0" smtClean="0"/>
                         <a:t>Identificador de la obra</a:t>
                       </a:r>
                       <a:endParaRPr lang="es-MX" sz="800" b="1" dirty="0">
@@ -3513,7 +3954,18 @@
                       </a:endParaRPr>
                     </a:p>
                   </a:txBody>
-                  <a:tcPr/>
+                  <a:tcPr>
+                    <a:lnL w="28575" cap="flat" cmpd="sng" algn="ctr">
+                      <a:solidFill>
+                        <a:srgbClr val="006600"/>
+                      </a:solidFill>
+                      <a:prstDash val="solid"/>
+                      <a:round/>
+                      <a:headEnd type="none" w="med" len="med"/>
+                      <a:tailEnd type="none" w="med" len="med"/>
+                    </a:lnL>
+                    <a:noFill/>
+                  </a:tcPr>
                 </a:tc>
                 <a:tc>
                   <a:txBody>
@@ -3525,7 +3977,18 @@
                       </a:endParaRPr>
                     </a:p>
                   </a:txBody>
-                  <a:tcPr/>
+                  <a:tcPr>
+                    <a:lnR w="28575" cap="flat" cmpd="sng" algn="ctr">
+                      <a:solidFill>
+                        <a:srgbClr val="006600"/>
+                      </a:solidFill>
+                      <a:prstDash val="solid"/>
+                      <a:round/>
+                      <a:headEnd type="none" w="med" len="med"/>
+                      <a:tailEnd type="none" w="med" len="med"/>
+                    </a:lnR>
+                    <a:noFill/>
+                  </a:tcPr>
                 </a:tc>
               </a:tr>
               <a:tr h="415027">
@@ -3535,9 +3998,7 @@
                     <a:lstStyle/>
                     <a:p>
                       <a:r>
-                        <a:rPr lang="es-MX" sz="800" b="1" dirty="0" smtClean="0">
-                          <a:latin typeface="Arial Narrow" panose="020B0606020202030204" pitchFamily="34" charset="0"/>
-                        </a:rPr>
+                        <a:rPr lang="es-MX" sz="800" dirty="0" smtClean="0"/>
                         <a:t>Denominación</a:t>
                       </a:r>
                       <a:endParaRPr lang="es-MX" sz="800" b="1" dirty="0">
@@ -3545,7 +4006,18 @@
                       </a:endParaRPr>
                     </a:p>
                   </a:txBody>
-                  <a:tcPr/>
+                  <a:tcPr>
+                    <a:lnL w="28575" cap="flat" cmpd="sng" algn="ctr">
+                      <a:solidFill>
+                        <a:srgbClr val="006600"/>
+                      </a:solidFill>
+                      <a:prstDash val="solid"/>
+                      <a:round/>
+                      <a:headEnd type="none" w="med" len="med"/>
+                      <a:tailEnd type="none" w="med" len="med"/>
+                    </a:lnL>
+                    <a:noFill/>
+                  </a:tcPr>
                 </a:tc>
                 <a:tc>
                   <a:txBody>
@@ -3557,7 +4029,18 @@
                       </a:endParaRPr>
                     </a:p>
                   </a:txBody>
-                  <a:tcPr/>
+                  <a:tcPr>
+                    <a:lnR w="28575" cap="flat" cmpd="sng" algn="ctr">
+                      <a:solidFill>
+                        <a:srgbClr val="006600"/>
+                      </a:solidFill>
+                      <a:prstDash val="solid"/>
+                      <a:round/>
+                      <a:headEnd type="none" w="med" len="med"/>
+                      <a:tailEnd type="none" w="med" len="med"/>
+                    </a:lnR>
+                    <a:noFill/>
+                  </a:tcPr>
                 </a:tc>
               </a:tr>
               <a:tr h="458243">
@@ -3567,17 +4050,26 @@
                     <a:lstStyle/>
                     <a:p>
                       <a:r>
-                        <a:rPr lang="es-MX" sz="800" b="1" dirty="0" smtClean="0">
-                          <a:latin typeface="Arial Narrow" panose="020B0606020202030204" pitchFamily="34" charset="0"/>
-                        </a:rPr>
-                        <a:t>Dependencia/Organismo</a:t>
+                        <a:rPr lang="es-MX" sz="800" dirty="0" smtClean="0"/>
+                        <a:t>Dependencia / Organismo</a:t>
                       </a:r>
                       <a:endParaRPr lang="es-MX" sz="800" b="1" dirty="0">
                         <a:latin typeface="Arial Narrow" panose="020B0606020202030204" pitchFamily="34" charset="0"/>
                       </a:endParaRPr>
                     </a:p>
                   </a:txBody>
-                  <a:tcPr/>
+                  <a:tcPr>
+                    <a:lnL w="28575" cap="flat" cmpd="sng" algn="ctr">
+                      <a:solidFill>
+                        <a:srgbClr val="006600"/>
+                      </a:solidFill>
+                      <a:prstDash val="solid"/>
+                      <a:round/>
+                      <a:headEnd type="none" w="med" len="med"/>
+                      <a:tailEnd type="none" w="med" len="med"/>
+                    </a:lnL>
+                    <a:noFill/>
+                  </a:tcPr>
                 </a:tc>
                 <a:tc>
                   <a:txBody>
@@ -3589,7 +4081,18 @@
                       </a:endParaRPr>
                     </a:p>
                   </a:txBody>
-                  <a:tcPr/>
+                  <a:tcPr>
+                    <a:lnR w="28575" cap="flat" cmpd="sng" algn="ctr">
+                      <a:solidFill>
+                        <a:srgbClr val="006600"/>
+                      </a:solidFill>
+                      <a:prstDash val="solid"/>
+                      <a:round/>
+                      <a:headEnd type="none" w="med" len="med"/>
+                      <a:tailEnd type="none" w="med" len="med"/>
+                    </a:lnR>
+                    <a:noFill/>
+                  </a:tcPr>
                 </a:tc>
               </a:tr>
               <a:tr h="415027">
@@ -3599,9 +4102,7 @@
                     <a:lstStyle/>
                     <a:p>
                       <a:r>
-                        <a:rPr lang="es-MX" sz="800" b="1" dirty="0" smtClean="0">
-                          <a:latin typeface="Arial Narrow" panose="020B0606020202030204" pitchFamily="34" charset="0"/>
-                        </a:rPr>
+                        <a:rPr lang="es-MX" sz="800" dirty="0" smtClean="0"/>
                         <a:t>Estado</a:t>
                       </a:r>
                       <a:endParaRPr lang="es-MX" sz="800" b="1" dirty="0">
@@ -3609,7 +4110,18 @@
                       </a:endParaRPr>
                     </a:p>
                   </a:txBody>
-                  <a:tcPr/>
+                  <a:tcPr>
+                    <a:lnL w="28575" cap="flat" cmpd="sng" algn="ctr">
+                      <a:solidFill>
+                        <a:srgbClr val="006600"/>
+                      </a:solidFill>
+                      <a:prstDash val="solid"/>
+                      <a:round/>
+                      <a:headEnd type="none" w="med" len="med"/>
+                      <a:tailEnd type="none" w="med" len="med"/>
+                    </a:lnL>
+                    <a:noFill/>
+                  </a:tcPr>
                 </a:tc>
                 <a:tc>
                   <a:txBody>
@@ -3621,7 +4133,18 @@
                       </a:endParaRPr>
                     </a:p>
                   </a:txBody>
-                  <a:tcPr/>
+                  <a:tcPr>
+                    <a:lnR w="28575" cap="flat" cmpd="sng" algn="ctr">
+                      <a:solidFill>
+                        <a:srgbClr val="006600"/>
+                      </a:solidFill>
+                      <a:prstDash val="solid"/>
+                      <a:round/>
+                      <a:headEnd type="none" w="med" len="med"/>
+                      <a:tailEnd type="none" w="med" len="med"/>
+                    </a:lnR>
+                    <a:noFill/>
+                  </a:tcPr>
                 </a:tc>
               </a:tr>
               <a:tr h="415027">
@@ -3631,9 +4154,7 @@
                     <a:lstStyle/>
                     <a:p>
                       <a:r>
-                        <a:rPr lang="es-MX" sz="800" b="1" dirty="0" smtClean="0">
-                          <a:latin typeface="Arial Narrow" panose="020B0606020202030204" pitchFamily="34" charset="0"/>
-                        </a:rPr>
+                        <a:rPr lang="es-MX" sz="800" dirty="0" smtClean="0"/>
                         <a:t>Municipio</a:t>
                       </a:r>
                       <a:endParaRPr lang="es-MX" sz="800" b="1" dirty="0">
@@ -3641,7 +4162,18 @@
                       </a:endParaRPr>
                     </a:p>
                   </a:txBody>
-                  <a:tcPr/>
+                  <a:tcPr>
+                    <a:lnL w="28575" cap="flat" cmpd="sng" algn="ctr">
+                      <a:solidFill>
+                        <a:srgbClr val="006600"/>
+                      </a:solidFill>
+                      <a:prstDash val="solid"/>
+                      <a:round/>
+                      <a:headEnd type="none" w="med" len="med"/>
+                      <a:tailEnd type="none" w="med" len="med"/>
+                    </a:lnL>
+                    <a:noFill/>
+                  </a:tcPr>
                 </a:tc>
                 <a:tc>
                   <a:txBody>
@@ -3653,7 +4185,18 @@
                       </a:endParaRPr>
                     </a:p>
                   </a:txBody>
-                  <a:tcPr/>
+                  <a:tcPr>
+                    <a:lnR w="28575" cap="flat" cmpd="sng" algn="ctr">
+                      <a:solidFill>
+                        <a:srgbClr val="006600"/>
+                      </a:solidFill>
+                      <a:prstDash val="solid"/>
+                      <a:round/>
+                      <a:headEnd type="none" w="med" len="med"/>
+                      <a:tailEnd type="none" w="med" len="med"/>
+                    </a:lnR>
+                    <a:noFill/>
+                  </a:tcPr>
                 </a:tc>
               </a:tr>
               <a:tr h="415027">
@@ -3663,15 +4206,11 @@
                     <a:lstStyle/>
                     <a:p>
                       <a:r>
-                        <a:rPr lang="es-MX" sz="800" b="1" dirty="0" smtClean="0">
-                          <a:latin typeface="Arial Narrow" panose="020B0606020202030204" pitchFamily="34" charset="0"/>
-                        </a:rPr>
+                        <a:rPr lang="es-MX" sz="800" dirty="0" smtClean="0"/>
                         <a:t>Fecha</a:t>
                       </a:r>
                       <a:r>
-                        <a:rPr lang="es-MX" sz="800" b="1" baseline="0" dirty="0" smtClean="0">
-                          <a:latin typeface="Arial Narrow" panose="020B0606020202030204" pitchFamily="34" charset="0"/>
-                        </a:rPr>
+                        <a:rPr lang="es-MX" sz="800" baseline="0" dirty="0" smtClean="0"/>
                         <a:t> de Inicio</a:t>
                       </a:r>
                       <a:endParaRPr lang="es-MX" sz="800" b="1" dirty="0">
@@ -3679,7 +4218,18 @@
                       </a:endParaRPr>
                     </a:p>
                   </a:txBody>
-                  <a:tcPr/>
+                  <a:tcPr>
+                    <a:lnL w="28575" cap="flat" cmpd="sng" algn="ctr">
+                      <a:solidFill>
+                        <a:srgbClr val="006600"/>
+                      </a:solidFill>
+                      <a:prstDash val="solid"/>
+                      <a:round/>
+                      <a:headEnd type="none" w="med" len="med"/>
+                      <a:tailEnd type="none" w="med" len="med"/>
+                    </a:lnL>
+                    <a:noFill/>
+                  </a:tcPr>
                 </a:tc>
                 <a:tc>
                   <a:txBody>
@@ -3691,7 +4241,18 @@
                       </a:endParaRPr>
                     </a:p>
                   </a:txBody>
-                  <a:tcPr/>
+                  <a:tcPr>
+                    <a:lnR w="28575" cap="flat" cmpd="sng" algn="ctr">
+                      <a:solidFill>
+                        <a:srgbClr val="006600"/>
+                      </a:solidFill>
+                      <a:prstDash val="solid"/>
+                      <a:round/>
+                      <a:headEnd type="none" w="med" len="med"/>
+                      <a:tailEnd type="none" w="med" len="med"/>
+                    </a:lnR>
+                    <a:noFill/>
+                  </a:tcPr>
                 </a:tc>
               </a:tr>
               <a:tr h="415027">
@@ -3701,9 +4262,7 @@
                     <a:lstStyle/>
                     <a:p>
                       <a:r>
-                        <a:rPr lang="es-MX" sz="800" b="1" dirty="0" smtClean="0">
-                          <a:latin typeface="Arial Narrow" panose="020B0606020202030204" pitchFamily="34" charset="0"/>
-                        </a:rPr>
+                        <a:rPr lang="es-MX" sz="800" dirty="0" smtClean="0"/>
                         <a:t>Fecha de Término</a:t>
                       </a:r>
                       <a:endParaRPr lang="es-MX" sz="800" b="1" dirty="0">
@@ -3711,7 +4270,18 @@
                       </a:endParaRPr>
                     </a:p>
                   </a:txBody>
-                  <a:tcPr/>
+                  <a:tcPr>
+                    <a:lnL w="28575" cap="flat" cmpd="sng" algn="ctr">
+                      <a:solidFill>
+                        <a:srgbClr val="006600"/>
+                      </a:solidFill>
+                      <a:prstDash val="solid"/>
+                      <a:round/>
+                      <a:headEnd type="none" w="med" len="med"/>
+                      <a:tailEnd type="none" w="med" len="med"/>
+                    </a:lnL>
+                    <a:noFill/>
+                  </a:tcPr>
                 </a:tc>
                 <a:tc>
                   <a:txBody>
@@ -3723,7 +4293,18 @@
                       </a:endParaRPr>
                     </a:p>
                   </a:txBody>
-                  <a:tcPr/>
+                  <a:tcPr>
+                    <a:lnR w="28575" cap="flat" cmpd="sng" algn="ctr">
+                      <a:solidFill>
+                        <a:srgbClr val="006600"/>
+                      </a:solidFill>
+                      <a:prstDash val="solid"/>
+                      <a:round/>
+                      <a:headEnd type="none" w="med" len="med"/>
+                      <a:tailEnd type="none" w="med" len="med"/>
+                    </a:lnR>
+                    <a:noFill/>
+                  </a:tcPr>
                 </a:tc>
               </a:tr>
               <a:tr h="415027">
@@ -3733,9 +4314,7 @@
                     <a:lstStyle/>
                     <a:p>
                       <a:r>
-                        <a:rPr lang="es-MX" sz="800" b="1" dirty="0" smtClean="0">
-                          <a:latin typeface="Arial Narrow" panose="020B0606020202030204" pitchFamily="34" charset="0"/>
-                        </a:rPr>
+                        <a:rPr lang="es-MX" sz="800" dirty="0" smtClean="0"/>
                         <a:t>Tipo de Obra</a:t>
                       </a:r>
                       <a:endParaRPr lang="es-MX" sz="800" b="1" dirty="0">
@@ -3743,7 +4322,18 @@
                       </a:endParaRPr>
                     </a:p>
                   </a:txBody>
-                  <a:tcPr/>
+                  <a:tcPr>
+                    <a:lnL w="28575" cap="flat" cmpd="sng" algn="ctr">
+                      <a:solidFill>
+                        <a:srgbClr val="006600"/>
+                      </a:solidFill>
+                      <a:prstDash val="solid"/>
+                      <a:round/>
+                      <a:headEnd type="none" w="med" len="med"/>
+                      <a:tailEnd type="none" w="med" len="med"/>
+                    </a:lnL>
+                    <a:noFill/>
+                  </a:tcPr>
                 </a:tc>
                 <a:tc>
                   <a:txBody>
@@ -3755,7 +4345,18 @@
                       </a:endParaRPr>
                     </a:p>
                   </a:txBody>
-                  <a:tcPr/>
+                  <a:tcPr>
+                    <a:lnR w="28575" cap="flat" cmpd="sng" algn="ctr">
+                      <a:solidFill>
+                        <a:srgbClr val="006600"/>
+                      </a:solidFill>
+                      <a:prstDash val="solid"/>
+                      <a:round/>
+                      <a:headEnd type="none" w="med" len="med"/>
+                      <a:tailEnd type="none" w="med" len="med"/>
+                    </a:lnR>
+                    <a:noFill/>
+                  </a:tcPr>
                 </a:tc>
               </a:tr>
               <a:tr h="415027">
@@ -3765,9 +4366,7 @@
                     <a:lstStyle/>
                     <a:p>
                       <a:r>
-                        <a:rPr lang="es-MX" sz="800" b="1" dirty="0" smtClean="0">
-                          <a:latin typeface="Arial Narrow" panose="020B0606020202030204" pitchFamily="34" charset="0"/>
-                        </a:rPr>
+                        <a:rPr lang="es-MX" sz="800" dirty="0" smtClean="0"/>
                         <a:t>Avance</a:t>
                       </a:r>
                       <a:endParaRPr lang="es-MX" sz="800" b="1" dirty="0">
@@ -3775,7 +4374,18 @@
                       </a:endParaRPr>
                     </a:p>
                   </a:txBody>
-                  <a:tcPr/>
+                  <a:tcPr>
+                    <a:lnL w="28575" cap="flat" cmpd="sng" algn="ctr">
+                      <a:solidFill>
+                        <a:srgbClr val="006600"/>
+                      </a:solidFill>
+                      <a:prstDash val="solid"/>
+                      <a:round/>
+                      <a:headEnd type="none" w="med" len="med"/>
+                      <a:tailEnd type="none" w="med" len="med"/>
+                    </a:lnL>
+                    <a:noFill/>
+                  </a:tcPr>
                 </a:tc>
                 <a:tc>
                   <a:txBody>
@@ -3787,7 +4397,18 @@
                       </a:endParaRPr>
                     </a:p>
                   </a:txBody>
-                  <a:tcPr/>
+                  <a:tcPr>
+                    <a:lnR w="28575" cap="flat" cmpd="sng" algn="ctr">
+                      <a:solidFill>
+                        <a:srgbClr val="006600"/>
+                      </a:solidFill>
+                      <a:prstDash val="solid"/>
+                      <a:round/>
+                      <a:headEnd type="none" w="med" len="med"/>
+                      <a:tailEnd type="none" w="med" len="med"/>
+                    </a:lnR>
+                    <a:noFill/>
+                  </a:tcPr>
                 </a:tc>
               </a:tr>
               <a:tr h="415027">
@@ -3797,9 +4418,7 @@
                     <a:lstStyle/>
                     <a:p>
                       <a:r>
-                        <a:rPr lang="es-MX" sz="800" b="1" dirty="0" smtClean="0">
-                          <a:latin typeface="Arial Narrow" panose="020B0606020202030204" pitchFamily="34" charset="0"/>
-                        </a:rPr>
+                        <a:rPr lang="es-MX" sz="800" dirty="0" smtClean="0"/>
                         <a:t>Fecha de Modificación</a:t>
                       </a:r>
                       <a:endParaRPr lang="es-MX" sz="800" b="1" dirty="0">
@@ -3807,7 +4426,27 @@
                       </a:endParaRPr>
                     </a:p>
                   </a:txBody>
-                  <a:tcPr/>
+                  <a:tcPr>
+                    <a:lnL w="28575" cap="flat" cmpd="sng" algn="ctr">
+                      <a:solidFill>
+                        <a:srgbClr val="006600"/>
+                      </a:solidFill>
+                      <a:prstDash val="solid"/>
+                      <a:round/>
+                      <a:headEnd type="none" w="med" len="med"/>
+                      <a:tailEnd type="none" w="med" len="med"/>
+                    </a:lnL>
+                    <a:lnB w="28575" cap="flat" cmpd="sng" algn="ctr">
+                      <a:solidFill>
+                        <a:srgbClr val="006600"/>
+                      </a:solidFill>
+                      <a:prstDash val="solid"/>
+                      <a:round/>
+                      <a:headEnd type="none" w="med" len="med"/>
+                      <a:tailEnd type="none" w="med" len="med"/>
+                    </a:lnB>
+                    <a:noFill/>
+                  </a:tcPr>
                 </a:tc>
                 <a:tc>
                   <a:txBody>
@@ -3819,7 +4458,27 @@
                       </a:endParaRPr>
                     </a:p>
                   </a:txBody>
-                  <a:tcPr/>
+                  <a:tcPr>
+                    <a:lnR w="28575" cap="flat" cmpd="sng" algn="ctr">
+                      <a:solidFill>
+                        <a:srgbClr val="006600"/>
+                      </a:solidFill>
+                      <a:prstDash val="solid"/>
+                      <a:round/>
+                      <a:headEnd type="none" w="med" len="med"/>
+                      <a:tailEnd type="none" w="med" len="med"/>
+                    </a:lnR>
+                    <a:lnB w="28575" cap="flat" cmpd="sng" algn="ctr">
+                      <a:solidFill>
+                        <a:srgbClr val="006600"/>
+                      </a:solidFill>
+                      <a:prstDash val="solid"/>
+                      <a:round/>
+                      <a:headEnd type="none" w="med" len="med"/>
+                      <a:tailEnd type="none" w="med" len="med"/>
+                    </a:lnB>
+                    <a:noFill/>
+                  </a:tcPr>
                 </a:tc>
               </a:tr>
             </a:tbl>
@@ -3835,14 +4494,14 @@
           <p:nvPr>
             <p:extLst>
               <p:ext uri="{D42A27DB-BD31-4B8C-83A1-F6EECF244321}">
-                <p14:modId xmlns:p14="http://schemas.microsoft.com/office/powerpoint/2010/main" val="344265390"/>
+                <p14:modId xmlns:p14="http://schemas.microsoft.com/office/powerpoint/2010/main" val="3238914376"/>
               </p:ext>
             </p:extLst>
           </p:nvPr>
         </p:nvGraphicFramePr>
         <p:xfrm>
           <a:off x="3059832" y="908720"/>
-          <a:ext cx="3312368" cy="1607553"/>
+          <a:ext cx="3312368" cy="1577073"/>
         </p:xfrm>
         <a:graphic>
           <a:graphicData uri="http://schemas.openxmlformats.org/drawingml/2006/table">
@@ -3868,18 +4527,44 @@
                     <a:lstStyle/>
                     <a:p>
                       <a:pPr algn="ctr"/>
-                      <a:r>
-                        <a:rPr lang="es-MX" sz="2000" dirty="0" smtClean="0">
-                          <a:latin typeface="Arial Narrow" panose="020B0606020202030204" pitchFamily="34" charset="0"/>
-                        </a:rPr>
-                        <a:t>Inversión</a:t>
-                      </a:r>
-                      <a:endParaRPr lang="es-MX" sz="2000" dirty="0">
-                        <a:latin typeface="Arial Narrow" panose="020B0606020202030204" pitchFamily="34" charset="0"/>
-                      </a:endParaRPr>
-                    </a:p>
-                  </a:txBody>
-                  <a:tcPr/>
+                      <a:endParaRPr lang="es-MX" sz="1800" dirty="0">
+                        <a:solidFill>
+                          <a:schemeClr val="tx1"/>
+                        </a:solidFill>
+                        <a:latin typeface="Soberana Titular" pitchFamily="50" charset="0"/>
+                      </a:endParaRPr>
+                    </a:p>
+                  </a:txBody>
+                  <a:tcPr>
+                    <a:lnL w="28575" cap="flat" cmpd="sng" algn="ctr">
+                      <a:solidFill>
+                        <a:srgbClr val="006600"/>
+                      </a:solidFill>
+                      <a:prstDash val="solid"/>
+                      <a:round/>
+                      <a:headEnd type="none" w="med" len="med"/>
+                      <a:tailEnd type="none" w="med" len="med"/>
+                    </a:lnL>
+                    <a:lnR w="28575" cap="flat" cmpd="sng" algn="ctr">
+                      <a:solidFill>
+                        <a:srgbClr val="006600"/>
+                      </a:solidFill>
+                      <a:prstDash val="solid"/>
+                      <a:round/>
+                      <a:headEnd type="none" w="med" len="med"/>
+                      <a:tailEnd type="none" w="med" len="med"/>
+                    </a:lnR>
+                    <a:lnT w="28575" cap="flat" cmpd="sng" algn="ctr">
+                      <a:solidFill>
+                        <a:srgbClr val="006600"/>
+                      </a:solidFill>
+                      <a:prstDash val="solid"/>
+                      <a:round/>
+                      <a:headEnd type="none" w="med" len="med"/>
+                      <a:tailEnd type="none" w="med" len="med"/>
+                    </a:lnT>
+                    <a:noFill/>
+                  </a:tcPr>
                 </a:tc>
                 <a:tc hMerge="1">
                   <a:txBody>
@@ -3979,7 +4664,18 @@
                       </a:endParaRPr>
                     </a:p>
                   </a:txBody>
-                  <a:tcPr/>
+                  <a:tcPr>
+                    <a:lnL w="28575" cap="flat" cmpd="sng" algn="ctr">
+                      <a:solidFill>
+                        <a:srgbClr val="006600"/>
+                      </a:solidFill>
+                      <a:prstDash val="solid"/>
+                      <a:round/>
+                      <a:headEnd type="none" w="med" len="med"/>
+                      <a:tailEnd type="none" w="med" len="med"/>
+                    </a:lnL>
+                    <a:noFill/>
+                  </a:tcPr>
                 </a:tc>
                 <a:tc>
                   <a:txBody>
@@ -3997,7 +4693,9 @@
                       </a:endParaRPr>
                     </a:p>
                   </a:txBody>
-                  <a:tcPr/>
+                  <a:tcPr>
+                    <a:noFill/>
+                  </a:tcPr>
                 </a:tc>
                 <a:tc>
                   <a:txBody>
@@ -4015,7 +4713,9 @@
                       </a:endParaRPr>
                     </a:p>
                   </a:txBody>
-                  <a:tcPr/>
+                  <a:tcPr>
+                    <a:noFill/>
+                  </a:tcPr>
                 </a:tc>
                 <a:tc>
                   <a:txBody>
@@ -4027,7 +4727,9 @@
                       </a:endParaRPr>
                     </a:p>
                   </a:txBody>
-                  <a:tcPr/>
+                  <a:tcPr>
+                    <a:noFill/>
+                  </a:tcPr>
                 </a:tc>
                 <a:tc gridSpan="2">
                   <a:txBody>
@@ -4045,7 +4747,9 @@
                       </a:endParaRPr>
                     </a:p>
                   </a:txBody>
-                  <a:tcPr/>
+                  <a:tcPr>
+                    <a:noFill/>
+                  </a:tcPr>
                 </a:tc>
                 <a:tc hMerge="1">
                   <a:txBody>
@@ -4067,7 +4771,9 @@
                       </a:endParaRPr>
                     </a:p>
                   </a:txBody>
-                  <a:tcPr/>
+                  <a:tcPr>
+                    <a:noFill/>
+                  </a:tcPr>
                 </a:tc>
                 <a:tc>
                   <a:txBody>
@@ -4085,7 +4791,9 @@
                       </a:endParaRPr>
                     </a:p>
                   </a:txBody>
-                  <a:tcPr/>
+                  <a:tcPr>
+                    <a:noFill/>
+                  </a:tcPr>
                 </a:tc>
                 <a:tc>
                   <a:txBody>
@@ -4097,7 +4805,18 @@
                       </a:endParaRPr>
                     </a:p>
                   </a:txBody>
-                  <a:tcPr/>
+                  <a:tcPr>
+                    <a:lnR w="28575" cap="flat" cmpd="sng" algn="ctr">
+                      <a:solidFill>
+                        <a:srgbClr val="006600"/>
+                      </a:solidFill>
+                      <a:prstDash val="solid"/>
+                      <a:round/>
+                      <a:headEnd type="none" w="med" len="med"/>
+                      <a:tailEnd type="none" w="med" len="med"/>
+                    </a:lnR>
+                    <a:noFill/>
+                  </a:tcPr>
                 </a:tc>
               </a:tr>
               <a:tr h="403771">
@@ -4117,7 +4836,18 @@
                       </a:endParaRPr>
                     </a:p>
                   </a:txBody>
-                  <a:tcPr/>
+                  <a:tcPr>
+                    <a:lnL w="28575" cap="flat" cmpd="sng" algn="ctr">
+                      <a:solidFill>
+                        <a:srgbClr val="006600"/>
+                      </a:solidFill>
+                      <a:prstDash val="solid"/>
+                      <a:round/>
+                      <a:headEnd type="none" w="med" len="med"/>
+                      <a:tailEnd type="none" w="med" len="med"/>
+                    </a:lnL>
+                    <a:noFill/>
+                  </a:tcPr>
                 </a:tc>
                 <a:tc>
                   <a:txBody>
@@ -4129,7 +4859,9 @@
                       </a:endParaRPr>
                     </a:p>
                   </a:txBody>
-                  <a:tcPr/>
+                  <a:tcPr>
+                    <a:noFill/>
+                  </a:tcPr>
                 </a:tc>
                 <a:tc>
                   <a:txBody>
@@ -4147,7 +4879,9 @@
                       </a:endParaRPr>
                     </a:p>
                   </a:txBody>
-                  <a:tcPr/>
+                  <a:tcPr>
+                    <a:noFill/>
+                  </a:tcPr>
                 </a:tc>
                 <a:tc>
                   <a:txBody>
@@ -4159,7 +4893,9 @@
                       </a:endParaRPr>
                     </a:p>
                   </a:txBody>
-                  <a:tcPr/>
+                  <a:tcPr>
+                    <a:noFill/>
+                  </a:tcPr>
                 </a:tc>
                 <a:tc gridSpan="5">
                   <a:txBody>
@@ -4171,7 +4907,18 @@
                       </a:endParaRPr>
                     </a:p>
                   </a:txBody>
-                  <a:tcPr/>
+                  <a:tcPr>
+                    <a:lnR w="28575" cap="flat" cmpd="sng" algn="ctr">
+                      <a:solidFill>
+                        <a:srgbClr val="006600"/>
+                      </a:solidFill>
+                      <a:prstDash val="solid"/>
+                      <a:round/>
+                      <a:headEnd type="none" w="med" len="med"/>
+                      <a:tailEnd type="none" w="med" len="med"/>
+                    </a:lnR>
+                    <a:noFill/>
+                  </a:tcPr>
                 </a:tc>
                 <a:tc hMerge="1">
                   <a:txBody>
@@ -4243,7 +4990,27 @@
                       </a:endParaRPr>
                     </a:p>
                   </a:txBody>
-                  <a:tcPr/>
+                  <a:tcPr>
+                    <a:lnL w="28575" cap="flat" cmpd="sng" algn="ctr">
+                      <a:solidFill>
+                        <a:srgbClr val="006600"/>
+                      </a:solidFill>
+                      <a:prstDash val="solid"/>
+                      <a:round/>
+                      <a:headEnd type="none" w="med" len="med"/>
+                      <a:tailEnd type="none" w="med" len="med"/>
+                    </a:lnL>
+                    <a:lnB w="28575" cap="flat" cmpd="sng" algn="ctr">
+                      <a:solidFill>
+                        <a:srgbClr val="006600"/>
+                      </a:solidFill>
+                      <a:prstDash val="solid"/>
+                      <a:round/>
+                      <a:headEnd type="none" w="med" len="med"/>
+                      <a:tailEnd type="none" w="med" len="med"/>
+                    </a:lnB>
+                    <a:noFill/>
+                  </a:tcPr>
                 </a:tc>
                 <a:tc hMerge="1">
                   <a:txBody>
@@ -4267,7 +5034,18 @@
                       </a:endParaRPr>
                     </a:p>
                   </a:txBody>
-                  <a:tcPr/>
+                  <a:tcPr>
+                    <a:lnB w="28575" cap="flat" cmpd="sng" algn="ctr">
+                      <a:solidFill>
+                        <a:srgbClr val="006600"/>
+                      </a:solidFill>
+                      <a:prstDash val="solid"/>
+                      <a:round/>
+                      <a:headEnd type="none" w="med" len="med"/>
+                      <a:tailEnd type="none" w="med" len="med"/>
+                    </a:lnB>
+                    <a:noFill/>
+                  </a:tcPr>
                 </a:tc>
                 <a:tc hMerge="1">
                   <a:txBody>
@@ -4303,7 +5081,27 @@
                       </a:endParaRPr>
                     </a:p>
                   </a:txBody>
-                  <a:tcPr/>
+                  <a:tcPr>
+                    <a:lnR w="28575" cap="flat" cmpd="sng" algn="ctr">
+                      <a:solidFill>
+                        <a:srgbClr val="006600"/>
+                      </a:solidFill>
+                      <a:prstDash val="solid"/>
+                      <a:round/>
+                      <a:headEnd type="none" w="med" len="med"/>
+                      <a:tailEnd type="none" w="med" len="med"/>
+                    </a:lnR>
+                    <a:lnB w="28575" cap="flat" cmpd="sng" algn="ctr">
+                      <a:solidFill>
+                        <a:srgbClr val="006600"/>
+                      </a:solidFill>
+                      <a:prstDash val="solid"/>
+                      <a:round/>
+                      <a:headEnd type="none" w="med" len="med"/>
+                      <a:tailEnd type="none" w="med" len="med"/>
+                    </a:lnB>
+                    <a:noFill/>
+                  </a:tcPr>
                 </a:tc>
                 <a:tc hMerge="1">
                   <a:txBody>
@@ -4349,14 +5147,14 @@
           <p:nvPr>
             <p:extLst>
               <p:ext uri="{D42A27DB-BD31-4B8C-83A1-F6EECF244321}">
-                <p14:modId xmlns:p14="http://schemas.microsoft.com/office/powerpoint/2010/main" val="3883310017"/>
+                <p14:modId xmlns:p14="http://schemas.microsoft.com/office/powerpoint/2010/main" val="3039941161"/>
               </p:ext>
             </p:extLst>
           </p:nvPr>
         </p:nvGraphicFramePr>
         <p:xfrm>
           <a:off x="3059832" y="2564904"/>
-          <a:ext cx="3312368" cy="1281837"/>
+          <a:ext cx="3312368" cy="1251357"/>
         </p:xfrm>
         <a:graphic>
           <a:graphicData uri="http://schemas.openxmlformats.org/drawingml/2006/table">
@@ -4375,18 +5173,44 @@
                     <a:lstStyle/>
                     <a:p>
                       <a:pPr algn="ctr"/>
-                      <a:r>
-                        <a:rPr lang="es-MX" sz="2000" dirty="0" smtClean="0">
-                          <a:latin typeface="Arial Narrow" panose="020B0606020202030204" pitchFamily="34" charset="0"/>
-                        </a:rPr>
-                        <a:t>Población</a:t>
-                      </a:r>
-                      <a:endParaRPr lang="es-MX" sz="2000" dirty="0">
-                        <a:latin typeface="Arial Narrow" panose="020B0606020202030204" pitchFamily="34" charset="0"/>
-                      </a:endParaRPr>
-                    </a:p>
-                  </a:txBody>
-                  <a:tcPr/>
+                      <a:endParaRPr lang="es-MX" sz="1800" dirty="0">
+                        <a:solidFill>
+                          <a:schemeClr val="tx1"/>
+                        </a:solidFill>
+                        <a:latin typeface="Soberana Titular" pitchFamily="50" charset="0"/>
+                      </a:endParaRPr>
+                    </a:p>
+                  </a:txBody>
+                  <a:tcPr>
+                    <a:lnL w="28575" cap="flat" cmpd="sng" algn="ctr">
+                      <a:solidFill>
+                        <a:srgbClr val="006600"/>
+                      </a:solidFill>
+                      <a:prstDash val="solid"/>
+                      <a:round/>
+                      <a:headEnd type="none" w="med" len="med"/>
+                      <a:tailEnd type="none" w="med" len="med"/>
+                    </a:lnL>
+                    <a:lnR w="28575" cap="flat" cmpd="sng" algn="ctr">
+                      <a:solidFill>
+                        <a:srgbClr val="006600"/>
+                      </a:solidFill>
+                      <a:prstDash val="solid"/>
+                      <a:round/>
+                      <a:headEnd type="none" w="med" len="med"/>
+                      <a:tailEnd type="none" w="med" len="med"/>
+                    </a:lnR>
+                    <a:lnT w="28575" cap="flat" cmpd="sng" algn="ctr">
+                      <a:solidFill>
+                        <a:srgbClr val="006600"/>
+                      </a:solidFill>
+                      <a:prstDash val="solid"/>
+                      <a:round/>
+                      <a:headEnd type="none" w="med" len="med"/>
+                      <a:tailEnd type="none" w="med" len="med"/>
+                    </a:lnT>
+                    <a:noFill/>
+                  </a:tcPr>
                 </a:tc>
                 <a:tc hMerge="1">
                   <a:txBody>
@@ -4416,7 +5240,18 @@
                       </a:endParaRPr>
                     </a:p>
                   </a:txBody>
-                  <a:tcPr/>
+                  <a:tcPr>
+                    <a:lnL w="28575" cap="flat" cmpd="sng" algn="ctr">
+                      <a:solidFill>
+                        <a:srgbClr val="006600"/>
+                      </a:solidFill>
+                      <a:prstDash val="solid"/>
+                      <a:round/>
+                      <a:headEnd type="none" w="med" len="med"/>
+                      <a:tailEnd type="none" w="med" len="med"/>
+                    </a:lnL>
+                    <a:noFill/>
+                  </a:tcPr>
                 </a:tc>
                 <a:tc>
                   <a:txBody>
@@ -4428,7 +5263,18 @@
                       </a:endParaRPr>
                     </a:p>
                   </a:txBody>
-                  <a:tcPr/>
+                  <a:tcPr>
+                    <a:lnR w="28575" cap="flat" cmpd="sng" algn="ctr">
+                      <a:solidFill>
+                        <a:srgbClr val="006600"/>
+                      </a:solidFill>
+                      <a:prstDash val="solid"/>
+                      <a:round/>
+                      <a:headEnd type="none" w="med" len="med"/>
+                      <a:tailEnd type="none" w="med" len="med"/>
+                    </a:lnR>
+                    <a:noFill/>
+                  </a:tcPr>
                 </a:tc>
               </a:tr>
               <a:tr h="295199">
@@ -4448,7 +5294,18 @@
                       </a:endParaRPr>
                     </a:p>
                   </a:txBody>
-                  <a:tcPr/>
+                  <a:tcPr>
+                    <a:lnL w="28575" cap="flat" cmpd="sng" algn="ctr">
+                      <a:solidFill>
+                        <a:srgbClr val="006600"/>
+                      </a:solidFill>
+                      <a:prstDash val="solid"/>
+                      <a:round/>
+                      <a:headEnd type="none" w="med" len="med"/>
+                      <a:tailEnd type="none" w="med" len="med"/>
+                    </a:lnL>
+                    <a:noFill/>
+                  </a:tcPr>
                 </a:tc>
                 <a:tc>
                   <a:txBody>
@@ -4460,7 +5317,18 @@
                       </a:endParaRPr>
                     </a:p>
                   </a:txBody>
-                  <a:tcPr/>
+                  <a:tcPr>
+                    <a:lnR w="28575" cap="flat" cmpd="sng" algn="ctr">
+                      <a:solidFill>
+                        <a:srgbClr val="006600"/>
+                      </a:solidFill>
+                      <a:prstDash val="solid"/>
+                      <a:round/>
+                      <a:headEnd type="none" w="med" len="med"/>
+                      <a:tailEnd type="none" w="med" len="med"/>
+                    </a:lnR>
+                    <a:noFill/>
+                  </a:tcPr>
                 </a:tc>
               </a:tr>
               <a:tr h="295199">
@@ -4480,7 +5348,27 @@
                       </a:endParaRPr>
                     </a:p>
                   </a:txBody>
-                  <a:tcPr/>
+                  <a:tcPr>
+                    <a:lnL w="28575" cap="flat" cmpd="sng" algn="ctr">
+                      <a:solidFill>
+                        <a:srgbClr val="006600"/>
+                      </a:solidFill>
+                      <a:prstDash val="solid"/>
+                      <a:round/>
+                      <a:headEnd type="none" w="med" len="med"/>
+                      <a:tailEnd type="none" w="med" len="med"/>
+                    </a:lnL>
+                    <a:lnB w="28575" cap="flat" cmpd="sng" algn="ctr">
+                      <a:solidFill>
+                        <a:srgbClr val="006600"/>
+                      </a:solidFill>
+                      <a:prstDash val="solid"/>
+                      <a:round/>
+                      <a:headEnd type="none" w="med" len="med"/>
+                      <a:tailEnd type="none" w="med" len="med"/>
+                    </a:lnB>
+                    <a:noFill/>
+                  </a:tcPr>
                 </a:tc>
                 <a:tc>
                   <a:txBody>
@@ -4492,7 +5380,27 @@
                       </a:endParaRPr>
                     </a:p>
                   </a:txBody>
-                  <a:tcPr/>
+                  <a:tcPr>
+                    <a:lnR w="28575" cap="flat" cmpd="sng" algn="ctr">
+                      <a:solidFill>
+                        <a:srgbClr val="006600"/>
+                      </a:solidFill>
+                      <a:prstDash val="solid"/>
+                      <a:round/>
+                      <a:headEnd type="none" w="med" len="med"/>
+                      <a:tailEnd type="none" w="med" len="med"/>
+                    </a:lnR>
+                    <a:lnB w="28575" cap="flat" cmpd="sng" algn="ctr">
+                      <a:solidFill>
+                        <a:srgbClr val="006600"/>
+                      </a:solidFill>
+                      <a:prstDash val="solid"/>
+                      <a:round/>
+                      <a:headEnd type="none" w="med" len="med"/>
+                      <a:tailEnd type="none" w="med" len="med"/>
+                    </a:lnB>
+                    <a:noFill/>
+                  </a:tcPr>
                 </a:tc>
               </a:tr>
             </a:tbl>
@@ -4508,14 +5416,14 @@
           <p:nvPr>
             <p:extLst>
               <p:ext uri="{D42A27DB-BD31-4B8C-83A1-F6EECF244321}">
-                <p14:modId xmlns:p14="http://schemas.microsoft.com/office/powerpoint/2010/main" val="2167713635"/>
+                <p14:modId xmlns:p14="http://schemas.microsoft.com/office/powerpoint/2010/main" val="3319330837"/>
               </p:ext>
             </p:extLst>
           </p:nvPr>
         </p:nvGraphicFramePr>
         <p:xfrm>
           <a:off x="3059832" y="3933056"/>
-          <a:ext cx="3312368" cy="2664296"/>
+          <a:ext cx="3312368" cy="2633816"/>
         </p:xfrm>
         <a:graphic>
           <a:graphicData uri="http://schemas.openxmlformats.org/drawingml/2006/table">
@@ -4535,18 +5443,44 @@
                     <a:lstStyle/>
                     <a:p>
                       <a:pPr algn="ctr"/>
-                      <a:r>
-                        <a:rPr lang="es-MX" sz="2000" dirty="0" smtClean="0">
-                          <a:latin typeface="Arial Narrow" panose="020B0606020202030204" pitchFamily="34" charset="0"/>
-                        </a:rPr>
-                        <a:t>Clasificación</a:t>
-                      </a:r>
-                      <a:endParaRPr lang="es-MX" sz="2000" dirty="0">
-                        <a:latin typeface="Arial Narrow" panose="020B0606020202030204" pitchFamily="34" charset="0"/>
-                      </a:endParaRPr>
-                    </a:p>
-                  </a:txBody>
-                  <a:tcPr/>
+                      <a:endParaRPr lang="es-MX" sz="1800" dirty="0">
+                        <a:solidFill>
+                          <a:schemeClr val="tx1"/>
+                        </a:solidFill>
+                        <a:latin typeface="Soberana Titular" pitchFamily="50" charset="0"/>
+                      </a:endParaRPr>
+                    </a:p>
+                  </a:txBody>
+                  <a:tcPr>
+                    <a:lnL w="28575" cap="flat" cmpd="sng" algn="ctr">
+                      <a:solidFill>
+                        <a:srgbClr val="006600"/>
+                      </a:solidFill>
+                      <a:prstDash val="solid"/>
+                      <a:round/>
+                      <a:headEnd type="none" w="med" len="med"/>
+                      <a:tailEnd type="none" w="med" len="med"/>
+                    </a:lnL>
+                    <a:lnR w="28575" cap="flat" cmpd="sng" algn="ctr">
+                      <a:solidFill>
+                        <a:srgbClr val="006600"/>
+                      </a:solidFill>
+                      <a:prstDash val="solid"/>
+                      <a:round/>
+                      <a:headEnd type="none" w="med" len="med"/>
+                      <a:tailEnd type="none" w="med" len="med"/>
+                    </a:lnR>
+                    <a:lnT w="28575" cap="flat" cmpd="sng" algn="ctr">
+                      <a:solidFill>
+                        <a:srgbClr val="006600"/>
+                      </a:solidFill>
+                      <a:prstDash val="solid"/>
+                      <a:round/>
+                      <a:headEnd type="none" w="med" len="med"/>
+                      <a:tailEnd type="none" w="med" len="med"/>
+                    </a:lnT>
+                    <a:noFill/>
+                  </a:tcPr>
                 </a:tc>
                 <a:tc hMerge="1">
                   <a:txBody>
@@ -4580,7 +5514,18 @@
                       </a:endParaRPr>
                     </a:p>
                   </a:txBody>
-                  <a:tcPr/>
+                  <a:tcPr>
+                    <a:lnL w="28575" cap="flat" cmpd="sng" algn="ctr">
+                      <a:solidFill>
+                        <a:srgbClr val="006600"/>
+                      </a:solidFill>
+                      <a:prstDash val="solid"/>
+                      <a:round/>
+                      <a:headEnd type="none" w="med" len="med"/>
+                      <a:tailEnd type="none" w="med" len="med"/>
+                    </a:lnL>
+                    <a:noFill/>
+                  </a:tcPr>
                 </a:tc>
                 <a:tc>
                   <a:txBody>
@@ -4598,7 +5543,9 @@
                       </a:endParaRPr>
                     </a:p>
                   </a:txBody>
-                  <a:tcPr/>
+                  <a:tcPr>
+                    <a:noFill/>
+                  </a:tcPr>
                 </a:tc>
                 <a:tc>
                   <a:txBody>
@@ -4610,7 +5557,18 @@
                       </a:endParaRPr>
                     </a:p>
                   </a:txBody>
-                  <a:tcPr/>
+                  <a:tcPr>
+                    <a:lnR w="28575" cap="flat" cmpd="sng" algn="ctr">
+                      <a:solidFill>
+                        <a:srgbClr val="006600"/>
+                      </a:solidFill>
+                      <a:prstDash val="solid"/>
+                      <a:round/>
+                      <a:headEnd type="none" w="med" len="med"/>
+                      <a:tailEnd type="none" w="med" len="med"/>
+                    </a:lnR>
+                    <a:noFill/>
+                  </a:tcPr>
                 </a:tc>
               </a:tr>
               <a:tr h="370840">
@@ -4624,7 +5582,18 @@
                       </a:endParaRPr>
                     </a:p>
                   </a:txBody>
-                  <a:tcPr/>
+                  <a:tcPr>
+                    <a:lnL w="28575" cap="flat" cmpd="sng" algn="ctr">
+                      <a:solidFill>
+                        <a:srgbClr val="006600"/>
+                      </a:solidFill>
+                      <a:prstDash val="solid"/>
+                      <a:round/>
+                      <a:headEnd type="none" w="med" len="med"/>
+                      <a:tailEnd type="none" w="med" len="med"/>
+                    </a:lnL>
+                    <a:noFill/>
+                  </a:tcPr>
                 </a:tc>
                 <a:tc gridSpan="2">
                   <a:txBody>
@@ -4642,7 +5611,18 @@
                       </a:endParaRPr>
                     </a:p>
                   </a:txBody>
-                  <a:tcPr/>
+                  <a:tcPr>
+                    <a:lnR w="28575" cap="flat" cmpd="sng" algn="ctr">
+                      <a:solidFill>
+                        <a:srgbClr val="006600"/>
+                      </a:solidFill>
+                      <a:prstDash val="solid"/>
+                      <a:round/>
+                      <a:headEnd type="none" w="med" len="med"/>
+                      <a:tailEnd type="none" w="med" len="med"/>
+                    </a:lnR>
+                    <a:noFill/>
+                  </a:tcPr>
                 </a:tc>
                 <a:tc hMerge="1">
                   <a:txBody>
@@ -4668,7 +5648,18 @@
                       </a:endParaRPr>
                     </a:p>
                   </a:txBody>
-                  <a:tcPr/>
+                  <a:tcPr>
+                    <a:lnL w="28575" cap="flat" cmpd="sng" algn="ctr">
+                      <a:solidFill>
+                        <a:srgbClr val="006600"/>
+                      </a:solidFill>
+                      <a:prstDash val="solid"/>
+                      <a:round/>
+                      <a:headEnd type="none" w="med" len="med"/>
+                      <a:tailEnd type="none" w="med" len="med"/>
+                    </a:lnL>
+                    <a:noFill/>
+                  </a:tcPr>
                 </a:tc>
                 <a:tc gridSpan="2">
                   <a:txBody>
@@ -4686,7 +5677,18 @@
                       </a:endParaRPr>
                     </a:p>
                   </a:txBody>
-                  <a:tcPr/>
+                  <a:tcPr>
+                    <a:lnR w="28575" cap="flat" cmpd="sng" algn="ctr">
+                      <a:solidFill>
+                        <a:srgbClr val="006600"/>
+                      </a:solidFill>
+                      <a:prstDash val="solid"/>
+                      <a:round/>
+                      <a:headEnd type="none" w="med" len="med"/>
+                      <a:tailEnd type="none" w="med" len="med"/>
+                    </a:lnR>
+                    <a:noFill/>
+                  </a:tcPr>
                 </a:tc>
                 <a:tc hMerge="1">
                   <a:txBody>
@@ -4712,7 +5714,18 @@
                       </a:endParaRPr>
                     </a:p>
                   </a:txBody>
-                  <a:tcPr/>
+                  <a:tcPr>
+                    <a:lnL w="28575" cap="flat" cmpd="sng" algn="ctr">
+                      <a:solidFill>
+                        <a:srgbClr val="006600"/>
+                      </a:solidFill>
+                      <a:prstDash val="solid"/>
+                      <a:round/>
+                      <a:headEnd type="none" w="med" len="med"/>
+                      <a:tailEnd type="none" w="med" len="med"/>
+                    </a:lnL>
+                    <a:noFill/>
+                  </a:tcPr>
                 </a:tc>
                 <a:tc gridSpan="2">
                   <a:txBody>
@@ -4730,7 +5743,18 @@
                       </a:endParaRPr>
                     </a:p>
                   </a:txBody>
-                  <a:tcPr/>
+                  <a:tcPr>
+                    <a:lnR w="28575" cap="flat" cmpd="sng" algn="ctr">
+                      <a:solidFill>
+                        <a:srgbClr val="006600"/>
+                      </a:solidFill>
+                      <a:prstDash val="solid"/>
+                      <a:round/>
+                      <a:headEnd type="none" w="med" len="med"/>
+                      <a:tailEnd type="none" w="med" len="med"/>
+                    </a:lnR>
+                    <a:noFill/>
+                  </a:tcPr>
                 </a:tc>
                 <a:tc hMerge="1">
                   <a:txBody>
@@ -4756,7 +5780,18 @@
                       </a:endParaRPr>
                     </a:p>
                   </a:txBody>
-                  <a:tcPr/>
+                  <a:tcPr>
+                    <a:lnL w="28575" cap="flat" cmpd="sng" algn="ctr">
+                      <a:solidFill>
+                        <a:srgbClr val="006600"/>
+                      </a:solidFill>
+                      <a:prstDash val="solid"/>
+                      <a:round/>
+                      <a:headEnd type="none" w="med" len="med"/>
+                      <a:tailEnd type="none" w="med" len="med"/>
+                    </a:lnL>
+                    <a:noFill/>
+                  </a:tcPr>
                 </a:tc>
                 <a:tc gridSpan="2">
                   <a:txBody>
@@ -4774,7 +5809,18 @@
                       </a:endParaRPr>
                     </a:p>
                   </a:txBody>
-                  <a:tcPr/>
+                  <a:tcPr>
+                    <a:lnR w="28575" cap="flat" cmpd="sng" algn="ctr">
+                      <a:solidFill>
+                        <a:srgbClr val="006600"/>
+                      </a:solidFill>
+                      <a:prstDash val="solid"/>
+                      <a:round/>
+                      <a:headEnd type="none" w="med" len="med"/>
+                      <a:tailEnd type="none" w="med" len="med"/>
+                    </a:lnR>
+                    <a:noFill/>
+                  </a:tcPr>
                 </a:tc>
                 <a:tc hMerge="1">
                   <a:txBody>
@@ -4800,7 +5846,27 @@
                       </a:endParaRPr>
                     </a:p>
                   </a:txBody>
-                  <a:tcPr/>
+                  <a:tcPr>
+                    <a:lnL w="28575" cap="flat" cmpd="sng" algn="ctr">
+                      <a:solidFill>
+                        <a:srgbClr val="006600"/>
+                      </a:solidFill>
+                      <a:prstDash val="solid"/>
+                      <a:round/>
+                      <a:headEnd type="none" w="med" len="med"/>
+                      <a:tailEnd type="none" w="med" len="med"/>
+                    </a:lnL>
+                    <a:lnB w="28575" cap="flat" cmpd="sng" algn="ctr">
+                      <a:solidFill>
+                        <a:srgbClr val="006600"/>
+                      </a:solidFill>
+                      <a:prstDash val="solid"/>
+                      <a:round/>
+                      <a:headEnd type="none" w="med" len="med"/>
+                      <a:tailEnd type="none" w="med" len="med"/>
+                    </a:lnB>
+                    <a:noFill/>
+                  </a:tcPr>
                 </a:tc>
                 <a:tc gridSpan="2">
                   <a:txBody>
@@ -4818,7 +5884,27 @@
                       </a:endParaRPr>
                     </a:p>
                   </a:txBody>
-                  <a:tcPr/>
+                  <a:tcPr>
+                    <a:lnR w="28575" cap="flat" cmpd="sng" algn="ctr">
+                      <a:solidFill>
+                        <a:srgbClr val="006600"/>
+                      </a:solidFill>
+                      <a:prstDash val="solid"/>
+                      <a:round/>
+                      <a:headEnd type="none" w="med" len="med"/>
+                      <a:tailEnd type="none" w="med" len="med"/>
+                    </a:lnR>
+                    <a:lnB w="28575" cap="flat" cmpd="sng" algn="ctr">
+                      <a:solidFill>
+                        <a:srgbClr val="006600"/>
+                      </a:solidFill>
+                      <a:prstDash val="solid"/>
+                      <a:round/>
+                      <a:headEnd type="none" w="med" len="med"/>
+                      <a:tailEnd type="none" w="med" len="med"/>
+                    </a:lnB>
+                    <a:noFill/>
+                  </a:tcPr>
                 </a:tc>
                 <a:tc hMerge="1">
                   <a:txBody>
@@ -4846,14 +5932,14 @@
           <p:nvPr>
             <p:extLst>
               <p:ext uri="{D42A27DB-BD31-4B8C-83A1-F6EECF244321}">
-                <p14:modId xmlns:p14="http://schemas.microsoft.com/office/powerpoint/2010/main" val="1759558726"/>
+                <p14:modId xmlns:p14="http://schemas.microsoft.com/office/powerpoint/2010/main" val="3261177285"/>
               </p:ext>
             </p:extLst>
           </p:nvPr>
         </p:nvGraphicFramePr>
         <p:xfrm>
           <a:off x="6444208" y="908721"/>
-          <a:ext cx="2232248" cy="2688157"/>
+          <a:ext cx="2304256" cy="2671540"/>
         </p:xfrm>
         <a:graphic>
           <a:graphicData uri="http://schemas.openxmlformats.org/drawingml/2006/table">
@@ -4862,7 +5948,7 @@
                 <a:tableStyleId>{5C22544A-7EE6-4342-B048-85BDC9FD1C3A}</a:tableStyleId>
               </a:tblPr>
               <a:tblGrid>
-                <a:gridCol w="2232248"/>
+                <a:gridCol w="2304256"/>
               </a:tblGrid>
               <a:tr h="379623">
                 <a:tc>
@@ -4871,18 +5957,44 @@
                     <a:lstStyle/>
                     <a:p>
                       <a:pPr algn="ctr"/>
-                      <a:r>
-                        <a:rPr lang="es-MX" sz="2000" dirty="0" smtClean="0">
-                          <a:latin typeface="Arial Narrow" panose="020B0606020202030204" pitchFamily="34" charset="0"/>
-                        </a:rPr>
-                        <a:t>Descripción</a:t>
-                      </a:r>
-                      <a:endParaRPr lang="es-MX" sz="2000" dirty="0">
-                        <a:latin typeface="Arial Narrow" panose="020B0606020202030204" pitchFamily="34" charset="0"/>
-                      </a:endParaRPr>
-                    </a:p>
-                  </a:txBody>
-                  <a:tcPr/>
+                      <a:endParaRPr lang="es-MX" sz="1800" dirty="0">
+                        <a:solidFill>
+                          <a:schemeClr val="tx1"/>
+                        </a:solidFill>
+                        <a:latin typeface="Soberana Titular" pitchFamily="50" charset="0"/>
+                      </a:endParaRPr>
+                    </a:p>
+                  </a:txBody>
+                  <a:tcPr>
+                    <a:lnL w="28575" cap="flat" cmpd="sng" algn="ctr">
+                      <a:solidFill>
+                        <a:srgbClr val="006600"/>
+                      </a:solidFill>
+                      <a:prstDash val="solid"/>
+                      <a:round/>
+                      <a:headEnd type="none" w="med" len="med"/>
+                      <a:tailEnd type="none" w="med" len="med"/>
+                    </a:lnL>
+                    <a:lnR w="28575" cap="flat" cmpd="sng" algn="ctr">
+                      <a:solidFill>
+                        <a:srgbClr val="006600"/>
+                      </a:solidFill>
+                      <a:prstDash val="solid"/>
+                      <a:round/>
+                      <a:headEnd type="none" w="med" len="med"/>
+                      <a:tailEnd type="none" w="med" len="med"/>
+                    </a:lnR>
+                    <a:lnT w="28575" cap="flat" cmpd="sng" algn="ctr">
+                      <a:solidFill>
+                        <a:srgbClr val="006600"/>
+                      </a:solidFill>
+                      <a:prstDash val="solid"/>
+                      <a:round/>
+                      <a:headEnd type="none" w="med" len="med"/>
+                      <a:tailEnd type="none" w="med" len="med"/>
+                    </a:lnT>
+                    <a:noFill/>
+                  </a:tcPr>
                 </a:tc>
               </a:tr>
               <a:tr h="905254">
@@ -4926,7 +6038,27 @@
                       </a:endParaRPr>
                     </a:p>
                   </a:txBody>
-                  <a:tcPr/>
+                  <a:tcPr>
+                    <a:lnL w="28575" cap="flat" cmpd="sng" algn="ctr">
+                      <a:solidFill>
+                        <a:srgbClr val="006600"/>
+                      </a:solidFill>
+                      <a:prstDash val="solid"/>
+                      <a:round/>
+                      <a:headEnd type="none" w="med" len="med"/>
+                      <a:tailEnd type="none" w="med" len="med"/>
+                    </a:lnL>
+                    <a:lnR w="28575" cap="flat" cmpd="sng" algn="ctr">
+                      <a:solidFill>
+                        <a:srgbClr val="006600"/>
+                      </a:solidFill>
+                      <a:prstDash val="solid"/>
+                      <a:round/>
+                      <a:headEnd type="none" w="med" len="med"/>
+                      <a:tailEnd type="none" w="med" len="med"/>
+                    </a:lnR>
+                    <a:noFill/>
+                  </a:tcPr>
                 </a:tc>
               </a:tr>
               <a:tr h="402157">
@@ -4935,18 +6067,36 @@
                     <a:bodyPr/>
                     <a:lstStyle/>
                     <a:p>
-                      <a:r>
-                        <a:rPr lang="es-MX" sz="800" b="1" dirty="0" smtClean="0">
-                          <a:latin typeface="Arial Narrow" panose="020B0606020202030204" pitchFamily="34" charset="0"/>
-                        </a:rPr>
-                        <a:t>Observaciones</a:t>
-                      </a:r>
-                      <a:endParaRPr lang="es-MX" sz="800" b="1" dirty="0">
-                        <a:latin typeface="Arial Narrow" panose="020B0606020202030204" pitchFamily="34" charset="0"/>
-                      </a:endParaRPr>
-                    </a:p>
-                  </a:txBody>
-                  <a:tcPr/>
+                      <a:pPr algn="ctr"/>
+                      <a:endParaRPr lang="es-MX" sz="1600" b="1" dirty="0">
+                        <a:solidFill>
+                          <a:schemeClr val="tx1"/>
+                        </a:solidFill>
+                        <a:latin typeface="Soberana Titular" pitchFamily="50" charset="0"/>
+                      </a:endParaRPr>
+                    </a:p>
+                  </a:txBody>
+                  <a:tcPr>
+                    <a:lnL w="28575" cap="flat" cmpd="sng" algn="ctr">
+                      <a:solidFill>
+                        <a:srgbClr val="006600"/>
+                      </a:solidFill>
+                      <a:prstDash val="solid"/>
+                      <a:round/>
+                      <a:headEnd type="none" w="med" len="med"/>
+                      <a:tailEnd type="none" w="med" len="med"/>
+                    </a:lnL>
+                    <a:lnR w="28575" cap="flat" cmpd="sng" algn="ctr">
+                      <a:solidFill>
+                        <a:srgbClr val="006600"/>
+                      </a:solidFill>
+                      <a:prstDash val="solid"/>
+                      <a:round/>
+                      <a:headEnd type="none" w="med" len="med"/>
+                      <a:tailEnd type="none" w="med" len="med"/>
+                    </a:lnR>
+                    <a:noFill/>
+                  </a:tcPr>
                 </a:tc>
               </a:tr>
               <a:tr h="905254">
@@ -4990,7 +6140,36 @@
                       </a:endParaRPr>
                     </a:p>
                   </a:txBody>
-                  <a:tcPr/>
+                  <a:tcPr>
+                    <a:lnL w="28575" cap="flat" cmpd="sng" algn="ctr">
+                      <a:solidFill>
+                        <a:srgbClr val="006600"/>
+                      </a:solidFill>
+                      <a:prstDash val="solid"/>
+                      <a:round/>
+                      <a:headEnd type="none" w="med" len="med"/>
+                      <a:tailEnd type="none" w="med" len="med"/>
+                    </a:lnL>
+                    <a:lnR w="28575" cap="flat" cmpd="sng" algn="ctr">
+                      <a:solidFill>
+                        <a:srgbClr val="006600"/>
+                      </a:solidFill>
+                      <a:prstDash val="solid"/>
+                      <a:round/>
+                      <a:headEnd type="none" w="med" len="med"/>
+                      <a:tailEnd type="none" w="med" len="med"/>
+                    </a:lnR>
+                    <a:lnB w="28575" cap="flat" cmpd="sng" algn="ctr">
+                      <a:solidFill>
+                        <a:srgbClr val="006600"/>
+                      </a:solidFill>
+                      <a:prstDash val="solid"/>
+                      <a:round/>
+                      <a:headEnd type="none" w="med" len="med"/>
+                      <a:tailEnd type="none" w="med" len="med"/>
+                    </a:lnB>
+                    <a:noFill/>
+                  </a:tcPr>
                 </a:tc>
               </a:tr>
             </a:tbl>
@@ -5006,14 +6185,14 @@
           <p:nvPr>
             <p:extLst>
               <p:ext uri="{D42A27DB-BD31-4B8C-83A1-F6EECF244321}">
-                <p14:modId xmlns:p14="http://schemas.microsoft.com/office/powerpoint/2010/main" val="2375103945"/>
+                <p14:modId xmlns:p14="http://schemas.microsoft.com/office/powerpoint/2010/main" val="1663516041"/>
               </p:ext>
             </p:extLst>
           </p:nvPr>
         </p:nvGraphicFramePr>
         <p:xfrm>
-          <a:off x="6444208" y="3645024"/>
-          <a:ext cx="2255912" cy="1080120"/>
+          <a:off x="6444208" y="3717032"/>
+          <a:ext cx="2304256" cy="1049640"/>
         </p:xfrm>
         <a:graphic>
           <a:graphicData uri="http://schemas.openxmlformats.org/drawingml/2006/table">
@@ -5022,8 +6201,8 @@
                 <a:tableStyleId>{5C22544A-7EE6-4342-B048-85BDC9FD1C3A}</a:tableStyleId>
               </a:tblPr>
               <a:tblGrid>
-                <a:gridCol w="1127956"/>
-                <a:gridCol w="1127956"/>
+                <a:gridCol w="1152128"/>
+                <a:gridCol w="1152128"/>
               </a:tblGrid>
               <a:tr h="360040">
                 <a:tc gridSpan="2">
@@ -5032,18 +6211,44 @@
                     <a:lstStyle/>
                     <a:p>
                       <a:pPr algn="ctr"/>
-                      <a:r>
-                        <a:rPr lang="es-MX" sz="2000" dirty="0" smtClean="0">
-                          <a:latin typeface="Arial Narrow" panose="020B0606020202030204" pitchFamily="34" charset="0"/>
-                        </a:rPr>
-                        <a:t>Inauguración</a:t>
-                      </a:r>
-                      <a:endParaRPr lang="es-MX" sz="2000" dirty="0">
-                        <a:latin typeface="Arial Narrow" panose="020B0606020202030204" pitchFamily="34" charset="0"/>
-                      </a:endParaRPr>
-                    </a:p>
-                  </a:txBody>
-                  <a:tcPr/>
+                      <a:endParaRPr lang="es-MX" sz="1800" dirty="0">
+                        <a:solidFill>
+                          <a:schemeClr val="tx1"/>
+                        </a:solidFill>
+                        <a:latin typeface="Soberana Titular" pitchFamily="50" charset="0"/>
+                      </a:endParaRPr>
+                    </a:p>
+                  </a:txBody>
+                  <a:tcPr>
+                    <a:lnL w="28575" cap="flat" cmpd="sng" algn="ctr">
+                      <a:solidFill>
+                        <a:srgbClr val="006600"/>
+                      </a:solidFill>
+                      <a:prstDash val="solid"/>
+                      <a:round/>
+                      <a:headEnd type="none" w="med" len="med"/>
+                      <a:tailEnd type="none" w="med" len="med"/>
+                    </a:lnL>
+                    <a:lnR w="28575" cap="flat" cmpd="sng" algn="ctr">
+                      <a:solidFill>
+                        <a:srgbClr val="006600"/>
+                      </a:solidFill>
+                      <a:prstDash val="solid"/>
+                      <a:round/>
+                      <a:headEnd type="none" w="med" len="med"/>
+                      <a:tailEnd type="none" w="med" len="med"/>
+                    </a:lnR>
+                    <a:lnT w="28575" cap="flat" cmpd="sng" algn="ctr">
+                      <a:solidFill>
+                        <a:srgbClr val="006600"/>
+                      </a:solidFill>
+                      <a:prstDash val="solid"/>
+                      <a:round/>
+                      <a:headEnd type="none" w="med" len="med"/>
+                      <a:tailEnd type="none" w="med" len="med"/>
+                    </a:lnT>
+                    <a:noFill/>
+                  </a:tcPr>
                 </a:tc>
                 <a:tc hMerge="1">
                   <a:txBody>
@@ -5073,7 +6278,18 @@
                       </a:endParaRPr>
                     </a:p>
                   </a:txBody>
-                  <a:tcPr/>
+                  <a:tcPr>
+                    <a:lnL w="28575" cap="flat" cmpd="sng" algn="ctr">
+                      <a:solidFill>
+                        <a:srgbClr val="006600"/>
+                      </a:solidFill>
+                      <a:prstDash val="solid"/>
+                      <a:round/>
+                      <a:headEnd type="none" w="med" len="med"/>
+                      <a:tailEnd type="none" w="med" len="med"/>
+                    </a:lnL>
+                    <a:noFill/>
+                  </a:tcPr>
                 </a:tc>
                 <a:tc>
                   <a:txBody>
@@ -5085,7 +6301,18 @@
                       </a:endParaRPr>
                     </a:p>
                   </a:txBody>
-                  <a:tcPr/>
+                  <a:tcPr>
+                    <a:lnR w="28575" cap="flat" cmpd="sng" algn="ctr">
+                      <a:solidFill>
+                        <a:srgbClr val="006600"/>
+                      </a:solidFill>
+                      <a:prstDash val="solid"/>
+                      <a:round/>
+                      <a:headEnd type="none" w="med" len="med"/>
+                      <a:tailEnd type="none" w="med" len="med"/>
+                    </a:lnR>
+                    <a:noFill/>
+                  </a:tcPr>
                 </a:tc>
               </a:tr>
               <a:tr h="229833">
@@ -5105,7 +6332,18 @@
                       </a:endParaRPr>
                     </a:p>
                   </a:txBody>
-                  <a:tcPr/>
+                  <a:tcPr>
+                    <a:lnL w="28575" cap="flat" cmpd="sng" algn="ctr">
+                      <a:solidFill>
+                        <a:srgbClr val="006600"/>
+                      </a:solidFill>
+                      <a:prstDash val="solid"/>
+                      <a:round/>
+                      <a:headEnd type="none" w="med" len="med"/>
+                      <a:tailEnd type="none" w="med" len="med"/>
+                    </a:lnL>
+                    <a:noFill/>
+                  </a:tcPr>
                 </a:tc>
                 <a:tc>
                   <a:txBody>
@@ -5117,7 +6355,18 @@
                       </a:endParaRPr>
                     </a:p>
                   </a:txBody>
-                  <a:tcPr/>
+                  <a:tcPr>
+                    <a:lnR w="28575" cap="flat" cmpd="sng" algn="ctr">
+                      <a:solidFill>
+                        <a:srgbClr val="006600"/>
+                      </a:solidFill>
+                      <a:prstDash val="solid"/>
+                      <a:round/>
+                      <a:headEnd type="none" w="med" len="med"/>
+                      <a:tailEnd type="none" w="med" len="med"/>
+                    </a:lnR>
+                    <a:noFill/>
+                  </a:tcPr>
                 </a:tc>
               </a:tr>
               <a:tr h="240687">
@@ -5137,7 +6386,27 @@
                       </a:endParaRPr>
                     </a:p>
                   </a:txBody>
-                  <a:tcPr/>
+                  <a:tcPr>
+                    <a:lnL w="28575" cap="flat" cmpd="sng" algn="ctr">
+                      <a:solidFill>
+                        <a:srgbClr val="006600"/>
+                      </a:solidFill>
+                      <a:prstDash val="solid"/>
+                      <a:round/>
+                      <a:headEnd type="none" w="med" len="med"/>
+                      <a:tailEnd type="none" w="med" len="med"/>
+                    </a:lnL>
+                    <a:lnB w="28575" cap="flat" cmpd="sng" algn="ctr">
+                      <a:solidFill>
+                        <a:srgbClr val="006600"/>
+                      </a:solidFill>
+                      <a:prstDash val="solid"/>
+                      <a:round/>
+                      <a:headEnd type="none" w="med" len="med"/>
+                      <a:tailEnd type="none" w="med" len="med"/>
+                    </a:lnB>
+                    <a:noFill/>
+                  </a:tcPr>
                 </a:tc>
                 <a:tc>
                   <a:txBody>
@@ -5149,7 +6418,27 @@
                       </a:endParaRPr>
                     </a:p>
                   </a:txBody>
-                  <a:tcPr/>
+                  <a:tcPr>
+                    <a:lnR w="28575" cap="flat" cmpd="sng" algn="ctr">
+                      <a:solidFill>
+                        <a:srgbClr val="006600"/>
+                      </a:solidFill>
+                      <a:prstDash val="solid"/>
+                      <a:round/>
+                      <a:headEnd type="none" w="med" len="med"/>
+                      <a:tailEnd type="none" w="med" len="med"/>
+                    </a:lnR>
+                    <a:lnB w="28575" cap="flat" cmpd="sng" algn="ctr">
+                      <a:solidFill>
+                        <a:srgbClr val="006600"/>
+                      </a:solidFill>
+                      <a:prstDash val="solid"/>
+                      <a:round/>
+                      <a:headEnd type="none" w="med" len="med"/>
+                      <a:tailEnd type="none" w="med" len="med"/>
+                    </a:lnB>
+                    <a:noFill/>
+                  </a:tcPr>
                 </a:tc>
               </a:tr>
             </a:tbl>
@@ -5165,14 +6454,14 @@
           <p:nvPr>
             <p:extLst>
               <p:ext uri="{D42A27DB-BD31-4B8C-83A1-F6EECF244321}">
-                <p14:modId xmlns:p14="http://schemas.microsoft.com/office/powerpoint/2010/main" val="644268556"/>
+                <p14:modId xmlns:p14="http://schemas.microsoft.com/office/powerpoint/2010/main" val="3967446963"/>
               </p:ext>
             </p:extLst>
           </p:nvPr>
         </p:nvGraphicFramePr>
         <p:xfrm>
           <a:off x="6444208" y="4941168"/>
-          <a:ext cx="2304256" cy="1656184"/>
+          <a:ext cx="2304256" cy="1625704"/>
         </p:xfrm>
         <a:graphic>
           <a:graphicData uri="http://schemas.openxmlformats.org/drawingml/2006/table">
@@ -5192,18 +6481,53 @@
                     <a:lstStyle/>
                     <a:p>
                       <a:pPr algn="ctr"/>
-                      <a:r>
-                        <a:rPr lang="es-MX" sz="2000" dirty="0" smtClean="0">
-                          <a:latin typeface="Arial Narrow" panose="020B0606020202030204" pitchFamily="34" charset="0"/>
-                        </a:rPr>
-                        <a:t>Fotografías</a:t>
-                      </a:r>
-                      <a:endParaRPr lang="es-MX" sz="2000" dirty="0">
-                        <a:latin typeface="Arial Narrow" panose="020B0606020202030204" pitchFamily="34" charset="0"/>
-                      </a:endParaRPr>
-                    </a:p>
-                  </a:txBody>
-                  <a:tcPr/>
+                      <a:endParaRPr lang="es-MX" sz="1800" dirty="0">
+                        <a:solidFill>
+                          <a:schemeClr val="tx1"/>
+                        </a:solidFill>
+                        <a:latin typeface="Soberana Titular" pitchFamily="50" charset="0"/>
+                      </a:endParaRPr>
+                    </a:p>
+                  </a:txBody>
+                  <a:tcPr>
+                    <a:lnL w="28575" cap="flat" cmpd="sng" algn="ctr">
+                      <a:solidFill>
+                        <a:srgbClr val="006600"/>
+                      </a:solidFill>
+                      <a:prstDash val="solid"/>
+                      <a:round/>
+                      <a:headEnd type="none" w="med" len="med"/>
+                      <a:tailEnd type="none" w="med" len="med"/>
+                    </a:lnL>
+                    <a:lnR w="28575" cap="flat" cmpd="sng" algn="ctr">
+                      <a:solidFill>
+                        <a:srgbClr val="006600"/>
+                      </a:solidFill>
+                      <a:prstDash val="solid"/>
+                      <a:round/>
+                      <a:headEnd type="none" w="med" len="med"/>
+                      <a:tailEnd type="none" w="med" len="med"/>
+                    </a:lnR>
+                    <a:lnT w="28575" cap="flat" cmpd="sng" algn="ctr">
+                      <a:solidFill>
+                        <a:srgbClr val="006600"/>
+                      </a:solidFill>
+                      <a:prstDash val="solid"/>
+                      <a:round/>
+                      <a:headEnd type="none" w="med" len="med"/>
+                      <a:tailEnd type="none" w="med" len="med"/>
+                    </a:lnT>
+                    <a:lnB w="28575" cap="flat" cmpd="sng" algn="ctr">
+                      <a:solidFill>
+                        <a:srgbClr val="008000"/>
+                      </a:solidFill>
+                      <a:prstDash val="solid"/>
+                      <a:round/>
+                      <a:headEnd type="none" w="med" len="med"/>
+                      <a:tailEnd type="none" w="med" len="med"/>
+                    </a:lnB>
+                    <a:noFill/>
+                  </a:tcPr>
                 </a:tc>
                 <a:tc hMerge="1">
                   <a:txBody>
@@ -5244,7 +6568,45 @@
                       </a:endParaRPr>
                     </a:p>
                   </a:txBody>
-                  <a:tcPr anchor="b"/>
+                  <a:tcPr anchor="b">
+                    <a:lnL w="28575" cap="flat" cmpd="sng" algn="ctr">
+                      <a:solidFill>
+                        <a:srgbClr val="006600"/>
+                      </a:solidFill>
+                      <a:prstDash val="solid"/>
+                      <a:round/>
+                      <a:headEnd type="none" w="med" len="med"/>
+                      <a:tailEnd type="none" w="med" len="med"/>
+                    </a:lnL>
+                    <a:lnR w="28575" cap="flat" cmpd="sng" algn="ctr">
+                      <a:solidFill>
+                        <a:srgbClr val="008000"/>
+                      </a:solidFill>
+                      <a:prstDash val="solid"/>
+                      <a:round/>
+                      <a:headEnd type="none" w="med" len="med"/>
+                      <a:tailEnd type="none" w="med" len="med"/>
+                    </a:lnR>
+                    <a:lnT w="28575" cap="flat" cmpd="sng" algn="ctr">
+                      <a:solidFill>
+                        <a:srgbClr val="008000"/>
+                      </a:solidFill>
+                      <a:prstDash val="solid"/>
+                      <a:round/>
+                      <a:headEnd type="none" w="med" len="med"/>
+                      <a:tailEnd type="none" w="med" len="med"/>
+                    </a:lnT>
+                    <a:lnB w="28575" cap="flat" cmpd="sng" algn="ctr">
+                      <a:solidFill>
+                        <a:srgbClr val="006600"/>
+                      </a:solidFill>
+                      <a:prstDash val="solid"/>
+                      <a:round/>
+                      <a:headEnd type="none" w="med" len="med"/>
+                      <a:tailEnd type="none" w="med" len="med"/>
+                    </a:lnB>
+                    <a:noFill/>
+                  </a:tcPr>
                 </a:tc>
                 <a:tc>
                   <a:txBody>
@@ -5263,7 +6625,45 @@
                       </a:endParaRPr>
                     </a:p>
                   </a:txBody>
-                  <a:tcPr anchor="b"/>
+                  <a:tcPr anchor="b">
+                    <a:lnL w="28575" cap="flat" cmpd="sng" algn="ctr">
+                      <a:solidFill>
+                        <a:srgbClr val="008000"/>
+                      </a:solidFill>
+                      <a:prstDash val="solid"/>
+                      <a:round/>
+                      <a:headEnd type="none" w="med" len="med"/>
+                      <a:tailEnd type="none" w="med" len="med"/>
+                    </a:lnL>
+                    <a:lnR w="28575" cap="flat" cmpd="sng" algn="ctr">
+                      <a:solidFill>
+                        <a:srgbClr val="008000"/>
+                      </a:solidFill>
+                      <a:prstDash val="solid"/>
+                      <a:round/>
+                      <a:headEnd type="none" w="med" len="med"/>
+                      <a:tailEnd type="none" w="med" len="med"/>
+                    </a:lnR>
+                    <a:lnT w="28575" cap="flat" cmpd="sng" algn="ctr">
+                      <a:solidFill>
+                        <a:srgbClr val="008000"/>
+                      </a:solidFill>
+                      <a:prstDash val="solid"/>
+                      <a:round/>
+                      <a:headEnd type="none" w="med" len="med"/>
+                      <a:tailEnd type="none" w="med" len="med"/>
+                    </a:lnT>
+                    <a:lnB w="28575" cap="flat" cmpd="sng" algn="ctr">
+                      <a:solidFill>
+                        <a:srgbClr val="006600"/>
+                      </a:solidFill>
+                      <a:prstDash val="solid"/>
+                      <a:round/>
+                      <a:headEnd type="none" w="med" len="med"/>
+                      <a:tailEnd type="none" w="med" len="med"/>
+                    </a:lnB>
+                    <a:noFill/>
+                  </a:tcPr>
                 </a:tc>
                 <a:tc>
                   <a:txBody>
@@ -5282,42 +6682,51 @@
                       </a:endParaRPr>
                     </a:p>
                   </a:txBody>
-                  <a:tcPr anchor="b"/>
+                  <a:tcPr anchor="b">
+                    <a:lnL w="28575" cap="flat" cmpd="sng" algn="ctr">
+                      <a:solidFill>
+                        <a:srgbClr val="008000"/>
+                      </a:solidFill>
+                      <a:prstDash val="solid"/>
+                      <a:round/>
+                      <a:headEnd type="none" w="med" len="med"/>
+                      <a:tailEnd type="none" w="med" len="med"/>
+                    </a:lnL>
+                    <a:lnR w="28575" cap="flat" cmpd="sng" algn="ctr">
+                      <a:solidFill>
+                        <a:srgbClr val="006600"/>
+                      </a:solidFill>
+                      <a:prstDash val="solid"/>
+                      <a:round/>
+                      <a:headEnd type="none" w="med" len="med"/>
+                      <a:tailEnd type="none" w="med" len="med"/>
+                    </a:lnR>
+                    <a:lnT w="28575" cap="flat" cmpd="sng" algn="ctr">
+                      <a:solidFill>
+                        <a:srgbClr val="008000"/>
+                      </a:solidFill>
+                      <a:prstDash val="solid"/>
+                      <a:round/>
+                      <a:headEnd type="none" w="med" len="med"/>
+                      <a:tailEnd type="none" w="med" len="med"/>
+                    </a:lnT>
+                    <a:lnB w="28575" cap="flat" cmpd="sng" algn="ctr">
+                      <a:solidFill>
+                        <a:srgbClr val="006600"/>
+                      </a:solidFill>
+                      <a:prstDash val="solid"/>
+                      <a:round/>
+                      <a:headEnd type="none" w="med" len="med"/>
+                      <a:tailEnd type="none" w="med" len="med"/>
+                    </a:lnB>
+                    <a:noFill/>
+                  </a:tcPr>
                 </a:tc>
               </a:tr>
             </a:tbl>
           </a:graphicData>
         </a:graphic>
       </p:graphicFrame>
-      <p:sp>
-        <p:nvSpPr>
-          <p:cNvPr id="28" name="27 CuadroTexto"/>
-          <p:cNvSpPr txBox="1"/>
-          <p:nvPr/>
-        </p:nvSpPr>
-        <p:spPr>
-          <a:xfrm>
-            <a:off x="4355976" y="1743716"/>
-            <a:ext cx="288032" cy="338554"/>
-          </a:xfrm>
-          <a:prstGeom prst="rect">
-            <a:avLst/>
-          </a:prstGeom>
-          <a:noFill/>
-        </p:spPr>
-        <p:txBody>
-          <a:bodyPr wrap="square" rtlCol="0">
-            <a:spAutoFit/>
-          </a:bodyPr>
-          <a:lstStyle/>
-          <a:p>
-            <a:endParaRPr lang="es-MX" sz="800" dirty="0" smtClean="0"/>
-          </a:p>
-          <a:p>
-            <a:endParaRPr lang="es-MX" sz="800" dirty="0"/>
-          </a:p>
-        </p:txBody>
-      </p:sp>
       <p:sp>
         <p:nvSpPr>
           <p:cNvPr id="4" name="3 CuadroTexto"/>
@@ -5372,7 +6781,7 @@
               <a:defRPr sz="800"/>
             </a:pPr>
             <a:r>
-              <a:t>OB_SEGOB_00010</a:t>
+              <a:t>OB_CDI_00004</a:t>
             </a:r>
             <a:endParaRPr lang="es-MX" sz="800" dirty="0">
               <a:latin typeface="Arial Narrow" panose="020B0606020202030204" pitchFamily="34" charset="0"/>
@@ -5389,7 +6798,7 @@
         <p:spPr>
           <a:xfrm>
             <a:off x="1547664" y="2780928"/>
-            <a:ext cx="1440160" cy="184666"/>
+            <a:ext cx="1440160" cy="215444"/>
           </a:xfrm>
           <a:prstGeom prst="rect">
             <a:avLst/>
@@ -5406,7 +6815,7 @@
               <a:defRPr sz="800"/>
             </a:pPr>
             <a:r>
-              <a:t>ESTACION MIGRATORIA (INM)</a:t>
+              <a:t>CONSTRUCCION DE CAMINO</a:t>
             </a:r>
             <a:endParaRPr lang="es-MX" sz="600" dirty="0">
               <a:latin typeface="Arial Narrow" panose="020B0606020202030204" pitchFamily="34" charset="0"/>
@@ -5440,7 +6849,7 @@
               <a:defRPr sz="800"/>
             </a:pPr>
             <a:r>
-              <a:t>SEGOB</a:t>
+              <a:t>CDI</a:t>
             </a:r>
             <a:endParaRPr lang="es-MX" sz="800" dirty="0">
               <a:latin typeface="Arial Narrow" panose="020B0606020202030204" pitchFamily="34" charset="0"/>
@@ -5474,7 +6883,7 @@
               <a:defRPr sz="800"/>
             </a:pPr>
             <a:r>
-              <a:t>INTERESTATAL</a:t>
+              <a:t>BAJA CALIFORNIA</a:t>
             </a:r>
             <a:endParaRPr lang="es-MX" sz="800" dirty="0">
               <a:latin typeface="Arial Narrow" panose="020B0606020202030204" pitchFamily="34" charset="0"/>
@@ -5490,7 +6899,7 @@
         </p:nvSpPr>
         <p:spPr>
           <a:xfrm>
-            <a:off x="1547664" y="4221668"/>
+            <a:off x="1547664" y="4140957"/>
             <a:ext cx="1117550" cy="215444"/>
           </a:xfrm>
           <a:prstGeom prst="rect">
@@ -5508,7 +6917,7 @@
               <a:defRPr sz="800"/>
             </a:pPr>
             <a:r>
-              <a:t>ESTATAL</a:t>
+              <a:t>ENSENADA</a:t>
             </a:r>
             <a:endParaRPr lang="es-MX" sz="800" dirty="0">
               <a:latin typeface="Arial Narrow" panose="020B0606020202030204" pitchFamily="34" charset="0"/>
@@ -5542,7 +6951,7 @@
               <a:defRPr sz="800"/>
             </a:pPr>
             <a:r>
-              <a:t>2013-10-01</a:t>
+              <a:t>2013-07-01</a:t>
             </a:r>
             <a:endParaRPr lang="es-MX" sz="800" dirty="0">
               <a:latin typeface="Arial Narrow" panose="020B0606020202030204" pitchFamily="34" charset="0"/>
@@ -5576,7 +6985,7 @@
               <a:defRPr sz="800"/>
             </a:pPr>
             <a:r>
-              <a:t>2013-12-01</a:t>
+              <a:t>2013-11-01</a:t>
             </a:r>
             <a:endParaRPr lang="es-MX" sz="800" dirty="0">
               <a:latin typeface="Arial Narrow" panose="020B0606020202030204" pitchFamily="34" charset="0"/>
@@ -5678,7 +7087,7 @@
               <a:defRPr sz="800"/>
             </a:pPr>
             <a:r>
-              <a:t>2015-05-29 10:10:00+00:00</a:t>
+              <a:t>2015-05-29 13:12:08+00:00</a:t>
             </a:r>
             <a:endParaRPr lang="es-MX" sz="800" dirty="0">
               <a:latin typeface="Arial Narrow" panose="020B0606020202030204" pitchFamily="34" charset="0"/>
@@ -5746,7 +7155,7 @@
               <a:defRPr sz="800"/>
             </a:pPr>
             <a:r>
-              <a:t>No</a:t>
+              <a:t>Si</a:t>
             </a:r>
             <a:endParaRPr lang="es-MX" sz="800" dirty="0">
               <a:latin typeface="Arial Narrow" panose="020B0606020202030204" pitchFamily="34" charset="0"/>
@@ -5780,7 +7189,7 @@
               <a:defRPr sz="800"/>
             </a:pPr>
             <a:r>
-              <a:t>No</a:t>
+              <a:t>Si</a:t>
             </a:r>
             <a:endParaRPr lang="es-MX" sz="800" dirty="0">
               <a:latin typeface="Arial Narrow" panose="020B0606020202030204" pitchFamily="34" charset="0"/>
@@ -5814,7 +7223,7 @@
               <a:defRPr sz="800"/>
             </a:pPr>
             <a:r>
-              <a:t>No</a:t>
+              <a:t>Si</a:t>
             </a:r>
             <a:endParaRPr lang="es-MX" sz="800" dirty="0">
               <a:latin typeface="Arial Narrow" panose="020B0606020202030204" pitchFamily="34" charset="0"/>
@@ -5848,7 +7257,7 @@
               <a:defRPr sz="800"/>
             </a:pPr>
             <a:r>
-              <a:t>No</a:t>
+              <a:t>Si</a:t>
             </a:r>
             <a:endParaRPr lang="es-MX" sz="800" dirty="0">
               <a:latin typeface="Arial Narrow" panose="020B0606020202030204" pitchFamily="34" charset="0"/>
@@ -5882,7 +7291,7 @@
               <a:defRPr sz="800"/>
             </a:pPr>
             <a:r>
-              <a:t>No</a:t>
+              <a:t>Si</a:t>
             </a:r>
             <a:endParaRPr lang="es-MX" sz="800" dirty="0">
               <a:latin typeface="Arial Narrow" panose="020B0606020202030204" pitchFamily="34" charset="0"/>
@@ -5950,7 +7359,7 @@
               <a:defRPr sz="800"/>
             </a:pPr>
             <a:r>
-              <a:t>8.18</a:t>
+              <a:t>3.45</a:t>
             </a:r>
             <a:endParaRPr lang="es-MX" sz="800" dirty="0">
               <a:latin typeface="Arial Narrow" panose="020B0606020202030204" pitchFamily="34" charset="0"/>
@@ -6018,7 +7427,7 @@
               <a:defRPr sz="800"/>
             </a:pPr>
             <a:r>
-              <a:t>EXTRANJEROS</a:t>
+              <a:t>HABITANTES</a:t>
             </a:r>
             <a:endParaRPr lang="es-MX" sz="800" dirty="0">
               <a:latin typeface="Arial Narrow" panose="020B0606020202030204" pitchFamily="34" charset="0"/>
@@ -6052,7 +7461,7 @@
               <a:defRPr sz="800"/>
             </a:pPr>
             <a:r>
-              <a:t>NACIONAL</a:t>
+              <a:t>MUNICIPAL</a:t>
             </a:r>
             <a:endParaRPr lang="es-MX" sz="800" dirty="0">
               <a:latin typeface="Arial Narrow" panose="020B0606020202030204" pitchFamily="34" charset="0"/>
@@ -6068,7 +7477,7 @@
         </p:nvSpPr>
         <p:spPr>
           <a:xfrm>
-            <a:off x="4067944" y="3573596"/>
+            <a:off x="4067944" y="3501008"/>
             <a:ext cx="2088232" cy="215444"/>
           </a:xfrm>
           <a:prstGeom prst="rect">
@@ -6102,7 +7511,7 @@
         </p:nvSpPr>
         <p:spPr>
           <a:xfrm>
-            <a:off x="3059832" y="4365104"/>
+            <a:off x="3059832" y="4293096"/>
             <a:ext cx="432048" cy="215444"/>
           </a:xfrm>
           <a:prstGeom prst="rect">
@@ -6136,7 +7545,7 @@
         </p:nvSpPr>
         <p:spPr>
           <a:xfrm>
-            <a:off x="4572000" y="4365104"/>
+            <a:off x="4572000" y="4293096"/>
             <a:ext cx="1584176" cy="215444"/>
           </a:xfrm>
           <a:prstGeom prst="rect">
@@ -6172,7 +7581,7 @@
         </p:nvSpPr>
         <p:spPr>
           <a:xfrm>
-            <a:off x="3059832" y="4725144"/>
+            <a:off x="3059832" y="4653136"/>
             <a:ext cx="432048" cy="215444"/>
           </a:xfrm>
           <a:prstGeom prst="rect">
@@ -6206,7 +7615,7 @@
         </p:nvSpPr>
         <p:spPr>
           <a:xfrm>
-            <a:off x="3059832" y="5120898"/>
+            <a:off x="3059832" y="5013176"/>
             <a:ext cx="360040" cy="215444"/>
           </a:xfrm>
           <a:prstGeom prst="rect">
@@ -6240,7 +7649,7 @@
         </p:nvSpPr>
         <p:spPr>
           <a:xfrm>
-            <a:off x="3059832" y="5517232"/>
+            <a:off x="3059832" y="5445804"/>
             <a:ext cx="360040" cy="215444"/>
           </a:xfrm>
           <a:prstGeom prst="rect">
@@ -6274,7 +7683,7 @@
         </p:nvSpPr>
         <p:spPr>
           <a:xfrm>
-            <a:off x="3059832" y="5877272"/>
+            <a:off x="3059832" y="5805264"/>
             <a:ext cx="360040" cy="215444"/>
           </a:xfrm>
           <a:prstGeom prst="rect">
@@ -6292,7 +7701,7 @@
               <a:defRPr sz="800"/>
             </a:pPr>
             <a:r>
-              <a:t>No</a:t>
+              <a:t>Si</a:t>
             </a:r>
             <a:endParaRPr lang="es-MX" sz="800" dirty="0">
               <a:latin typeface="Arial Narrow" panose="020B0606020202030204" pitchFamily="34" charset="0"/>
@@ -6308,7 +7717,7 @@
         </p:nvSpPr>
         <p:spPr>
           <a:xfrm>
-            <a:off x="3059832" y="6237312"/>
+            <a:off x="3059832" y="6165304"/>
             <a:ext cx="360040" cy="215444"/>
           </a:xfrm>
           <a:prstGeom prst="rect">
@@ -6326,7 +7735,7 @@
               <a:defRPr sz="800"/>
             </a:pPr>
             <a:r>
-              <a:t>Si</a:t>
+              <a:t>No</a:t>
             </a:r>
             <a:endParaRPr lang="es-MX" sz="800" dirty="0">
               <a:latin typeface="Arial Narrow" panose="020B0606020202030204" pitchFamily="34" charset="0"/>
@@ -6360,7 +7769,7 @@
               <a:defRPr sz="800"/>
             </a:pPr>
             <a:r>
-              <a:t>MANTENIMIENTO MAYOR A INMUEBLES DE LA DELEGACION FEDERAL DEL INM EN EL ESTADO DE QUINTANA ROO Y TABASCO</a:t>
+              <a:t>1.-TERRACERIA 2.-OBRA COMPLEMENTARIA (CUNETA Y BORDILLO) 3.-PAVIMENTACION (CONCRETO HIDRAUILICO) 4.-SEÑALAMIENTO VERTICAL Y HORIZONTAL</a:t>
             </a:r>
             <a:endParaRPr lang="es-MX" sz="800" dirty="0">
               <a:latin typeface="Arial Narrow" panose="020B0606020202030204" pitchFamily="34" charset="0"/>
@@ -6394,7 +7803,7 @@
               <a:defRPr sz="800"/>
             </a:pPr>
             <a:r>
-              <a:t>TRAMITES MIGRATORIOS: 2488,885 EXTRANJEROS PRESENTADOS ANTE EL INM: 3,461</a:t>
+              <a:t>N/A</a:t>
             </a:r>
             <a:endParaRPr lang="es-MX" sz="800" dirty="0">
               <a:latin typeface="Arial Narrow" panose="020B0606020202030204" pitchFamily="34" charset="0"/>
@@ -6410,7 +7819,7 @@
         </p:nvSpPr>
         <p:spPr>
           <a:xfrm>
-            <a:off x="7524328" y="4005064"/>
+            <a:off x="7524328" y="4077652"/>
             <a:ext cx="936104" cy="215444"/>
           </a:xfrm>
           <a:prstGeom prst="rect">
@@ -6444,7 +7853,7 @@
         </p:nvSpPr>
         <p:spPr>
           <a:xfrm>
-            <a:off x="7524328" y="4221088"/>
+            <a:off x="7524328" y="4293676"/>
             <a:ext cx="1008112" cy="215444"/>
           </a:xfrm>
           <a:prstGeom prst="rect">
@@ -6506,14 +7915,254 @@
       </p:sp>
       <p:pic>
         <p:nvPicPr>
-          <p:cNvPr id="45" name="Picture 44" descr="SEGOB.jpg"/>
+          <p:cNvPr id="56" name="55 Imagen"/>
           <p:cNvPicPr>
             <a:picLocks noChangeAspect="1"/>
           </p:cNvPicPr>
           <p:nvPr/>
         </p:nvPicPr>
         <p:blipFill>
-          <a:blip r:embed="rId2"/>
+          <a:blip r:embed="rId2">
+            <a:extLst>
+              <a:ext uri="{28A0092B-C50C-407E-A947-70E740481C1C}">
+                <a14:useLocalDpi xmlns:a14="http://schemas.microsoft.com/office/drawing/2010/main" val="0"/>
+              </a:ext>
+            </a:extLst>
+          </a:blip>
+          <a:stretch>
+            <a:fillRect/>
+          </a:stretch>
+        </p:blipFill>
+        <p:spPr>
+          <a:xfrm>
+            <a:off x="686806" y="1988840"/>
+            <a:ext cx="1944463" cy="493735"/>
+          </a:xfrm>
+          <a:prstGeom prst="rect">
+            <a:avLst/>
+          </a:prstGeom>
+        </p:spPr>
+      </p:pic>
+      <p:pic>
+        <p:nvPicPr>
+          <p:cNvPr id="57" name="56 Imagen"/>
+          <p:cNvPicPr>
+            <a:picLocks noChangeAspect="1"/>
+          </p:cNvPicPr>
+          <p:nvPr/>
+        </p:nvPicPr>
+        <p:blipFill>
+          <a:blip r:embed="rId3">
+            <a:extLst>
+              <a:ext uri="{28A0092B-C50C-407E-A947-70E740481C1C}">
+                <a14:useLocalDpi xmlns:a14="http://schemas.microsoft.com/office/drawing/2010/main" val="0"/>
+              </a:ext>
+            </a:extLst>
+          </a:blip>
+          <a:stretch>
+            <a:fillRect/>
+          </a:stretch>
+        </p:blipFill>
+        <p:spPr>
+          <a:xfrm>
+            <a:off x="3707904" y="908720"/>
+            <a:ext cx="1944463" cy="493735"/>
+          </a:xfrm>
+          <a:prstGeom prst="rect">
+            <a:avLst/>
+          </a:prstGeom>
+        </p:spPr>
+      </p:pic>
+      <p:pic>
+        <p:nvPicPr>
+          <p:cNvPr id="59" name="58 Imagen"/>
+          <p:cNvPicPr>
+            <a:picLocks noChangeAspect="1"/>
+          </p:cNvPicPr>
+          <p:nvPr/>
+        </p:nvPicPr>
+        <p:blipFill>
+          <a:blip r:embed="rId4">
+            <a:extLst>
+              <a:ext uri="{28A0092B-C50C-407E-A947-70E740481C1C}">
+                <a14:useLocalDpi xmlns:a14="http://schemas.microsoft.com/office/drawing/2010/main" val="0"/>
+              </a:ext>
+            </a:extLst>
+          </a:blip>
+          <a:stretch>
+            <a:fillRect/>
+          </a:stretch>
+        </p:blipFill>
+        <p:spPr>
+          <a:xfrm>
+            <a:off x="3671653" y="2569194"/>
+            <a:ext cx="1944463" cy="493735"/>
+          </a:xfrm>
+          <a:prstGeom prst="rect">
+            <a:avLst/>
+          </a:prstGeom>
+        </p:spPr>
+      </p:pic>
+      <p:pic>
+        <p:nvPicPr>
+          <p:cNvPr id="60" name="59 Imagen"/>
+          <p:cNvPicPr>
+            <a:picLocks noChangeAspect="1"/>
+          </p:cNvPicPr>
+          <p:nvPr/>
+        </p:nvPicPr>
+        <p:blipFill>
+          <a:blip r:embed="rId5">
+            <a:extLst>
+              <a:ext uri="{28A0092B-C50C-407E-A947-70E740481C1C}">
+                <a14:useLocalDpi xmlns:a14="http://schemas.microsoft.com/office/drawing/2010/main" val="0"/>
+              </a:ext>
+            </a:extLst>
+          </a:blip>
+          <a:stretch>
+            <a:fillRect/>
+          </a:stretch>
+        </p:blipFill>
+        <p:spPr>
+          <a:xfrm>
+            <a:off x="3489762" y="3933056"/>
+            <a:ext cx="2450390" cy="493735"/>
+          </a:xfrm>
+          <a:prstGeom prst="rect">
+            <a:avLst/>
+          </a:prstGeom>
+        </p:spPr>
+      </p:pic>
+      <p:pic>
+        <p:nvPicPr>
+          <p:cNvPr id="61" name="60 Imagen"/>
+          <p:cNvPicPr>
+            <a:picLocks noChangeAspect="1"/>
+          </p:cNvPicPr>
+          <p:nvPr/>
+        </p:nvPicPr>
+        <p:blipFill>
+          <a:blip r:embed="rId6">
+            <a:extLst>
+              <a:ext uri="{28A0092B-C50C-407E-A947-70E740481C1C}">
+                <a14:useLocalDpi xmlns:a14="http://schemas.microsoft.com/office/drawing/2010/main" val="0"/>
+              </a:ext>
+            </a:extLst>
+          </a:blip>
+          <a:stretch>
+            <a:fillRect/>
+          </a:stretch>
+        </p:blipFill>
+        <p:spPr>
+          <a:xfrm>
+            <a:off x="6341255" y="942577"/>
+            <a:ext cx="2450390" cy="493735"/>
+          </a:xfrm>
+          <a:prstGeom prst="rect">
+            <a:avLst/>
+          </a:prstGeom>
+        </p:spPr>
+      </p:pic>
+      <p:pic>
+        <p:nvPicPr>
+          <p:cNvPr id="62" name="61 Imagen"/>
+          <p:cNvPicPr>
+            <a:picLocks noChangeAspect="1"/>
+          </p:cNvPicPr>
+          <p:nvPr/>
+        </p:nvPicPr>
+        <p:blipFill>
+          <a:blip r:embed="rId7">
+            <a:extLst>
+              <a:ext uri="{28A0092B-C50C-407E-A947-70E740481C1C}">
+                <a14:useLocalDpi xmlns:a14="http://schemas.microsoft.com/office/drawing/2010/main" val="0"/>
+              </a:ext>
+            </a:extLst>
+          </a:blip>
+          <a:stretch>
+            <a:fillRect/>
+          </a:stretch>
+        </p:blipFill>
+        <p:spPr>
+          <a:xfrm>
+            <a:off x="6372200" y="2353750"/>
+            <a:ext cx="2450390" cy="493735"/>
+          </a:xfrm>
+          <a:prstGeom prst="rect">
+            <a:avLst/>
+          </a:prstGeom>
+        </p:spPr>
+      </p:pic>
+      <p:pic>
+        <p:nvPicPr>
+          <p:cNvPr id="63" name="62 Imagen"/>
+          <p:cNvPicPr>
+            <a:picLocks noChangeAspect="1"/>
+          </p:cNvPicPr>
+          <p:nvPr/>
+        </p:nvPicPr>
+        <p:blipFill>
+          <a:blip r:embed="rId8">
+            <a:extLst>
+              <a:ext uri="{28A0092B-C50C-407E-A947-70E740481C1C}">
+                <a14:useLocalDpi xmlns:a14="http://schemas.microsoft.com/office/drawing/2010/main" val="0"/>
+              </a:ext>
+            </a:extLst>
+          </a:blip>
+          <a:stretch>
+            <a:fillRect/>
+          </a:stretch>
+        </p:blipFill>
+        <p:spPr>
+          <a:xfrm>
+            <a:off x="6372200" y="3694948"/>
+            <a:ext cx="2450390" cy="493735"/>
+          </a:xfrm>
+          <a:prstGeom prst="rect">
+            <a:avLst/>
+          </a:prstGeom>
+        </p:spPr>
+      </p:pic>
+      <p:pic>
+        <p:nvPicPr>
+          <p:cNvPr id="64" name="63 Imagen"/>
+          <p:cNvPicPr>
+            <a:picLocks noChangeAspect="1"/>
+          </p:cNvPicPr>
+          <p:nvPr/>
+        </p:nvPicPr>
+        <p:blipFill>
+          <a:blip r:embed="rId9">
+            <a:extLst>
+              <a:ext uri="{28A0092B-C50C-407E-A947-70E740481C1C}">
+                <a14:useLocalDpi xmlns:a14="http://schemas.microsoft.com/office/drawing/2010/main" val="0"/>
+              </a:ext>
+            </a:extLst>
+          </a:blip>
+          <a:stretch>
+            <a:fillRect/>
+          </a:stretch>
+        </p:blipFill>
+        <p:spPr>
+          <a:xfrm>
+            <a:off x="6366846" y="4931899"/>
+            <a:ext cx="2450390" cy="493735"/>
+          </a:xfrm>
+          <a:prstGeom prst="rect">
+            <a:avLst/>
+          </a:prstGeom>
+        </p:spPr>
+      </p:pic>
+      <p:pic>
+        <p:nvPicPr>
+          <p:cNvPr id="28" name="Picture 27" descr="CDI.jpg"/>
+          <p:cNvPicPr>
+            <a:picLocks noChangeAspect="1"/>
+          </p:cNvPicPr>
+          <p:nvPr/>
+        </p:nvPicPr>
+        <p:blipFill>
+          <a:blip r:embed="rId10"/>
           <a:stretch>
             <a:fillRect/>
           </a:stretch>
@@ -7116,4 +8765,289 @@
   <a:objectDefaults/>
   <a:extraClrSchemeLst/>
 </a:theme>
+</file>
+
+<file path=ppt/theme/theme3.xml><?xml version="1.0" encoding="utf-8"?>
+<a:theme xmlns:a="http://schemas.openxmlformats.org/drawingml/2006/main" name="Tema de Office">
+  <a:themeElements>
+    <a:clrScheme name="Office">
+      <a:dk1>
+        <a:sysClr val="windowText" lastClr="000000"/>
+      </a:dk1>
+      <a:lt1>
+        <a:sysClr val="window" lastClr="FFFFFF"/>
+      </a:lt1>
+      <a:dk2>
+        <a:srgbClr val="1F497D"/>
+      </a:dk2>
+      <a:lt2>
+        <a:srgbClr val="EEECE1"/>
+      </a:lt2>
+      <a:accent1>
+        <a:srgbClr val="4F81BD"/>
+      </a:accent1>
+      <a:accent2>
+        <a:srgbClr val="C0504D"/>
+      </a:accent2>
+      <a:accent3>
+        <a:srgbClr val="9BBB59"/>
+      </a:accent3>
+      <a:accent4>
+        <a:srgbClr val="8064A2"/>
+      </a:accent4>
+      <a:accent5>
+        <a:srgbClr val="4BACC6"/>
+      </a:accent5>
+      <a:accent6>
+        <a:srgbClr val="F79646"/>
+      </a:accent6>
+      <a:hlink>
+        <a:srgbClr val="0000FF"/>
+      </a:hlink>
+      <a:folHlink>
+        <a:srgbClr val="800080"/>
+      </a:folHlink>
+    </a:clrScheme>
+    <a:fontScheme name="Office">
+      <a:majorFont>
+        <a:latin typeface="Calibri"/>
+        <a:ea typeface=""/>
+        <a:cs typeface=""/>
+        <a:font script="Jpan" typeface="ＭＳ Ｐゴシック"/>
+        <a:font script="Hang" typeface="맑은 고딕"/>
+        <a:font script="Hans" typeface="宋体"/>
+        <a:font script="Hant" typeface="新細明體"/>
+        <a:font script="Arab" typeface="Times New Roman"/>
+        <a:font script="Hebr" typeface="Times New Roman"/>
+        <a:font script="Thai" typeface="Angsana New"/>
+        <a:font script="Ethi" typeface="Nyala"/>
+        <a:font script="Beng" typeface="Vrinda"/>
+        <a:font script="Gujr" typeface="Shruti"/>
+        <a:font script="Khmr" typeface="MoolBoran"/>
+        <a:font script="Knda" typeface="Tunga"/>
+        <a:font script="Guru" typeface="Raavi"/>
+        <a:font script="Cans" typeface="Euphemia"/>
+        <a:font script="Cher" typeface="Plantagenet Cherokee"/>
+        <a:font script="Yiii" typeface="Microsoft Yi Baiti"/>
+        <a:font script="Tibt" typeface="Microsoft Himalaya"/>
+        <a:font script="Thaa" typeface="MV Boli"/>
+        <a:font script="Deva" typeface="Mangal"/>
+        <a:font script="Telu" typeface="Gautami"/>
+        <a:font script="Taml" typeface="Latha"/>
+        <a:font script="Syrc" typeface="Estrangelo Edessa"/>
+        <a:font script="Orya" typeface="Kalinga"/>
+        <a:font script="Mlym" typeface="Kartika"/>
+        <a:font script="Laoo" typeface="DokChampa"/>
+        <a:font script="Sinh" typeface="Iskoola Pota"/>
+        <a:font script="Mong" typeface="Mongolian Baiti"/>
+        <a:font script="Viet" typeface="Times New Roman"/>
+        <a:font script="Uigh" typeface="Microsoft Uighur"/>
+        <a:font script="Geor" typeface="Sylfaen"/>
+      </a:majorFont>
+      <a:minorFont>
+        <a:latin typeface="Calibri"/>
+        <a:ea typeface=""/>
+        <a:cs typeface=""/>
+        <a:font script="Jpan" typeface="ＭＳ Ｐゴシック"/>
+        <a:font script="Hang" typeface="맑은 고딕"/>
+        <a:font script="Hans" typeface="宋体"/>
+        <a:font script="Hant" typeface="新細明體"/>
+        <a:font script="Arab" typeface="Arial"/>
+        <a:font script="Hebr" typeface="Arial"/>
+        <a:font script="Thai" typeface="Cordia New"/>
+        <a:font script="Ethi" typeface="Nyala"/>
+        <a:font script="Beng" typeface="Vrinda"/>
+        <a:font script="Gujr" typeface="Shruti"/>
+        <a:font script="Khmr" typeface="DaunPenh"/>
+        <a:font script="Knda" typeface="Tunga"/>
+        <a:font script="Guru" typeface="Raavi"/>
+        <a:font script="Cans" typeface="Euphemia"/>
+        <a:font script="Cher" typeface="Plantagenet Cherokee"/>
+        <a:font script="Yiii" typeface="Microsoft Yi Baiti"/>
+        <a:font script="Tibt" typeface="Microsoft Himalaya"/>
+        <a:font script="Thaa" typeface="MV Boli"/>
+        <a:font script="Deva" typeface="Mangal"/>
+        <a:font script="Telu" typeface="Gautami"/>
+        <a:font script="Taml" typeface="Latha"/>
+        <a:font script="Syrc" typeface="Estrangelo Edessa"/>
+        <a:font script="Orya" typeface="Kalinga"/>
+        <a:font script="Mlym" typeface="Kartika"/>
+        <a:font script="Laoo" typeface="DokChampa"/>
+        <a:font script="Sinh" typeface="Iskoola Pota"/>
+        <a:font script="Mong" typeface="Mongolian Baiti"/>
+        <a:font script="Viet" typeface="Arial"/>
+        <a:font script="Uigh" typeface="Microsoft Uighur"/>
+        <a:font script="Geor" typeface="Sylfaen"/>
+      </a:minorFont>
+    </a:fontScheme>
+    <a:fmtScheme name="Office">
+      <a:fillStyleLst>
+        <a:solidFill>
+          <a:schemeClr val="phClr"/>
+        </a:solidFill>
+        <a:gradFill rotWithShape="1">
+          <a:gsLst>
+            <a:gs pos="0">
+              <a:schemeClr val="phClr">
+                <a:tint val="50000"/>
+                <a:satMod val="300000"/>
+              </a:schemeClr>
+            </a:gs>
+            <a:gs pos="35000">
+              <a:schemeClr val="phClr">
+                <a:tint val="37000"/>
+                <a:satMod val="300000"/>
+              </a:schemeClr>
+            </a:gs>
+            <a:gs pos="100000">
+              <a:schemeClr val="phClr">
+                <a:tint val="15000"/>
+                <a:satMod val="350000"/>
+              </a:schemeClr>
+            </a:gs>
+          </a:gsLst>
+          <a:lin ang="16200000" scaled="1"/>
+        </a:gradFill>
+        <a:gradFill rotWithShape="1">
+          <a:gsLst>
+            <a:gs pos="0">
+              <a:schemeClr val="phClr">
+                <a:shade val="51000"/>
+                <a:satMod val="130000"/>
+              </a:schemeClr>
+            </a:gs>
+            <a:gs pos="80000">
+              <a:schemeClr val="phClr">
+                <a:shade val="93000"/>
+                <a:satMod val="130000"/>
+              </a:schemeClr>
+            </a:gs>
+            <a:gs pos="100000">
+              <a:schemeClr val="phClr">
+                <a:shade val="94000"/>
+                <a:satMod val="135000"/>
+              </a:schemeClr>
+            </a:gs>
+          </a:gsLst>
+          <a:lin ang="16200000" scaled="0"/>
+        </a:gradFill>
+      </a:fillStyleLst>
+      <a:lnStyleLst>
+        <a:ln w="9525" cap="flat" cmpd="sng" algn="ctr">
+          <a:solidFill>
+            <a:schemeClr val="phClr">
+              <a:shade val="95000"/>
+              <a:satMod val="105000"/>
+            </a:schemeClr>
+          </a:solidFill>
+          <a:prstDash val="solid"/>
+        </a:ln>
+        <a:ln w="25400" cap="flat" cmpd="sng" algn="ctr">
+          <a:solidFill>
+            <a:schemeClr val="phClr"/>
+          </a:solidFill>
+          <a:prstDash val="solid"/>
+        </a:ln>
+        <a:ln w="38100" cap="flat" cmpd="sng" algn="ctr">
+          <a:solidFill>
+            <a:schemeClr val="phClr"/>
+          </a:solidFill>
+          <a:prstDash val="solid"/>
+        </a:ln>
+      </a:lnStyleLst>
+      <a:effectStyleLst>
+        <a:effectStyle>
+          <a:effectLst>
+            <a:outerShdw blurRad="40000" dist="20000" dir="5400000" rotWithShape="0">
+              <a:srgbClr val="000000">
+                <a:alpha val="38000"/>
+              </a:srgbClr>
+            </a:outerShdw>
+          </a:effectLst>
+        </a:effectStyle>
+        <a:effectStyle>
+          <a:effectLst>
+            <a:outerShdw blurRad="40000" dist="23000" dir="5400000" rotWithShape="0">
+              <a:srgbClr val="000000">
+                <a:alpha val="35000"/>
+              </a:srgbClr>
+            </a:outerShdw>
+          </a:effectLst>
+        </a:effectStyle>
+        <a:effectStyle>
+          <a:effectLst>
+            <a:outerShdw blurRad="40000" dist="23000" dir="5400000" rotWithShape="0">
+              <a:srgbClr val="000000">
+                <a:alpha val="35000"/>
+              </a:srgbClr>
+            </a:outerShdw>
+          </a:effectLst>
+          <a:scene3d>
+            <a:camera prst="orthographicFront">
+              <a:rot lat="0" lon="0" rev="0"/>
+            </a:camera>
+            <a:lightRig rig="threePt" dir="t">
+              <a:rot lat="0" lon="0" rev="1200000"/>
+            </a:lightRig>
+          </a:scene3d>
+          <a:sp3d>
+            <a:bevelT w="63500" h="25400"/>
+          </a:sp3d>
+        </a:effectStyle>
+      </a:effectStyleLst>
+      <a:bgFillStyleLst>
+        <a:solidFill>
+          <a:schemeClr val="phClr"/>
+        </a:solidFill>
+        <a:gradFill rotWithShape="1">
+          <a:gsLst>
+            <a:gs pos="0">
+              <a:schemeClr val="phClr">
+                <a:tint val="40000"/>
+                <a:satMod val="350000"/>
+              </a:schemeClr>
+            </a:gs>
+            <a:gs pos="40000">
+              <a:schemeClr val="phClr">
+                <a:tint val="45000"/>
+                <a:shade val="99000"/>
+                <a:satMod val="350000"/>
+              </a:schemeClr>
+            </a:gs>
+            <a:gs pos="100000">
+              <a:schemeClr val="phClr">
+                <a:shade val="20000"/>
+                <a:satMod val="255000"/>
+              </a:schemeClr>
+            </a:gs>
+          </a:gsLst>
+          <a:path path="circle">
+            <a:fillToRect l="50000" t="-80000" r="50000" b="180000"/>
+          </a:path>
+        </a:gradFill>
+        <a:gradFill rotWithShape="1">
+          <a:gsLst>
+            <a:gs pos="0">
+              <a:schemeClr val="phClr">
+                <a:tint val="80000"/>
+                <a:satMod val="300000"/>
+              </a:schemeClr>
+            </a:gs>
+            <a:gs pos="100000">
+              <a:schemeClr val="phClr">
+                <a:shade val="30000"/>
+                <a:satMod val="200000"/>
+              </a:schemeClr>
+            </a:gs>
+          </a:gsLst>
+          <a:path path="circle">
+            <a:fillToRect l="50000" t="50000" r="50000" b="50000"/>
+          </a:path>
+        </a:gradFill>
+      </a:bgFillStyleLst>
+    </a:fmtScheme>
+  </a:themeElements>
+  <a:objectDefaults/>
+  <a:extraClrSchemeLst/>
+</a:theme>
 </file>
--- a/obras/static/ppt/ppt-generados/FichaTecnicaObras_1.pptx
+++ b/obras/static/ppt/ppt-generados/FichaTecnicaObras_1.pptx
@@ -6781,7 +6781,7 @@
               <a:defRPr sz="800"/>
             </a:pPr>
             <a:r>
-              <a:t>OB_CDI_00004</a:t>
+              <a:t>OB-CFE-001</a:t>
             </a:r>
             <a:endParaRPr lang="es-MX" sz="800" dirty="0">
               <a:latin typeface="Arial Narrow" panose="020B0606020202030204" pitchFamily="34" charset="0"/>
@@ -6815,7 +6815,7 @@
               <a:defRPr sz="800"/>
             </a:pPr>
             <a:r>
-              <a:t>CONSTRUCCION DE CAMINO</a:t>
+              <a:t>obra de usuario CFE</a:t>
             </a:r>
             <a:endParaRPr lang="es-MX" sz="600" dirty="0">
               <a:latin typeface="Arial Narrow" panose="020B0606020202030204" pitchFamily="34" charset="0"/>
@@ -6849,7 +6849,7 @@
               <a:defRPr sz="800"/>
             </a:pPr>
             <a:r>
-              <a:t>CDI</a:t>
+              <a:t>CFE</a:t>
             </a:r>
             <a:endParaRPr lang="es-MX" sz="800" dirty="0">
               <a:latin typeface="Arial Narrow" panose="020B0606020202030204" pitchFamily="34" charset="0"/>
@@ -6883,7 +6883,7 @@
               <a:defRPr sz="800"/>
             </a:pPr>
             <a:r>
-              <a:t>BAJA CALIFORNIA</a:t>
+              <a:t>MEXICO</a:t>
             </a:r>
             <a:endParaRPr lang="es-MX" sz="800" dirty="0">
               <a:latin typeface="Arial Narrow" panose="020B0606020202030204" pitchFamily="34" charset="0"/>
@@ -6917,7 +6917,7 @@
               <a:defRPr sz="800"/>
             </a:pPr>
             <a:r>
-              <a:t>ENSENADA</a:t>
+              <a:t>TOLUCA</a:t>
             </a:r>
             <a:endParaRPr lang="es-MX" sz="800" dirty="0">
               <a:latin typeface="Arial Narrow" panose="020B0606020202030204" pitchFamily="34" charset="0"/>
@@ -6951,7 +6951,7 @@
               <a:defRPr sz="800"/>
             </a:pPr>
             <a:r>
-              <a:t>2013-07-01</a:t>
+              <a:t>2015-01-07</a:t>
             </a:r>
             <a:endParaRPr lang="es-MX" sz="800" dirty="0">
               <a:latin typeface="Arial Narrow" panose="020B0606020202030204" pitchFamily="34" charset="0"/>
@@ -6985,7 +6985,7 @@
               <a:defRPr sz="800"/>
             </a:pPr>
             <a:r>
-              <a:t>2013-11-01</a:t>
+              <a:t>2015-06-07</a:t>
             </a:r>
             <a:endParaRPr lang="es-MX" sz="800" dirty="0">
               <a:latin typeface="Arial Narrow" panose="020B0606020202030204" pitchFamily="34" charset="0"/>
@@ -7019,7 +7019,7 @@
               <a:defRPr sz="800"/>
             </a:pPr>
             <a:r>
-              <a:t>CONCLUIDAS</a:t>
+              <a:t>PROCESO</a:t>
             </a:r>
             <a:endParaRPr lang="es-MX" sz="800" dirty="0">
               <a:latin typeface="Arial Narrow" panose="020B0606020202030204" pitchFamily="34" charset="0"/>
@@ -7053,7 +7053,7 @@
               <a:defRPr sz="800"/>
             </a:pPr>
             <a:r>
-              <a:t>100.0</a:t>
+              <a:t>10.0</a:t>
             </a:r>
             <a:endParaRPr lang="es-MX" sz="800" dirty="0">
               <a:latin typeface="Arial Narrow" panose="020B0606020202030204" pitchFamily="34" charset="0"/>
@@ -7087,7 +7087,7 @@
               <a:defRPr sz="800"/>
             </a:pPr>
             <a:r>
-              <a:t>2015-05-29 13:12:08+00:00</a:t>
+              <a:t>2015-07-18 17:24:01+00:00</a:t>
             </a:r>
             <a:endParaRPr lang="es-MX" sz="800" dirty="0">
               <a:latin typeface="Arial Narrow" panose="020B0606020202030204" pitchFamily="34" charset="0"/>
@@ -7155,7 +7155,7 @@
               <a:defRPr sz="800"/>
             </a:pPr>
             <a:r>
-              <a:t>Si</a:t>
+              <a:t>No</a:t>
             </a:r>
             <a:endParaRPr lang="es-MX" sz="800" dirty="0">
               <a:latin typeface="Arial Narrow" panose="020B0606020202030204" pitchFamily="34" charset="0"/>
@@ -7189,7 +7189,7 @@
               <a:defRPr sz="800"/>
             </a:pPr>
             <a:r>
-              <a:t>Si</a:t>
+              <a:t>No</a:t>
             </a:r>
             <a:endParaRPr lang="es-MX" sz="800" dirty="0">
               <a:latin typeface="Arial Narrow" panose="020B0606020202030204" pitchFamily="34" charset="0"/>
@@ -7223,7 +7223,7 @@
               <a:defRPr sz="800"/>
             </a:pPr>
             <a:r>
-              <a:t>Si</a:t>
+              <a:t>No</a:t>
             </a:r>
             <a:endParaRPr lang="es-MX" sz="800" dirty="0">
               <a:latin typeface="Arial Narrow" panose="020B0606020202030204" pitchFamily="34" charset="0"/>
@@ -7257,7 +7257,7 @@
               <a:defRPr sz="800"/>
             </a:pPr>
             <a:r>
-              <a:t>Si</a:t>
+              <a:t>No</a:t>
             </a:r>
             <a:endParaRPr lang="es-MX" sz="800" dirty="0">
               <a:latin typeface="Arial Narrow" panose="020B0606020202030204" pitchFamily="34" charset="0"/>
@@ -7291,7 +7291,7 @@
               <a:defRPr sz="800"/>
             </a:pPr>
             <a:r>
-              <a:t>Si</a:t>
+              <a:t>No</a:t>
             </a:r>
             <a:endParaRPr lang="es-MX" sz="800" dirty="0">
               <a:latin typeface="Arial Narrow" panose="020B0606020202030204" pitchFamily="34" charset="0"/>
@@ -7359,7 +7359,7 @@
               <a:defRPr sz="800"/>
             </a:pPr>
             <a:r>
-              <a:t>3.45</a:t>
+              <a:t>15.0</a:t>
             </a:r>
             <a:endParaRPr lang="es-MX" sz="800" dirty="0">
               <a:latin typeface="Arial Narrow" panose="020B0606020202030204" pitchFamily="34" charset="0"/>
@@ -7427,7 +7427,7 @@
               <a:defRPr sz="800"/>
             </a:pPr>
             <a:r>
-              <a:t>HABITANTES</a:t>
+              <a:t>Toluca</a:t>
             </a:r>
             <a:endParaRPr lang="es-MX" sz="800" dirty="0">
               <a:latin typeface="Arial Narrow" panose="020B0606020202030204" pitchFamily="34" charset="0"/>
@@ -7461,7 +7461,7 @@
               <a:defRPr sz="800"/>
             </a:pPr>
             <a:r>
-              <a:t>MUNICIPAL</a:t>
+              <a:t>NACIONAL</a:t>
             </a:r>
             <a:endParaRPr lang="es-MX" sz="800" dirty="0">
               <a:latin typeface="Arial Narrow" panose="020B0606020202030204" pitchFamily="34" charset="0"/>
@@ -7529,7 +7529,7 @@
               <a:defRPr sz="800"/>
             </a:pPr>
             <a:r>
-              <a:t>No</a:t>
+              <a:t>Si</a:t>
             </a:r>
             <a:endParaRPr lang="es-MX" sz="800" dirty="0">
               <a:latin typeface="Arial Narrow" panose="020B0606020202030204" pitchFamily="34" charset="0"/>
@@ -7559,12 +7559,11 @@
           </a:bodyPr>
           <a:lstStyle/>
           <a:p>
-            <a:r>
-              <a:rPr lang="es-MX" sz="800" smtClean="0">
-                <a:latin typeface="Arial Narrow" panose="020B0606020202030204" pitchFamily="34" charset="0"/>
-                <a:cs typeface="Angsana New" panose="02020603050405020304" pitchFamily="18" charset="-34"/>
-              </a:rPr>
-              <a:t>x</a:t>
+            <a:pPr>
+              <a:defRPr sz="800"/>
+            </a:pPr>
+            <a:r>
+              <a:t>CG002</a:t>
             </a:r>
             <a:endParaRPr lang="es-MX" sz="800" dirty="0">
               <a:latin typeface="Arial Narrow" panose="020B0606020202030204" pitchFamily="34" charset="0"/>
@@ -7667,7 +7666,7 @@
               <a:defRPr sz="800"/>
             </a:pPr>
             <a:r>
-              <a:t>No</a:t>
+              <a:t>Si</a:t>
             </a:r>
             <a:endParaRPr lang="es-MX" sz="800" dirty="0">
               <a:latin typeface="Arial Narrow" panose="020B0606020202030204" pitchFamily="34" charset="0"/>
@@ -7701,7 +7700,7 @@
               <a:defRPr sz="800"/>
             </a:pPr>
             <a:r>
-              <a:t>Si</a:t>
+              <a:t>No</a:t>
             </a:r>
             <a:endParaRPr lang="es-MX" sz="800" dirty="0">
               <a:latin typeface="Arial Narrow" panose="020B0606020202030204" pitchFamily="34" charset="0"/>
@@ -7769,7 +7768,7 @@
               <a:defRPr sz="800"/>
             </a:pPr>
             <a:r>
-              <a:t>1.-TERRACERIA 2.-OBRA COMPLEMENTARIA (CUNETA Y BORDILLO) 3.-PAVIMENTACION (CONCRETO HIDRAUILICO) 4.-SEÑALAMIENTO VERTICAL Y HORIZONTAL</a:t>
+              <a:t>obra de prueba para probar usuario CFE</a:t>
             </a:r>
             <a:endParaRPr lang="es-MX" sz="800" dirty="0">
               <a:latin typeface="Arial Narrow" panose="020B0606020202030204" pitchFamily="34" charset="0"/>
@@ -7803,7 +7802,7 @@
               <a:defRPr sz="800"/>
             </a:pPr>
             <a:r>
-              <a:t>N/A</a:t>
+              <a:t>prueba</a:t>
             </a:r>
             <a:endParaRPr lang="es-MX" sz="800" dirty="0">
               <a:latin typeface="Arial Narrow" panose="020B0606020202030204" pitchFamily="34" charset="0"/>
@@ -8155,7 +8154,7 @@
       </p:pic>
       <p:pic>
         <p:nvPicPr>
-          <p:cNvPr id="28" name="Picture 27" descr="CDI.jpg"/>
+          <p:cNvPr id="28" name="Picture 27" descr="CFE.jpg"/>
           <p:cNvPicPr>
             <a:picLocks noChangeAspect="1"/>
           </p:cNvPicPr>
@@ -8171,6 +8170,78 @@
           <a:xfrm>
             <a:off x="365760" y="914400"/>
             <a:ext cx="2667000" cy="914400"/>
+          </a:xfrm>
+          <a:prstGeom prst="rect">
+            <a:avLst/>
+          </a:prstGeom>
+        </p:spPr>
+      </p:pic>
+      <p:pic>
+        <p:nvPicPr>
+          <p:cNvPr id="45" name="Picture 44" descr="OB-CFE-001_ANTES.jpg"/>
+          <p:cNvPicPr>
+            <a:picLocks noChangeAspect="1"/>
+          </p:cNvPicPr>
+          <p:nvPr/>
+        </p:nvPicPr>
+        <p:blipFill>
+          <a:blip r:embed="rId11"/>
+          <a:stretch>
+            <a:fillRect/>
+          </a:stretch>
+        </p:blipFill>
+        <p:spPr>
+          <a:xfrm>
+            <a:off x="6473952" y="5422392"/>
+            <a:ext cx="694944" cy="713232"/>
+          </a:xfrm>
+          <a:prstGeom prst="rect">
+            <a:avLst/>
+          </a:prstGeom>
+        </p:spPr>
+      </p:pic>
+      <p:pic>
+        <p:nvPicPr>
+          <p:cNvPr id="46" name="Picture 45" descr="OB-CFE-001_DURANTE.JPG"/>
+          <p:cNvPicPr>
+            <a:picLocks noChangeAspect="1"/>
+          </p:cNvPicPr>
+          <p:nvPr/>
+        </p:nvPicPr>
+        <p:blipFill>
+          <a:blip r:embed="rId12"/>
+          <a:stretch>
+            <a:fillRect/>
+          </a:stretch>
+        </p:blipFill>
+        <p:spPr>
+          <a:xfrm>
+            <a:off x="7250369" y="5422392"/>
+            <a:ext cx="694944" cy="713232"/>
+          </a:xfrm>
+          <a:prstGeom prst="rect">
+            <a:avLst/>
+          </a:prstGeom>
+        </p:spPr>
+      </p:pic>
+      <p:pic>
+        <p:nvPicPr>
+          <p:cNvPr id="47" name="Picture 46" descr="OB-CFE-001_DESPUES.JPG"/>
+          <p:cNvPicPr>
+            <a:picLocks noChangeAspect="1"/>
+          </p:cNvPicPr>
+          <p:nvPr/>
+        </p:nvPicPr>
+        <p:blipFill>
+          <a:blip r:embed="rId13"/>
+          <a:stretch>
+            <a:fillRect/>
+          </a:stretch>
+        </p:blipFill>
+        <p:spPr>
+          <a:xfrm>
+            <a:off x="8017184" y="5422392"/>
+            <a:ext cx="694944" cy="713232"/>
           </a:xfrm>
           <a:prstGeom prst="rect">
             <a:avLst/>

--- a/obras/static/ppt/ppt-generados/FichaTecnicaObras_1.pptx
+++ b/obras/static/ppt/ppt-generados/FichaTecnicaObras_1.pptx
@@ -5372,7 +5372,7 @@
               <a:defRPr sz="800"/>
             </a:pPr>
             <a:r>
-              <a:t>OB_SEGOB_00010</a:t>
+              <a:t>OB_PEMEX_00949</a:t>
             </a:r>
             <a:endParaRPr lang="es-MX" sz="800" dirty="0">
               <a:latin typeface="Arial Narrow" panose="020B0606020202030204" pitchFamily="34" charset="0"/>
@@ -5406,7 +5406,7 @@
               <a:defRPr sz="800"/>
             </a:pPr>
             <a:r>
-              <a:t>ESTACION MIGRATORIA (INM)</a:t>
+              <a:t>CANCELADO POR AGRUPACION</a:t>
             </a:r>
             <a:endParaRPr lang="es-MX" sz="600" dirty="0">
               <a:latin typeface="Arial Narrow" panose="020B0606020202030204" pitchFamily="34" charset="0"/>
@@ -5440,7 +5440,7 @@
               <a:defRPr sz="800"/>
             </a:pPr>
             <a:r>
-              <a:t>SEGOB</a:t>
+              <a:t>PEMEX</a:t>
             </a:r>
             <a:endParaRPr lang="es-MX" sz="800" dirty="0">
               <a:latin typeface="Arial Narrow" panose="020B0606020202030204" pitchFamily="34" charset="0"/>
@@ -5474,7 +5474,7 @@
               <a:defRPr sz="800"/>
             </a:pPr>
             <a:r>
-              <a:t>INTERESTATAL</a:t>
+              <a:t>VERACRUZ</a:t>
             </a:r>
             <a:endParaRPr lang="es-MX" sz="800" dirty="0">
               <a:latin typeface="Arial Narrow" panose="020B0606020202030204" pitchFamily="34" charset="0"/>
@@ -5508,7 +5508,7 @@
               <a:defRPr sz="800"/>
             </a:pPr>
             <a:r>
-              <a:t>ESTATAL</a:t>
+              <a:t>N/A</a:t>
             </a:r>
             <a:endParaRPr lang="es-MX" sz="800" dirty="0">
               <a:latin typeface="Arial Narrow" panose="020B0606020202030204" pitchFamily="34" charset="0"/>
@@ -5542,7 +5542,7 @@
               <a:defRPr sz="800"/>
             </a:pPr>
             <a:r>
-              <a:t>2013-10-01</a:t>
+              <a:t>2013-01-01</a:t>
             </a:r>
             <a:endParaRPr lang="es-MX" sz="800" dirty="0">
               <a:latin typeface="Arial Narrow" panose="020B0606020202030204" pitchFamily="34" charset="0"/>
@@ -5610,7 +5610,7 @@
               <a:defRPr sz="800"/>
             </a:pPr>
             <a:r>
-              <a:t>CONCLUIDAS</a:t>
+              <a:t>CANCELADAS</a:t>
             </a:r>
             <a:endParaRPr lang="es-MX" sz="800" dirty="0">
               <a:latin typeface="Arial Narrow" panose="020B0606020202030204" pitchFamily="34" charset="0"/>
@@ -5678,7 +5678,7 @@
               <a:defRPr sz="800"/>
             </a:pPr>
             <a:r>
-              <a:t>2015-05-29 10:10:00+00:00</a:t>
+              <a:t>2014-11-04 15:26:15+00:00</a:t>
             </a:r>
             <a:endParaRPr lang="es-MX" sz="800" dirty="0">
               <a:latin typeface="Arial Narrow" panose="020B0606020202030204" pitchFamily="34" charset="0"/>
@@ -5712,7 +5712,7 @@
               <a:defRPr sz="800"/>
             </a:pPr>
             <a:r>
-              <a:t>Si</a:t>
+              <a:t>No</a:t>
             </a:r>
             <a:endParaRPr lang="es-MX" sz="800" dirty="0">
               <a:latin typeface="Arial Narrow" panose="020B0606020202030204" pitchFamily="34" charset="0"/>
@@ -5950,7 +5950,7 @@
               <a:defRPr sz="800"/>
             </a:pPr>
             <a:r>
-              <a:t>8.18</a:t>
+              <a:t>5.2</a:t>
             </a:r>
             <a:endParaRPr lang="es-MX" sz="800" dirty="0">
               <a:latin typeface="Arial Narrow" panose="020B0606020202030204" pitchFamily="34" charset="0"/>
@@ -6018,7 +6018,7 @@
               <a:defRPr sz="800"/>
             </a:pPr>
             <a:r>
-              <a:t>EXTRANJEROS</a:t>
+              <a:t>TODA LA POBLACION</a:t>
             </a:r>
             <a:endParaRPr lang="es-MX" sz="800" dirty="0">
               <a:latin typeface="Arial Narrow" panose="020B0606020202030204" pitchFamily="34" charset="0"/>
@@ -6326,7 +6326,7 @@
               <a:defRPr sz="800"/>
             </a:pPr>
             <a:r>
-              <a:t>Si</a:t>
+              <a:t>No</a:t>
             </a:r>
             <a:endParaRPr lang="es-MX" sz="800" dirty="0">
               <a:latin typeface="Arial Narrow" panose="020B0606020202030204" pitchFamily="34" charset="0"/>
@@ -6360,7 +6360,7 @@
               <a:defRPr sz="800"/>
             </a:pPr>
             <a:r>
-              <a:t>MANTENIMIENTO MAYOR A INMUEBLES DE LA DELEGACION FEDERAL DEL INM EN EL ESTADO DE QUINTANA ROO Y TABASCO</a:t>
+              <a:t>N/A</a:t>
             </a:r>
             <a:endParaRPr lang="es-MX" sz="800" dirty="0">
               <a:latin typeface="Arial Narrow" panose="020B0606020202030204" pitchFamily="34" charset="0"/>
@@ -6394,7 +6394,7 @@
               <a:defRPr sz="800"/>
             </a:pPr>
             <a:r>
-              <a:t>TRAMITES MIGRATORIOS: 2488,885 EXTRANJEROS PRESENTADOS ANTE EL INM: 3,461</a:t>
+              <a:t>SE AGRUPO EN PROYECTO</a:t>
             </a:r>
             <a:endParaRPr lang="es-MX" sz="800" dirty="0">
               <a:latin typeface="Arial Narrow" panose="020B0606020202030204" pitchFamily="34" charset="0"/>
@@ -6506,7 +6506,7 @@
       </p:sp>
       <p:pic>
         <p:nvPicPr>
-          <p:cNvPr id="45" name="Picture 44" descr="SEGOB.jpg"/>
+          <p:cNvPr id="45" name="Picture 44" descr="PEMEX.jpg"/>
           <p:cNvPicPr>
             <a:picLocks noChangeAspect="1"/>
           </p:cNvPicPr>

--- a/obras/static/ppt/ppt-generados/FichaTecnicaObras_1.pptx
+++ b/obras/static/ppt/ppt-generados/FichaTecnicaObras_1.pptx
@@ -6781,7 +6781,7 @@
               <a:defRPr sz="800"/>
             </a:pPr>
             <a:r>
-              <a:t>OB-CFE-001</a:t>
+              <a:t>OB_CDI_00007</a:t>
             </a:r>
             <a:endParaRPr lang="es-MX" sz="800" dirty="0">
               <a:latin typeface="Arial Narrow" panose="020B0606020202030204" pitchFamily="34" charset="0"/>
@@ -6815,7 +6815,7 @@
               <a:defRPr sz="800"/>
             </a:pPr>
             <a:r>
-              <a:t>obra de usuario CFE</a:t>
+              <a:t>CONSTRUCCION DE CAPTORES DE AGUA PLUVIAL</a:t>
             </a:r>
             <a:endParaRPr lang="es-MX" sz="600" dirty="0">
               <a:latin typeface="Arial Narrow" panose="020B0606020202030204" pitchFamily="34" charset="0"/>
@@ -6849,7 +6849,7 @@
               <a:defRPr sz="800"/>
             </a:pPr>
             <a:r>
-              <a:t>CFE</a:t>
+              <a:t>CDI</a:t>
             </a:r>
             <a:endParaRPr lang="es-MX" sz="800" dirty="0">
               <a:latin typeface="Arial Narrow" panose="020B0606020202030204" pitchFamily="34" charset="0"/>
@@ -6883,7 +6883,7 @@
               <a:defRPr sz="800"/>
             </a:pPr>
             <a:r>
-              <a:t>MEXICO</a:t>
+              <a:t>CAMPECHE</a:t>
             </a:r>
             <a:endParaRPr lang="es-MX" sz="800" dirty="0">
               <a:latin typeface="Arial Narrow" panose="020B0606020202030204" pitchFamily="34" charset="0"/>
@@ -6917,7 +6917,7 @@
               <a:defRPr sz="800"/>
             </a:pPr>
             <a:r>
-              <a:t>TOLUCA</a:t>
+              <a:t>CALAKMUL</a:t>
             </a:r>
             <a:endParaRPr lang="es-MX" sz="800" dirty="0">
               <a:latin typeface="Arial Narrow" panose="020B0606020202030204" pitchFamily="34" charset="0"/>
@@ -6951,7 +6951,7 @@
               <a:defRPr sz="800"/>
             </a:pPr>
             <a:r>
-              <a:t>2015-01-07</a:t>
+              <a:t>2013-07-04</a:t>
             </a:r>
             <a:endParaRPr lang="es-MX" sz="800" dirty="0">
               <a:latin typeface="Arial Narrow" panose="020B0606020202030204" pitchFamily="34" charset="0"/>
@@ -6985,7 +6985,7 @@
               <a:defRPr sz="800"/>
             </a:pPr>
             <a:r>
-              <a:t>2015-06-07</a:t>
+              <a:t>2013-10-01</a:t>
             </a:r>
             <a:endParaRPr lang="es-MX" sz="800" dirty="0">
               <a:latin typeface="Arial Narrow" panose="020B0606020202030204" pitchFamily="34" charset="0"/>
@@ -7019,7 +7019,7 @@
               <a:defRPr sz="800"/>
             </a:pPr>
             <a:r>
-              <a:t>PROCESO</a:t>
+              <a:t>CONCLUIDAS</a:t>
             </a:r>
             <a:endParaRPr lang="es-MX" sz="800" dirty="0">
               <a:latin typeface="Arial Narrow" panose="020B0606020202030204" pitchFamily="34" charset="0"/>
@@ -7053,7 +7053,7 @@
               <a:defRPr sz="800"/>
             </a:pPr>
             <a:r>
-              <a:t>10.0</a:t>
+              <a:t>100.0</a:t>
             </a:r>
             <a:endParaRPr lang="es-MX" sz="800" dirty="0">
               <a:latin typeface="Arial Narrow" panose="020B0606020202030204" pitchFamily="34" charset="0"/>
@@ -7087,7 +7087,7 @@
               <a:defRPr sz="800"/>
             </a:pPr>
             <a:r>
-              <a:t>2015-07-18 17:24:01+00:00</a:t>
+              <a:t>2015-07-27T18:01:30+00:00</a:t>
             </a:r>
             <a:endParaRPr lang="es-MX" sz="800" dirty="0">
               <a:latin typeface="Arial Narrow" panose="020B0606020202030204" pitchFamily="34" charset="0"/>
@@ -7155,7 +7155,7 @@
               <a:defRPr sz="800"/>
             </a:pPr>
             <a:r>
-              <a:t>No</a:t>
+              <a:t>Si</a:t>
             </a:r>
             <a:endParaRPr lang="es-MX" sz="800" dirty="0">
               <a:latin typeface="Arial Narrow" panose="020B0606020202030204" pitchFamily="34" charset="0"/>
@@ -7189,7 +7189,7 @@
               <a:defRPr sz="800"/>
             </a:pPr>
             <a:r>
-              <a:t>No</a:t>
+              <a:t>Si</a:t>
             </a:r>
             <a:endParaRPr lang="es-MX" sz="800" dirty="0">
               <a:latin typeface="Arial Narrow" panose="020B0606020202030204" pitchFamily="34" charset="0"/>
@@ -7223,7 +7223,7 @@
               <a:defRPr sz="800"/>
             </a:pPr>
             <a:r>
-              <a:t>No</a:t>
+              <a:t>Si</a:t>
             </a:r>
             <a:endParaRPr lang="es-MX" sz="800" dirty="0">
               <a:latin typeface="Arial Narrow" panose="020B0606020202030204" pitchFamily="34" charset="0"/>
@@ -7257,7 +7257,7 @@
               <a:defRPr sz="800"/>
             </a:pPr>
             <a:r>
-              <a:t>No</a:t>
+              <a:t>Si</a:t>
             </a:r>
             <a:endParaRPr lang="es-MX" sz="800" dirty="0">
               <a:latin typeface="Arial Narrow" panose="020B0606020202030204" pitchFamily="34" charset="0"/>
@@ -7291,7 +7291,7 @@
               <a:defRPr sz="800"/>
             </a:pPr>
             <a:r>
-              <a:t>No</a:t>
+              <a:t>Si</a:t>
             </a:r>
             <a:endParaRPr lang="es-MX" sz="800" dirty="0">
               <a:latin typeface="Arial Narrow" panose="020B0606020202030204" pitchFamily="34" charset="0"/>
@@ -7359,7 +7359,7 @@
               <a:defRPr sz="800"/>
             </a:pPr>
             <a:r>
-              <a:t>15.0</a:t>
+              <a:t>0.78</a:t>
             </a:r>
             <a:endParaRPr lang="es-MX" sz="800" dirty="0">
               <a:latin typeface="Arial Narrow" panose="020B0606020202030204" pitchFamily="34" charset="0"/>
@@ -7427,7 +7427,7 @@
               <a:defRPr sz="800"/>
             </a:pPr>
             <a:r>
-              <a:t>Toluca</a:t>
+              <a:t>HABITANTES</a:t>
             </a:r>
             <a:endParaRPr lang="es-MX" sz="800" dirty="0">
               <a:latin typeface="Arial Narrow" panose="020B0606020202030204" pitchFamily="34" charset="0"/>
@@ -7461,7 +7461,7 @@
               <a:defRPr sz="800"/>
             </a:pPr>
             <a:r>
-              <a:t>NACIONAL</a:t>
+              <a:t>MUNICIPAL</a:t>
             </a:r>
             <a:endParaRPr lang="es-MX" sz="800" dirty="0">
               <a:latin typeface="Arial Narrow" panose="020B0606020202030204" pitchFamily="34" charset="0"/>
@@ -7563,7 +7563,7 @@
               <a:defRPr sz="800"/>
             </a:pPr>
             <a:r>
-              <a:t>CG002</a:t>
+              <a:t>CG257</a:t>
             </a:r>
             <a:endParaRPr lang="es-MX" sz="800" dirty="0">
               <a:latin typeface="Arial Narrow" panose="020B0606020202030204" pitchFamily="34" charset="0"/>
@@ -7666,7 +7666,7 @@
               <a:defRPr sz="800"/>
             </a:pPr>
             <a:r>
-              <a:t>Si</a:t>
+              <a:t>No</a:t>
             </a:r>
             <a:endParaRPr lang="es-MX" sz="800" dirty="0">
               <a:latin typeface="Arial Narrow" panose="020B0606020202030204" pitchFamily="34" charset="0"/>
@@ -7700,7 +7700,7 @@
               <a:defRPr sz="800"/>
             </a:pPr>
             <a:r>
-              <a:t>No</a:t>
+              <a:t>Si</a:t>
             </a:r>
             <a:endParaRPr lang="es-MX" sz="800" dirty="0">
               <a:latin typeface="Arial Narrow" panose="020B0606020202030204" pitchFamily="34" charset="0"/>
@@ -7768,7 +7768,7 @@
               <a:defRPr sz="800"/>
             </a:pPr>
             <a:r>
-              <a:t>obra de prueba para probar usuario CFE</a:t>
+              <a:t>PREELIMINARES  ALBAÑILERIA  INSTALACION HIDRAULICA  OBRA EXTERIOR</a:t>
             </a:r>
             <a:endParaRPr lang="es-MX" sz="800" dirty="0">
               <a:latin typeface="Arial Narrow" panose="020B0606020202030204" pitchFamily="34" charset="0"/>
@@ -7802,7 +7802,7 @@
               <a:defRPr sz="800"/>
             </a:pPr>
             <a:r>
-              <a:t>prueba</a:t>
+              <a:t>N/A</a:t>
             </a:r>
             <a:endParaRPr lang="es-MX" sz="800" dirty="0">
               <a:latin typeface="Arial Narrow" panose="020B0606020202030204" pitchFamily="34" charset="0"/>
@@ -8154,7 +8154,7 @@
       </p:pic>
       <p:pic>
         <p:nvPicPr>
-          <p:cNvPr id="28" name="Picture 27" descr="CFE.jpg"/>
+          <p:cNvPr id="28" name="Picture 27" descr="CDI.jpg"/>
           <p:cNvPicPr>
             <a:picLocks noChangeAspect="1"/>
           </p:cNvPicPr>
@@ -8178,7 +8178,7 @@
       </p:pic>
       <p:pic>
         <p:nvPicPr>
-          <p:cNvPr id="45" name="Picture 44" descr="OB-CFE-001_ANTES.jpg"/>
+          <p:cNvPr id="45" name="Picture 44" descr="OB_CDI_00007_ANTES.JPG"/>
           <p:cNvPicPr>
             <a:picLocks noChangeAspect="1"/>
           </p:cNvPicPr>
@@ -8202,7 +8202,7 @@
       </p:pic>
       <p:pic>
         <p:nvPicPr>
-          <p:cNvPr id="46" name="Picture 45" descr="OB-CFE-001_DURANTE.JPG"/>
+          <p:cNvPr id="46" name="Picture 45" descr="OB_CDI_00007_DESPUES.JPG"/>
           <p:cNvPicPr>
             <a:picLocks noChangeAspect="1"/>
           </p:cNvPicPr>
@@ -8210,30 +8210,6 @@
         </p:nvPicPr>
         <p:blipFill>
           <a:blip r:embed="rId12"/>
-          <a:stretch>
-            <a:fillRect/>
-          </a:stretch>
-        </p:blipFill>
-        <p:spPr>
-          <a:xfrm>
-            <a:off x="7250369" y="5422392"/>
-            <a:ext cx="694944" cy="713232"/>
-          </a:xfrm>
-          <a:prstGeom prst="rect">
-            <a:avLst/>
-          </a:prstGeom>
-        </p:spPr>
-      </p:pic>
-      <p:pic>
-        <p:nvPicPr>
-          <p:cNvPr id="47" name="Picture 46" descr="OB-CFE-001_DESPUES.JPG"/>
-          <p:cNvPicPr>
-            <a:picLocks noChangeAspect="1"/>
-          </p:cNvPicPr>
-          <p:nvPr/>
-        </p:nvPicPr>
-        <p:blipFill>
-          <a:blip r:embed="rId13"/>
           <a:stretch>
             <a:fillRect/>
           </a:stretch>

--- a/obras/static/ppt/ppt-generados/FichaTecnicaObras_1.pptx
+++ b/obras/static/ppt/ppt-generados/FichaTecnicaObras_1.pptx
@@ -110,36 +110,6 @@
       </a:defRPr>
     </a:lvl9pPr>
   </p:defaultTextStyle>
-  <p:extLst>
-    <p:ext uri="{EFAFB233-063F-42B5-8137-9DF3F51BA10A}">
-      <p15:sldGuideLst xmlns:p15="http://schemas.microsoft.com/office/powerpoint/2012/main">
-        <p15:guide id="1" orient="horz" pos="2160">
-          <p15:clr>
-            <a:srgbClr val="A4A3A4"/>
-          </p15:clr>
-        </p15:guide>
-        <p15:guide id="2" pos="2880">
-          <p15:clr>
-            <a:srgbClr val="A4A3A4"/>
-          </p15:clr>
-        </p15:guide>
-      </p15:sldGuideLst>
-    </p:ext>
-    <p:ext uri="{2D200454-40CA-4A62-9FC3-DE9A4176ACB9}">
-      <p15:notesGuideLst xmlns:p15="http://schemas.microsoft.com/office/powerpoint/2012/main">
-        <p15:guide id="1" orient="horz" pos="2880">
-          <p15:clr>
-            <a:srgbClr val="A4A3A4"/>
-          </p15:clr>
-        </p15:guide>
-        <p15:guide id="2" pos="2160">
-          <p15:clr>
-            <a:srgbClr val="A4A3A4"/>
-          </p15:clr>
-        </p15:guide>
-      </p15:notesGuideLst>
-    </p:ext>
-  </p:extLst>
 </p:presentation>
 </file>
 
@@ -225,7 +195,7 @@
           <a:p>
             <a:fld id="{A12F159B-2BA9-4A4C-8F37-6A12CA4521B5}" type="datetimeFigureOut">
               <a:rPr lang="es-MX" smtClean="0"/>
-              <a:t>17/07/2015</a:t>
+              <a:t>01/09/2015</a:t>
             </a:fld>
             <a:endParaRPr lang="es-MX"/>
           </a:p>
@@ -390,7 +360,7 @@
           <a:p>
             <a:fld id="{E725DF0C-0434-4166-AFB2-E9FB5C8C5747}" type="datetimeFigureOut">
               <a:rPr lang="es-MX" smtClean="0"/>
-              <a:t>17/07/2015</a:t>
+              <a:t>01/09/2015</a:t>
             </a:fld>
             <a:endParaRPr lang="es-MX"/>
           </a:p>
@@ -845,7 +815,7 @@
           <a:p>
             <a:fld id="{F4C741E7-0659-46B3-91BB-B8C3B98C4B5D}" type="datetimeFigureOut">
               <a:rPr lang="es-MX" smtClean="0"/>
-              <a:t>17/07/2015</a:t>
+              <a:t>01/09/2015</a:t>
             </a:fld>
             <a:endParaRPr lang="es-MX"/>
           </a:p>
@@ -1038,7 +1008,7 @@
           <a:p>
             <a:fld id="{F4C741E7-0659-46B3-91BB-B8C3B98C4B5D}" type="datetimeFigureOut">
               <a:rPr lang="es-MX" smtClean="0"/>
-              <a:t>17/07/2015</a:t>
+              <a:t>01/09/2015</a:t>
             </a:fld>
             <a:endParaRPr lang="es-MX"/>
           </a:p>
@@ -1224,7 +1194,7 @@
           <a:p>
             <a:fld id="{F4C741E7-0659-46B3-91BB-B8C3B98C4B5D}" type="datetimeFigureOut">
               <a:rPr lang="es-MX" smtClean="0"/>
-              <a:t>17/07/2015</a:t>
+              <a:t>01/09/2015</a:t>
             </a:fld>
             <a:endParaRPr lang="es-MX"/>
           </a:p>
@@ -1410,7 +1380,7 @@
           <a:p>
             <a:fld id="{F4C741E7-0659-46B3-91BB-B8C3B98C4B5D}" type="datetimeFigureOut">
               <a:rPr lang="es-MX" smtClean="0"/>
-              <a:t>17/07/2015</a:t>
+              <a:t>01/09/2015</a:t>
             </a:fld>
             <a:endParaRPr lang="es-MX"/>
           </a:p>
@@ -1662,7 +1632,7 @@
           <a:p>
             <a:fld id="{F4C741E7-0659-46B3-91BB-B8C3B98C4B5D}" type="datetimeFigureOut">
               <a:rPr lang="es-MX" smtClean="0"/>
-              <a:t>17/07/2015</a:t>
+              <a:t>01/09/2015</a:t>
             </a:fld>
             <a:endParaRPr lang="es-MX"/>
           </a:p>
@@ -1964,7 +1934,7 @@
           <a:p>
             <a:fld id="{F4C741E7-0659-46B3-91BB-B8C3B98C4B5D}" type="datetimeFigureOut">
               <a:rPr lang="es-MX" smtClean="0"/>
-              <a:t>17/07/2015</a:t>
+              <a:t>01/09/2015</a:t>
             </a:fld>
             <a:endParaRPr lang="es-MX"/>
           </a:p>
@@ -2406,7 +2376,7 @@
           <a:p>
             <a:fld id="{F4C741E7-0659-46B3-91BB-B8C3B98C4B5D}" type="datetimeFigureOut">
               <a:rPr lang="es-MX" smtClean="0"/>
-              <a:t>17/07/2015</a:t>
+              <a:t>01/09/2015</a:t>
             </a:fld>
             <a:endParaRPr lang="es-MX"/>
           </a:p>
@@ -2532,7 +2502,7 @@
           <a:p>
             <a:fld id="{F4C741E7-0659-46B3-91BB-B8C3B98C4B5D}" type="datetimeFigureOut">
               <a:rPr lang="es-MX" smtClean="0"/>
-              <a:t>17/07/2015</a:t>
+              <a:t>01/09/2015</a:t>
             </a:fld>
             <a:endParaRPr lang="es-MX"/>
           </a:p>
@@ -2627,7 +2597,7 @@
           <a:p>
             <a:fld id="{F4C741E7-0659-46B3-91BB-B8C3B98C4B5D}" type="datetimeFigureOut">
               <a:rPr lang="es-MX" smtClean="0"/>
-              <a:t>17/07/2015</a:t>
+              <a:t>01/09/2015</a:t>
             </a:fld>
             <a:endParaRPr lang="es-MX"/>
           </a:p>
@@ -2913,7 +2883,7 @@
           <a:p>
             <a:fld id="{F4C741E7-0659-46B3-91BB-B8C3B98C4B5D}" type="datetimeFigureOut">
               <a:rPr lang="es-MX" smtClean="0"/>
-              <a:t>17/07/2015</a:t>
+              <a:t>01/09/2015</a:t>
             </a:fld>
             <a:endParaRPr lang="es-MX"/>
           </a:p>
@@ -3175,7 +3145,7 @@
           <a:p>
             <a:fld id="{F4C741E7-0659-46B3-91BB-B8C3B98C4B5D}" type="datetimeFigureOut">
               <a:rPr lang="es-MX" smtClean="0"/>
-              <a:t>17/07/2015</a:t>
+              <a:t>01/09/2015</a:t>
             </a:fld>
             <a:endParaRPr lang="es-MX"/>
           </a:p>
@@ -3293,7 +3263,7 @@
           <a:p>
             <a:fld id="{F4C741E7-0659-46B3-91BB-B8C3B98C4B5D}" type="datetimeFigureOut">
               <a:rPr lang="es-MX" smtClean="0"/>
-              <a:t>17/07/2015</a:t>
+              <a:t>01/09/2015</a:t>
             </a:fld>
             <a:endParaRPr lang="es-MX"/>
           </a:p>
@@ -3379,7 +3349,7 @@
       </p:sp>
       <p:pic>
         <p:nvPicPr>
-          <p:cNvPr id="1026" name="Picture 2"/>
+          <p:cNvPr id="1027" name="Picture 3"/>
           <p:cNvPicPr>
             <a:picLocks noChangeAspect="1" noChangeArrowheads="1"/>
           </p:cNvPicPr>
@@ -3400,71 +3370,7 @@
         </p:blipFill>
         <p:spPr bwMode="auto">
           <a:xfrm>
-            <a:off x="107504" y="116633"/>
-            <a:ext cx="1368152" cy="476687"/>
-          </a:xfrm>
-          <a:prstGeom prst="rect">
-            <a:avLst/>
-          </a:prstGeom>
-          <a:noFill/>
-          <a:ln>
-            <a:noFill/>
-          </a:ln>
-          <a:effectLst/>
-          <a:extLst>
-            <a:ext uri="{909E8E84-426E-40DD-AFC4-6F175D3DCCD1}">
-              <a14:hiddenFill xmlns:a14="http://schemas.microsoft.com/office/drawing/2010/main">
-                <a:solidFill>
-                  <a:schemeClr val="accent1"/>
-                </a:solidFill>
-              </a14:hiddenFill>
-            </a:ext>
-            <a:ext uri="{91240B29-F687-4F45-9708-019B960494DF}">
-              <a14:hiddenLine xmlns:a14="http://schemas.microsoft.com/office/drawing/2010/main" w="9525">
-                <a:solidFill>
-                  <a:schemeClr val="tx1"/>
-                </a:solidFill>
-                <a:miter lim="800000"/>
-                <a:headEnd/>
-                <a:tailEnd/>
-              </a14:hiddenLine>
-            </a:ext>
-            <a:ext uri="{AF507438-7753-43E0-B8FC-AC1667EBCBE1}">
-              <a14:hiddenEffects xmlns:a14="http://schemas.microsoft.com/office/drawing/2010/main">
-                <a:effectLst>
-                  <a:outerShdw dist="35921" dir="2700000" algn="ctr" rotWithShape="0">
-                    <a:schemeClr val="bg2"/>
-                  </a:outerShdw>
-                </a:effectLst>
-              </a14:hiddenEffects>
-            </a:ext>
-          </a:extLst>
-        </p:spPr>
-      </p:pic>
-      <p:pic>
-        <p:nvPicPr>
-          <p:cNvPr id="1027" name="Picture 3"/>
-          <p:cNvPicPr>
-            <a:picLocks noChangeAspect="1" noChangeArrowheads="1"/>
-          </p:cNvPicPr>
-          <p:nvPr userDrawn="1"/>
-        </p:nvPicPr>
-        <p:blipFill>
-          <a:blip r:embed="rId14">
-            <a:extLst>
-              <a:ext uri="{28A0092B-C50C-407E-A947-70E740481C1C}">
-                <a14:useLocalDpi xmlns:a14="http://schemas.microsoft.com/office/drawing/2010/main" val="0"/>
-              </a:ext>
-            </a:extLst>
-          </a:blip>
-          <a:srcRect/>
-          <a:stretch>
-            <a:fillRect/>
-          </a:stretch>
-        </p:blipFill>
-        <p:spPr bwMode="auto">
-          <a:xfrm>
-            <a:off x="0" y="631577"/>
+            <a:off x="0" y="620688"/>
             <a:ext cx="9144000" cy="205135"/>
           </a:xfrm>
           <a:prstGeom prst="rect">
@@ -3507,14 +3413,14 @@
       </p:pic>
       <p:pic>
         <p:nvPicPr>
-          <p:cNvPr id="12" name="11 Imagen"/>
+          <p:cNvPr id="3" name="2 Imagen"/>
           <p:cNvPicPr>
             <a:picLocks noChangeAspect="1"/>
           </p:cNvPicPr>
           <p:nvPr userDrawn="1"/>
         </p:nvPicPr>
         <p:blipFill>
-          <a:blip r:embed="rId15">
+          <a:blip r:embed="rId14">
             <a:extLst>
               <a:ext uri="{28A0092B-C50C-407E-A947-70E740481C1C}">
                 <a14:useLocalDpi xmlns:a14="http://schemas.microsoft.com/office/drawing/2010/main" val="0"/>
@@ -3527,8 +3433,37 @@
         </p:blipFill>
         <p:spPr>
           <a:xfrm>
-            <a:off x="4356293" y="225619"/>
-            <a:ext cx="4608195" cy="323061"/>
+            <a:off x="3817613" y="116632"/>
+            <a:ext cx="5290891" cy="475449"/>
+          </a:xfrm>
+          <a:prstGeom prst="rect">
+            <a:avLst/>
+          </a:prstGeom>
+        </p:spPr>
+      </p:pic>
+      <p:pic>
+        <p:nvPicPr>
+          <p:cNvPr id="7" name="6 Imagen"/>
+          <p:cNvPicPr>
+            <a:picLocks noChangeAspect="1"/>
+          </p:cNvPicPr>
+          <p:nvPr userDrawn="1"/>
+        </p:nvPicPr>
+        <p:blipFill rotWithShape="1">
+          <a:blip r:embed="rId15" cstate="print">
+            <a:extLst>
+              <a:ext uri="{28A0092B-C50C-407E-A947-70E740481C1C}">
+                <a14:useLocalDpi xmlns:a14="http://schemas.microsoft.com/office/drawing/2010/main" val="0"/>
+              </a:ext>
+            </a:extLst>
+          </a:blip>
+          <a:srcRect l="3735" t="27418" r="3494" b="26087"/>
+          <a:stretch/>
+        </p:blipFill>
+        <p:spPr>
+          <a:xfrm>
+            <a:off x="119917" y="47761"/>
+            <a:ext cx="1787787" cy="608312"/>
           </a:xfrm>
           <a:prstGeom prst="rect">
             <a:avLst/>
@@ -3842,14 +3777,14 @@
           <p:nvPr>
             <p:extLst>
               <p:ext uri="{D42A27DB-BD31-4B8C-83A1-F6EECF244321}">
-                <p14:modId xmlns:p14="http://schemas.microsoft.com/office/powerpoint/2010/main" val="931468680"/>
+                <p14:modId xmlns:p14="http://schemas.microsoft.com/office/powerpoint/2010/main" val="2688668618"/>
               </p:ext>
             </p:extLst>
           </p:nvPr>
         </p:nvGraphicFramePr>
         <p:xfrm>
           <a:off x="395536" y="1988840"/>
-          <a:ext cx="2555920" cy="4608513"/>
+          <a:ext cx="2555920" cy="4742126"/>
         </p:xfrm>
         <a:graphic>
           <a:graphicData uri="http://schemas.openxmlformats.org/drawingml/2006/table">
@@ -3942,14 +3877,14 @@
                     <a:bodyPr/>
                     <a:lstStyle/>
                     <a:p>
-                      <a:endParaRPr lang="es-MX" sz="800" dirty="0" smtClean="0"/>
+                      <a:endParaRPr lang="es-MX" sz="1000" dirty="0" smtClean="0"/>
                     </a:p>
                     <a:p>
                       <a:r>
-                        <a:rPr lang="es-MX" sz="800" dirty="0" smtClean="0"/>
+                        <a:rPr lang="es-MX" sz="1000" dirty="0" smtClean="0"/>
                         <a:t>Identificador de la obra</a:t>
                       </a:r>
-                      <a:endParaRPr lang="es-MX" sz="800" b="1" dirty="0">
+                      <a:endParaRPr lang="es-MX" sz="1000" b="1" dirty="0">
                         <a:latin typeface="Arial Narrow" panose="020B0606020202030204" pitchFamily="34" charset="0"/>
                       </a:endParaRPr>
                     </a:p>
@@ -3998,10 +3933,10 @@
                     <a:lstStyle/>
                     <a:p>
                       <a:r>
-                        <a:rPr lang="es-MX" sz="800" dirty="0" smtClean="0"/>
+                        <a:rPr lang="es-MX" sz="1000" dirty="0" smtClean="0"/>
                         <a:t>Denominación</a:t>
                       </a:r>
-                      <a:endParaRPr lang="es-MX" sz="800" b="1" dirty="0">
+                      <a:endParaRPr lang="es-MX" sz="1000" b="1" dirty="0">
                         <a:latin typeface="Arial Narrow" panose="020B0606020202030204" pitchFamily="34" charset="0"/>
                       </a:endParaRPr>
                     </a:p>
@@ -4050,10 +3985,10 @@
                     <a:lstStyle/>
                     <a:p>
                       <a:r>
-                        <a:rPr lang="es-MX" sz="800" dirty="0" smtClean="0"/>
+                        <a:rPr lang="es-MX" sz="1000" dirty="0" smtClean="0"/>
                         <a:t>Dependencia / Organismo</a:t>
                       </a:r>
-                      <a:endParaRPr lang="es-MX" sz="800" b="1" dirty="0">
+                      <a:endParaRPr lang="es-MX" sz="1000" b="1" dirty="0">
                         <a:latin typeface="Arial Narrow" panose="020B0606020202030204" pitchFamily="34" charset="0"/>
                       </a:endParaRPr>
                     </a:p>
@@ -4102,10 +4037,10 @@
                     <a:lstStyle/>
                     <a:p>
                       <a:r>
-                        <a:rPr lang="es-MX" sz="800" dirty="0" smtClean="0"/>
+                        <a:rPr lang="es-MX" sz="1000" dirty="0" smtClean="0"/>
                         <a:t>Estado</a:t>
                       </a:r>
-                      <a:endParaRPr lang="es-MX" sz="800" b="1" dirty="0">
+                      <a:endParaRPr lang="es-MX" sz="1000" b="1" dirty="0">
                         <a:latin typeface="Arial Narrow" panose="020B0606020202030204" pitchFamily="34" charset="0"/>
                       </a:endParaRPr>
                     </a:p>
@@ -4154,10 +4089,10 @@
                     <a:lstStyle/>
                     <a:p>
                       <a:r>
-                        <a:rPr lang="es-MX" sz="800" dirty="0" smtClean="0"/>
+                        <a:rPr lang="es-MX" sz="1000" dirty="0" smtClean="0"/>
                         <a:t>Municipio</a:t>
                       </a:r>
-                      <a:endParaRPr lang="es-MX" sz="800" b="1" dirty="0">
+                      <a:endParaRPr lang="es-MX" sz="1000" b="1" dirty="0">
                         <a:latin typeface="Arial Narrow" panose="020B0606020202030204" pitchFamily="34" charset="0"/>
                       </a:endParaRPr>
                     </a:p>
@@ -4206,14 +4141,14 @@
                     <a:lstStyle/>
                     <a:p>
                       <a:r>
-                        <a:rPr lang="es-MX" sz="800" dirty="0" smtClean="0"/>
+                        <a:rPr lang="es-MX" sz="1000" dirty="0" smtClean="0"/>
                         <a:t>Fecha</a:t>
                       </a:r>
                       <a:r>
-                        <a:rPr lang="es-MX" sz="800" baseline="0" dirty="0" smtClean="0"/>
+                        <a:rPr lang="es-MX" sz="1000" baseline="0" dirty="0" smtClean="0"/>
                         <a:t> de Inicio</a:t>
                       </a:r>
-                      <a:endParaRPr lang="es-MX" sz="800" b="1" dirty="0">
+                      <a:endParaRPr lang="es-MX" sz="1000" b="1" dirty="0">
                         <a:latin typeface="Arial Narrow" panose="020B0606020202030204" pitchFamily="34" charset="0"/>
                       </a:endParaRPr>
                     </a:p>
@@ -4262,10 +4197,10 @@
                     <a:lstStyle/>
                     <a:p>
                       <a:r>
-                        <a:rPr lang="es-MX" sz="800" dirty="0" smtClean="0"/>
+                        <a:rPr lang="es-MX" sz="1000" dirty="0" smtClean="0"/>
                         <a:t>Fecha de Término</a:t>
                       </a:r>
-                      <a:endParaRPr lang="es-MX" sz="800" b="1" dirty="0">
+                      <a:endParaRPr lang="es-MX" sz="1000" b="1" dirty="0">
                         <a:latin typeface="Arial Narrow" panose="020B0606020202030204" pitchFamily="34" charset="0"/>
                       </a:endParaRPr>
                     </a:p>
@@ -4314,10 +4249,10 @@
                     <a:lstStyle/>
                     <a:p>
                       <a:r>
-                        <a:rPr lang="es-MX" sz="800" dirty="0" smtClean="0"/>
+                        <a:rPr lang="es-MX" sz="1000" dirty="0" smtClean="0"/>
                         <a:t>Tipo de Obra</a:t>
                       </a:r>
-                      <a:endParaRPr lang="es-MX" sz="800" b="1" dirty="0">
+                      <a:endParaRPr lang="es-MX" sz="1000" b="1" dirty="0">
                         <a:latin typeface="Arial Narrow" panose="020B0606020202030204" pitchFamily="34" charset="0"/>
                       </a:endParaRPr>
                     </a:p>
@@ -4366,10 +4301,10 @@
                     <a:lstStyle/>
                     <a:p>
                       <a:r>
-                        <a:rPr lang="es-MX" sz="800" dirty="0" smtClean="0"/>
+                        <a:rPr lang="es-MX" sz="1000" dirty="0" smtClean="0"/>
                         <a:t>Avance</a:t>
                       </a:r>
-                      <a:endParaRPr lang="es-MX" sz="800" b="1" dirty="0">
+                      <a:endParaRPr lang="es-MX" sz="1000" b="1" dirty="0">
                         <a:latin typeface="Arial Narrow" panose="020B0606020202030204" pitchFamily="34" charset="0"/>
                       </a:endParaRPr>
                     </a:p>
@@ -4418,10 +4353,10 @@
                     <a:lstStyle/>
                     <a:p>
                       <a:r>
-                        <a:rPr lang="es-MX" sz="800" dirty="0" smtClean="0"/>
+                        <a:rPr lang="es-MX" sz="1000" dirty="0" smtClean="0"/>
                         <a:t>Fecha de Modificación</a:t>
                       </a:r>
-                      <a:endParaRPr lang="es-MX" sz="800" b="1" dirty="0">
+                      <a:endParaRPr lang="es-MX" sz="1000" b="1" dirty="0">
                         <a:latin typeface="Arial Narrow" panose="020B0606020202030204" pitchFamily="34" charset="0"/>
                       </a:endParaRPr>
                     </a:p>
@@ -4494,7 +4429,7 @@
           <p:nvPr>
             <p:extLst>
               <p:ext uri="{D42A27DB-BD31-4B8C-83A1-F6EECF244321}">
-                <p14:modId xmlns:p14="http://schemas.microsoft.com/office/powerpoint/2010/main" val="3238914376"/>
+                <p14:modId xmlns:p14="http://schemas.microsoft.com/office/powerpoint/2010/main" val="4116423866"/>
               </p:ext>
             </p:extLst>
           </p:nvPr>
@@ -4507,16 +4442,16 @@
           <a:graphicData uri="http://schemas.openxmlformats.org/drawingml/2006/table">
             <a:tbl>
               <a:tblPr firstRow="1" bandRow="1">
-                <a:tableStyleId>{5C22544A-7EE6-4342-B048-85BDC9FD1C3A}</a:tableStyleId>
+                <a:tableStyleId>{F5AB1C69-6EDB-4FF4-983F-18BD219EF322}</a:tableStyleId>
               </a:tblPr>
               <a:tblGrid>
-                <a:gridCol w="487680"/>
-                <a:gridCol w="313055"/>
-                <a:gridCol w="462280"/>
-                <a:gridCol w="313055"/>
+                <a:gridCol w="576064"/>
+                <a:gridCol w="224671"/>
+                <a:gridCol w="567055"/>
+                <a:gridCol w="208280"/>
                 <a:gridCol w="463068"/>
-                <a:gridCol w="129387"/>
-                <a:gridCol w="313055"/>
+                <a:gridCol w="234162"/>
+                <a:gridCol w="208280"/>
                 <a:gridCol w="529919"/>
                 <a:gridCol w="300869"/>
               </a:tblGrid>
@@ -4654,12 +4589,10 @@
                     <a:lstStyle/>
                     <a:p>
                       <a:r>
-                        <a:rPr lang="es-MX" sz="800" b="1" dirty="0" smtClean="0">
-                          <a:latin typeface="Arial Narrow" panose="020B0606020202030204" pitchFamily="34" charset="0"/>
-                        </a:rPr>
+                        <a:rPr lang="es-MX" sz="1000" dirty="0" smtClean="0"/>
                         <a:t>Federal</a:t>
                       </a:r>
-                      <a:endParaRPr lang="es-MX" sz="800" b="1" dirty="0">
+                      <a:endParaRPr lang="es-MX" sz="1000" b="1" dirty="0">
                         <a:latin typeface="Arial Narrow" panose="020B0606020202030204" pitchFamily="34" charset="0"/>
                       </a:endParaRPr>
                     </a:p>
@@ -4683,12 +4616,10 @@
                     <a:lstStyle/>
                     <a:p>
                       <a:r>
-                        <a:rPr lang="es-MX" sz="800" dirty="0" smtClean="0">
-                          <a:latin typeface="Arial Narrow" panose="020B0606020202030204" pitchFamily="34" charset="0"/>
-                        </a:rPr>
+                        <a:rPr lang="es-MX" sz="1000" dirty="0" smtClean="0"/>
                         <a:t> </a:t>
                       </a:r>
-                      <a:endParaRPr lang="es-MX" sz="800" dirty="0">
+                      <a:endParaRPr lang="es-MX" sz="1000" dirty="0">
                         <a:latin typeface="Arial Narrow" panose="020B0606020202030204" pitchFamily="34" charset="0"/>
                       </a:endParaRPr>
                     </a:p>
@@ -4703,12 +4634,10 @@
                     <a:lstStyle/>
                     <a:p>
                       <a:r>
-                        <a:rPr lang="es-MX" sz="800" b="1" dirty="0" smtClean="0">
-                          <a:latin typeface="Arial Narrow" panose="020B0606020202030204" pitchFamily="34" charset="0"/>
-                        </a:rPr>
+                        <a:rPr lang="es-MX" sz="1000" dirty="0" smtClean="0"/>
                         <a:t>Estatal</a:t>
                       </a:r>
-                      <a:endParaRPr lang="es-MX" sz="800" b="1" dirty="0">
+                      <a:endParaRPr lang="es-MX" sz="1000" b="1" dirty="0">
                         <a:latin typeface="Arial Narrow" panose="020B0606020202030204" pitchFamily="34" charset="0"/>
                       </a:endParaRPr>
                     </a:p>
@@ -4722,7 +4651,7 @@
                     <a:bodyPr/>
                     <a:lstStyle/>
                     <a:p>
-                      <a:endParaRPr lang="es-MX" sz="800" dirty="0">
+                      <a:endParaRPr lang="es-MX" sz="1000" dirty="0">
                         <a:latin typeface="Arial Narrow" panose="020B0606020202030204" pitchFamily="34" charset="0"/>
                       </a:endParaRPr>
                     </a:p>
@@ -4737,12 +4666,10 @@
                     <a:lstStyle/>
                     <a:p>
                       <a:r>
-                        <a:rPr lang="es-MX" sz="800" b="1" dirty="0" smtClean="0">
-                          <a:latin typeface="Arial Narrow" panose="020B0606020202030204" pitchFamily="34" charset="0"/>
-                        </a:rPr>
+                        <a:rPr lang="es-MX" sz="1000" dirty="0" smtClean="0"/>
                         <a:t>Municipal</a:t>
                       </a:r>
-                      <a:endParaRPr lang="es-MX" sz="800" b="1" dirty="0">
+                      <a:endParaRPr lang="es-MX" sz="1000" b="1" dirty="0">
                         <a:latin typeface="Arial Narrow" panose="020B0606020202030204" pitchFamily="34" charset="0"/>
                       </a:endParaRPr>
                     </a:p>
@@ -4766,7 +4693,7 @@
                     <a:bodyPr/>
                     <a:lstStyle/>
                     <a:p>
-                      <a:endParaRPr lang="es-MX" sz="800" dirty="0">
+                      <a:endParaRPr lang="es-MX" sz="1000" dirty="0">
                         <a:latin typeface="Arial Narrow" panose="020B0606020202030204" pitchFamily="34" charset="0"/>
                       </a:endParaRPr>
                     </a:p>
@@ -4781,12 +4708,10 @@
                     <a:lstStyle/>
                     <a:p>
                       <a:r>
-                        <a:rPr lang="es-MX" sz="800" b="1" dirty="0" smtClean="0">
-                          <a:latin typeface="Arial Narrow" panose="020B0606020202030204" pitchFamily="34" charset="0"/>
-                        </a:rPr>
+                        <a:rPr lang="es-MX" sz="1000" dirty="0" smtClean="0"/>
                         <a:t>Social</a:t>
                       </a:r>
-                      <a:endParaRPr lang="es-MX" sz="800" b="1" dirty="0">
+                      <a:endParaRPr lang="es-MX" sz="1000" b="1" dirty="0">
                         <a:latin typeface="Arial Narrow" panose="020B0606020202030204" pitchFamily="34" charset="0"/>
                       </a:endParaRPr>
                     </a:p>
@@ -4800,7 +4725,7 @@
                     <a:bodyPr/>
                     <a:lstStyle/>
                     <a:p>
-                      <a:endParaRPr lang="es-MX" sz="800" dirty="0">
+                      <a:endParaRPr lang="es-MX" sz="1000" dirty="0">
                         <a:latin typeface="Arial Narrow" panose="020B0606020202030204" pitchFamily="34" charset="0"/>
                       </a:endParaRPr>
                     </a:p>
@@ -4826,12 +4751,10 @@
                     <a:lstStyle/>
                     <a:p>
                       <a:r>
-                        <a:rPr lang="es-MX" sz="800" b="1" dirty="0" smtClean="0">
-                          <a:latin typeface="Arial Narrow" panose="020B0606020202030204" pitchFamily="34" charset="0"/>
-                        </a:rPr>
+                        <a:rPr lang="es-MX" sz="1000" dirty="0" smtClean="0"/>
                         <a:t>Privada</a:t>
                       </a:r>
-                      <a:endParaRPr lang="es-MX" sz="800" b="1" dirty="0">
+                      <a:endParaRPr lang="es-MX" sz="1000" b="1" dirty="0">
                         <a:latin typeface="Arial Narrow" panose="020B0606020202030204" pitchFamily="34" charset="0"/>
                       </a:endParaRPr>
                     </a:p>
@@ -4854,7 +4777,7 @@
                     <a:bodyPr/>
                     <a:lstStyle/>
                     <a:p>
-                      <a:endParaRPr lang="es-MX" sz="800" dirty="0">
+                      <a:endParaRPr lang="es-MX" sz="1000" dirty="0">
                         <a:latin typeface="Arial Narrow" panose="020B0606020202030204" pitchFamily="34" charset="0"/>
                       </a:endParaRPr>
                     </a:p>
@@ -4869,12 +4792,10 @@
                     <a:lstStyle/>
                     <a:p>
                       <a:r>
-                        <a:rPr lang="es-MX" sz="800" b="1" dirty="0" smtClean="0">
-                          <a:latin typeface="Arial Narrow" panose="020B0606020202030204" pitchFamily="34" charset="0"/>
-                        </a:rPr>
+                        <a:rPr lang="es-MX" sz="1000" dirty="0" smtClean="0"/>
                         <a:t>Otros</a:t>
                       </a:r>
-                      <a:endParaRPr lang="es-MX" sz="800" b="1" dirty="0">
+                      <a:endParaRPr lang="es-MX" sz="1000" b="1" dirty="0">
                         <a:latin typeface="Arial Narrow" panose="020B0606020202030204" pitchFamily="34" charset="0"/>
                       </a:endParaRPr>
                     </a:p>
@@ -4888,7 +4809,7 @@
                     <a:bodyPr/>
                     <a:lstStyle/>
                     <a:p>
-                      <a:endParaRPr lang="es-MX" sz="800" dirty="0">
+                      <a:endParaRPr lang="es-MX" sz="1000" dirty="0">
                         <a:latin typeface="Arial Narrow" panose="020B0606020202030204" pitchFamily="34" charset="0"/>
                       </a:endParaRPr>
                     </a:p>
@@ -4902,7 +4823,7 @@
                     <a:bodyPr/>
                     <a:lstStyle/>
                     <a:p>
-                      <a:endParaRPr lang="es-MX" sz="800" dirty="0">
+                      <a:endParaRPr lang="es-MX" sz="1000" dirty="0">
                         <a:latin typeface="Arial Narrow" panose="020B0606020202030204" pitchFamily="34" charset="0"/>
                       </a:endParaRPr>
                     </a:p>
@@ -4974,18 +4895,14 @@
                     <a:lstStyle/>
                     <a:p>
                       <a:r>
-                        <a:rPr lang="es-MX" sz="800" b="1" dirty="0" smtClean="0">
-                          <a:latin typeface="Arial Narrow" panose="020B0606020202030204" pitchFamily="34" charset="0"/>
-                        </a:rPr>
+                        <a:rPr lang="es-MX" sz="1000" dirty="0" smtClean="0"/>
                         <a:t>Inversión</a:t>
                       </a:r>
                       <a:r>
-                        <a:rPr lang="es-MX" sz="800" b="1" baseline="0" dirty="0" smtClean="0">
-                          <a:latin typeface="Arial Narrow" panose="020B0606020202030204" pitchFamily="34" charset="0"/>
-                        </a:rPr>
+                        <a:rPr lang="es-MX" sz="1000" baseline="0" dirty="0" smtClean="0"/>
                         <a:t> Total</a:t>
                       </a:r>
-                      <a:endParaRPr lang="es-MX" sz="800" b="1" dirty="0">
+                      <a:endParaRPr lang="es-MX" sz="1000" b="1" dirty="0">
                         <a:latin typeface="Arial Narrow" panose="020B0606020202030204" pitchFamily="34" charset="0"/>
                       </a:endParaRPr>
                     </a:p>
@@ -5029,7 +4946,7 @@
                     <a:bodyPr/>
                     <a:lstStyle/>
                     <a:p>
-                      <a:endParaRPr lang="es-MX" sz="800" b="0" dirty="0">
+                      <a:endParaRPr lang="es-MX" sz="1000" b="0" dirty="0">
                         <a:latin typeface="Arial Narrow" panose="020B0606020202030204" pitchFamily="34" charset="0"/>
                       </a:endParaRPr>
                     </a:p>
@@ -5076,7 +4993,7 @@
                     <a:bodyPr/>
                     <a:lstStyle/>
                     <a:p>
-                      <a:endParaRPr lang="es-MX" sz="800" dirty="0">
+                      <a:endParaRPr lang="es-MX" sz="1000" dirty="0">
                         <a:latin typeface="Arial Narrow" panose="020B0606020202030204" pitchFamily="34" charset="0"/>
                       </a:endParaRPr>
                     </a:p>
@@ -5147,14 +5064,14 @@
           <p:nvPr>
             <p:extLst>
               <p:ext uri="{D42A27DB-BD31-4B8C-83A1-F6EECF244321}">
-                <p14:modId xmlns:p14="http://schemas.microsoft.com/office/powerpoint/2010/main" val="3039941161"/>
+                <p14:modId xmlns:p14="http://schemas.microsoft.com/office/powerpoint/2010/main" val="1161424258"/>
               </p:ext>
             </p:extLst>
           </p:nvPr>
         </p:nvGraphicFramePr>
         <p:xfrm>
           <a:off x="3059832" y="2564904"/>
-          <a:ext cx="3312368" cy="1251357"/>
+          <a:ext cx="3312368" cy="1352398"/>
         </p:xfrm>
         <a:graphic>
           <a:graphicData uri="http://schemas.openxmlformats.org/drawingml/2006/table">
@@ -5230,13 +5147,13 @@
                     <a:lstStyle/>
                     <a:p>
                       <a:r>
-                        <a:rPr lang="es-MX" sz="800" b="1" dirty="0" smtClean="0">
-                          <a:latin typeface="Arial Narrow" panose="020B0606020202030204" pitchFamily="34" charset="0"/>
+                        <a:rPr lang="es-MX" sz="1000" b="0" dirty="0" smtClean="0">
+                          <a:latin typeface="+mj-lt"/>
                         </a:rPr>
                         <a:t>Población Objetivo</a:t>
                       </a:r>
-                      <a:endParaRPr lang="es-MX" sz="800" b="1" dirty="0">
-                        <a:latin typeface="Arial Narrow" panose="020B0606020202030204" pitchFamily="34" charset="0"/>
+                      <a:endParaRPr lang="es-MX" sz="1000" b="0" dirty="0">
+                        <a:latin typeface="+mj-lt"/>
                       </a:endParaRPr>
                     </a:p>
                   </a:txBody>
@@ -5284,13 +5201,13 @@
                     <a:lstStyle/>
                     <a:p>
                       <a:r>
-                        <a:rPr lang="es-MX" sz="800" b="1" dirty="0" smtClean="0">
-                          <a:latin typeface="Arial Narrow" panose="020B0606020202030204" pitchFamily="34" charset="0"/>
+                        <a:rPr lang="es-MX" sz="1000" b="0" dirty="0" smtClean="0">
+                          <a:latin typeface="+mj-lt"/>
                         </a:rPr>
                         <a:t>Impacto</a:t>
                       </a:r>
-                      <a:endParaRPr lang="es-MX" sz="800" b="1" dirty="0">
-                        <a:latin typeface="Arial Narrow" panose="020B0606020202030204" pitchFamily="34" charset="0"/>
+                      <a:endParaRPr lang="es-MX" sz="1000" b="0" dirty="0">
+                        <a:latin typeface="+mj-lt"/>
                       </a:endParaRPr>
                     </a:p>
                   </a:txBody>
@@ -5338,13 +5255,13 @@
                     <a:lstStyle/>
                     <a:p>
                       <a:r>
-                        <a:rPr lang="es-MX" sz="800" b="1" dirty="0" smtClean="0">
-                          <a:latin typeface="Arial Narrow" panose="020B0606020202030204" pitchFamily="34" charset="0"/>
+                        <a:rPr lang="es-MX" sz="1000" b="0" dirty="0" smtClean="0">
+                          <a:latin typeface="+mj-lt"/>
                         </a:rPr>
                         <a:t>Señalización</a:t>
                       </a:r>
-                      <a:endParaRPr lang="es-MX" sz="800" b="1" dirty="0">
-                        <a:latin typeface="Arial Narrow" panose="020B0606020202030204" pitchFamily="34" charset="0"/>
+                      <a:endParaRPr lang="es-MX" sz="1000" b="0" dirty="0">
+                        <a:latin typeface="+mj-lt"/>
                       </a:endParaRPr>
                     </a:p>
                   </a:txBody>
@@ -5416,14 +5333,14 @@
           <p:nvPr>
             <p:extLst>
               <p:ext uri="{D42A27DB-BD31-4B8C-83A1-F6EECF244321}">
-                <p14:modId xmlns:p14="http://schemas.microsoft.com/office/powerpoint/2010/main" val="3319330837"/>
+                <p14:modId xmlns:p14="http://schemas.microsoft.com/office/powerpoint/2010/main" val="3751331233"/>
               </p:ext>
             </p:extLst>
           </p:nvPr>
         </p:nvGraphicFramePr>
         <p:xfrm>
-          <a:off x="3059832" y="3933056"/>
-          <a:ext cx="3312368" cy="2633816"/>
+          <a:off x="3059832" y="4005065"/>
+          <a:ext cx="3312368" cy="2736303"/>
         </p:xfrm>
         <a:graphic>
           <a:graphicData uri="http://schemas.openxmlformats.org/drawingml/2006/table">
@@ -5436,7 +5353,7 @@
                 <a:gridCol w="1235393"/>
                 <a:gridCol w="1763920"/>
               </a:tblGrid>
-              <a:tr h="288032">
+              <a:tr h="376363">
                 <a:tc gridSpan="3">
                   <a:txBody>
                     <a:bodyPr/>
@@ -5503,7 +5420,7 @@
                   <a:tcPr/>
                 </a:tc>
               </a:tr>
-              <a:tr h="370840">
+              <a:tr h="407727">
                 <a:tc>
                   <a:txBody>
                     <a:bodyPr/>
@@ -5533,13 +5450,13 @@
                     <a:lstStyle/>
                     <a:p>
                       <a:r>
-                        <a:rPr lang="es-MX" sz="800" b="1" dirty="0" smtClean="0">
-                          <a:latin typeface="Arial Narrow" panose="020B0606020202030204" pitchFamily="34" charset="0"/>
+                        <a:rPr lang="es-MX" sz="1000" b="0" dirty="0" smtClean="0">
+                          <a:latin typeface="+mj-lt"/>
                         </a:rPr>
                         <a:t>Compromiso de Gobierno</a:t>
                       </a:r>
-                      <a:endParaRPr lang="es-MX" sz="800" b="1" dirty="0">
-                        <a:latin typeface="Arial Narrow" panose="020B0606020202030204" pitchFamily="34" charset="0"/>
+                      <a:endParaRPr lang="es-MX" sz="1000" b="0" dirty="0">
+                        <a:latin typeface="+mj-lt"/>
                       </a:endParaRPr>
                     </a:p>
                   </a:txBody>
@@ -5571,7 +5488,7 @@
                   </a:tcPr>
                 </a:tc>
               </a:tr>
-              <a:tr h="370840">
+              <a:tr h="381590">
                 <a:tc>
                   <a:txBody>
                     <a:bodyPr/>
@@ -5601,13 +5518,13 @@
                     <a:lstStyle/>
                     <a:p>
                       <a:r>
-                        <a:rPr lang="es-MX" sz="800" b="1" dirty="0" smtClean="0">
-                          <a:latin typeface="Arial Narrow" panose="020B0606020202030204" pitchFamily="34" charset="0"/>
+                        <a:rPr lang="es-MX" sz="1000" b="0" dirty="0" smtClean="0">
+                          <a:latin typeface="+mj-lt"/>
                         </a:rPr>
                         <a:t>Plan Nuevo Guerrero</a:t>
                       </a:r>
-                      <a:endParaRPr lang="es-MX" sz="800" b="1" dirty="0">
-                        <a:latin typeface="Arial Narrow" panose="020B0606020202030204" pitchFamily="34" charset="0"/>
+                      <a:endParaRPr lang="es-MX" sz="1000" b="0" dirty="0">
+                        <a:latin typeface="+mj-lt"/>
                       </a:endParaRPr>
                     </a:p>
                   </a:txBody>
@@ -5637,7 +5554,7 @@
                   <a:tcPr/>
                 </a:tc>
               </a:tr>
-              <a:tr h="370840">
+              <a:tr h="381590">
                 <a:tc>
                   <a:txBody>
                     <a:bodyPr/>
@@ -5667,13 +5584,13 @@
                     <a:lstStyle/>
                     <a:p>
                       <a:r>
-                        <a:rPr lang="es-MX" sz="800" b="1" dirty="0" smtClean="0">
-                          <a:latin typeface="Arial Narrow" panose="020B0606020202030204" pitchFamily="34" charset="0"/>
+                        <a:rPr lang="es-MX" sz="1000" b="0" dirty="0" smtClean="0">
+                          <a:latin typeface="+mj-lt"/>
                         </a:rPr>
                         <a:t>Plan Michoacán</a:t>
                       </a:r>
-                      <a:endParaRPr lang="es-MX" sz="800" b="1" dirty="0">
-                        <a:latin typeface="Arial Narrow" panose="020B0606020202030204" pitchFamily="34" charset="0"/>
+                      <a:endParaRPr lang="es-MX" sz="1000" b="0" dirty="0">
+                        <a:latin typeface="+mj-lt"/>
                       </a:endParaRPr>
                     </a:p>
                   </a:txBody>
@@ -5703,7 +5620,7 @@
                   <a:tcPr/>
                 </a:tc>
               </a:tr>
-              <a:tr h="370840">
+              <a:tr h="381590">
                 <a:tc>
                   <a:txBody>
                     <a:bodyPr/>
@@ -5733,13 +5650,13 @@
                     <a:lstStyle/>
                     <a:p>
                       <a:r>
-                        <a:rPr lang="es-MX" sz="800" b="1" dirty="0" smtClean="0">
-                          <a:latin typeface="Arial Narrow" panose="020B0606020202030204" pitchFamily="34" charset="0"/>
+                        <a:rPr lang="es-MX" sz="1000" b="0" dirty="0" smtClean="0">
+                          <a:latin typeface="+mj-lt"/>
                         </a:rPr>
                         <a:t>Plan Nacional de Infraestructura</a:t>
                       </a:r>
-                      <a:endParaRPr lang="es-MX" sz="800" b="1" dirty="0">
-                        <a:latin typeface="Arial Narrow" panose="020B0606020202030204" pitchFamily="34" charset="0"/>
+                      <a:endParaRPr lang="es-MX" sz="1000" b="0" dirty="0">
+                        <a:latin typeface="+mj-lt"/>
                       </a:endParaRPr>
                     </a:p>
                   </a:txBody>
@@ -5769,7 +5686,7 @@
                   <a:tcPr/>
                 </a:tc>
               </a:tr>
-              <a:tr h="370840">
+              <a:tr h="381590">
                 <a:tc>
                   <a:txBody>
                     <a:bodyPr/>
@@ -5799,13 +5716,13 @@
                     <a:lstStyle/>
                     <a:p>
                       <a:r>
-                        <a:rPr lang="es-MX" sz="800" b="1" dirty="0" smtClean="0">
-                          <a:latin typeface="Arial Narrow" panose="020B0606020202030204" pitchFamily="34" charset="0"/>
+                        <a:rPr lang="es-MX" sz="1000" b="0" dirty="0" smtClean="0">
+                          <a:latin typeface="+mj-lt"/>
                         </a:rPr>
                         <a:t>Cruzada Nacional contra el Hambre</a:t>
                       </a:r>
-                      <a:endParaRPr lang="es-MX" sz="800" b="1" dirty="0">
-                        <a:latin typeface="Arial Narrow" panose="020B0606020202030204" pitchFamily="34" charset="0"/>
+                      <a:endParaRPr lang="es-MX" sz="1000" b="0" dirty="0">
+                        <a:latin typeface="+mj-lt"/>
                       </a:endParaRPr>
                     </a:p>
                   </a:txBody>
@@ -5835,7 +5752,7 @@
                   <a:tcPr/>
                 </a:tc>
               </a:tr>
-              <a:tr h="413856">
+              <a:tr h="425853">
                 <a:tc>
                   <a:txBody>
                     <a:bodyPr/>
@@ -5874,13 +5791,13 @@
                     <a:lstStyle/>
                     <a:p>
                       <a:r>
-                        <a:rPr lang="es-MX" sz="800" b="1" dirty="0" smtClean="0">
-                          <a:latin typeface="Arial Narrow" panose="020B0606020202030204" pitchFamily="34" charset="0"/>
+                        <a:rPr lang="es-MX" sz="1000" b="0" dirty="0" smtClean="0">
+                          <a:latin typeface="+mj-lt"/>
                         </a:rPr>
                         <a:t>Otra clasificación</a:t>
                       </a:r>
-                      <a:endParaRPr lang="es-MX" sz="800" b="1" dirty="0">
-                        <a:latin typeface="Arial Narrow" panose="020B0606020202030204" pitchFamily="34" charset="0"/>
+                      <a:endParaRPr lang="es-MX" sz="1000" b="0" dirty="0">
+                        <a:latin typeface="+mj-lt"/>
                       </a:endParaRPr>
                     </a:p>
                   </a:txBody>
@@ -5932,7 +5849,7 @@
           <p:nvPr>
             <p:extLst>
               <p:ext uri="{D42A27DB-BD31-4B8C-83A1-F6EECF244321}">
-                <p14:modId xmlns:p14="http://schemas.microsoft.com/office/powerpoint/2010/main" val="3261177285"/>
+                <p14:modId xmlns:p14="http://schemas.microsoft.com/office/powerpoint/2010/main" val="1136383236"/>
               </p:ext>
             </p:extLst>
           </p:nvPr>
@@ -6185,14 +6102,14 @@
           <p:nvPr>
             <p:extLst>
               <p:ext uri="{D42A27DB-BD31-4B8C-83A1-F6EECF244321}">
-                <p14:modId xmlns:p14="http://schemas.microsoft.com/office/powerpoint/2010/main" val="1663516041"/>
+                <p14:modId xmlns:p14="http://schemas.microsoft.com/office/powerpoint/2010/main" val="71855369"/>
               </p:ext>
             </p:extLst>
           </p:nvPr>
         </p:nvGraphicFramePr>
         <p:xfrm>
-          <a:off x="6444208" y="3717032"/>
-          <a:ext cx="2304256" cy="1049640"/>
+          <a:off x="6444208" y="3645024"/>
+          <a:ext cx="2304256" cy="1428544"/>
         </p:xfrm>
         <a:graphic>
           <a:graphicData uri="http://schemas.openxmlformats.org/drawingml/2006/table">
@@ -6201,10 +6118,10 @@
                 <a:tableStyleId>{5C22544A-7EE6-4342-B048-85BDC9FD1C3A}</a:tableStyleId>
               </a:tblPr>
               <a:tblGrid>
-                <a:gridCol w="1152128"/>
-                <a:gridCol w="1152128"/>
+                <a:gridCol w="1368152"/>
+                <a:gridCol w="936104"/>
               </a:tblGrid>
-              <a:tr h="360040">
+              <a:tr h="418111">
                 <a:tc gridSpan="2">
                   <a:txBody>
                     <a:bodyPr/>
@@ -6261,20 +6178,20 @@
                   <a:tcPr/>
                 </a:tc>
               </a:tr>
-              <a:tr h="200948">
+              <a:tr h="278740">
                 <a:tc>
                   <a:txBody>
                     <a:bodyPr/>
                     <a:lstStyle/>
                     <a:p>
                       <a:r>
-                        <a:rPr lang="es-MX" sz="800" b="1" dirty="0" smtClean="0">
-                          <a:latin typeface="Arial Narrow" panose="020B0606020202030204" pitchFamily="34" charset="0"/>
+                        <a:rPr lang="es-MX" sz="1000" b="0" dirty="0" smtClean="0">
+                          <a:latin typeface="+mj-lt"/>
                         </a:rPr>
                         <a:t>Inaugurada</a:t>
                       </a:r>
-                      <a:endParaRPr lang="es-MX" sz="800" b="1" dirty="0">
-                        <a:latin typeface="Arial Narrow" panose="020B0606020202030204" pitchFamily="34" charset="0"/>
+                      <a:endParaRPr lang="es-MX" sz="1000" b="0" dirty="0">
+                        <a:latin typeface="+mj-lt"/>
                       </a:endParaRPr>
                     </a:p>
                   </a:txBody>
@@ -6315,20 +6232,20 @@
                   </a:tcPr>
                 </a:tc>
               </a:tr>
-              <a:tr h="229833">
+              <a:tr h="452953">
                 <a:tc>
                   <a:txBody>
                     <a:bodyPr/>
                     <a:lstStyle/>
                     <a:p>
                       <a:r>
-                        <a:rPr lang="es-MX" sz="800" b="1" dirty="0" smtClean="0">
-                          <a:latin typeface="Arial Narrow" panose="020B0606020202030204" pitchFamily="34" charset="0"/>
+                        <a:rPr lang="es-MX" sz="1000" b="0" dirty="0" smtClean="0">
+                          <a:latin typeface="+mj-lt"/>
                         </a:rPr>
                         <a:t>Susceptible a inaugurar</a:t>
                       </a:r>
-                      <a:endParaRPr lang="es-MX" sz="800" b="1" dirty="0">
-                        <a:latin typeface="Arial Narrow" panose="020B0606020202030204" pitchFamily="34" charset="0"/>
+                      <a:endParaRPr lang="es-MX" sz="1000" b="0" dirty="0">
+                        <a:latin typeface="+mj-lt"/>
                       </a:endParaRPr>
                     </a:p>
                   </a:txBody>
@@ -6369,20 +6286,20 @@
                   </a:tcPr>
                 </a:tc>
               </a:tr>
-              <a:tr h="240687">
+              <a:tr h="278740">
                 <a:tc>
                   <a:txBody>
                     <a:bodyPr/>
                     <a:lstStyle/>
                     <a:p>
                       <a:r>
-                        <a:rPr lang="es-MX" sz="800" b="1" dirty="0" smtClean="0">
-                          <a:latin typeface="Arial Narrow" panose="020B0606020202030204" pitchFamily="34" charset="0"/>
+                        <a:rPr lang="es-MX" sz="1000" b="0" dirty="0" smtClean="0">
+                          <a:latin typeface="+mj-lt"/>
                         </a:rPr>
                         <a:t>Cargo que inauguró</a:t>
                       </a:r>
-                      <a:endParaRPr lang="es-MX" sz="800" b="1" dirty="0">
-                        <a:latin typeface="Arial Narrow" panose="020B0606020202030204" pitchFamily="34" charset="0"/>
+                      <a:endParaRPr lang="es-MX" sz="1000" b="0" dirty="0">
+                        <a:latin typeface="+mj-lt"/>
                       </a:endParaRPr>
                     </a:p>
                   </a:txBody>
@@ -6454,13 +6371,13 @@
           <p:nvPr>
             <p:extLst>
               <p:ext uri="{D42A27DB-BD31-4B8C-83A1-F6EECF244321}">
-                <p14:modId xmlns:p14="http://schemas.microsoft.com/office/powerpoint/2010/main" val="3967446963"/>
+                <p14:modId xmlns:p14="http://schemas.microsoft.com/office/powerpoint/2010/main" val="101761822"/>
               </p:ext>
             </p:extLst>
           </p:nvPr>
         </p:nvGraphicFramePr>
         <p:xfrm>
-          <a:off x="6444208" y="4941168"/>
+          <a:off x="6444208" y="5115664"/>
           <a:ext cx="2304256" cy="1625704"/>
         </p:xfrm>
         <a:graphic>
@@ -6558,13 +6475,13 @@
                     <a:p>
                       <a:pPr algn="ctr"/>
                       <a:r>
-                        <a:rPr lang="es-MX" sz="800" dirty="0" smtClean="0">
-                          <a:latin typeface="Arial Narrow" panose="020B0606020202030204" pitchFamily="34" charset="0"/>
+                        <a:rPr lang="es-MX" sz="1000" dirty="0" smtClean="0">
+                          <a:latin typeface="+mj-lt"/>
                         </a:rPr>
                         <a:t>Antes</a:t>
                       </a:r>
-                      <a:endParaRPr lang="es-MX" sz="800" dirty="0">
-                        <a:latin typeface="Arial Narrow" panose="020B0606020202030204" pitchFamily="34" charset="0"/>
+                      <a:endParaRPr lang="es-MX" sz="1000" dirty="0">
+                        <a:latin typeface="+mj-lt"/>
                       </a:endParaRPr>
                     </a:p>
                   </a:txBody>
@@ -6615,13 +6532,13 @@
                     <a:p>
                       <a:pPr algn="ctr"/>
                       <a:r>
-                        <a:rPr lang="es-MX" sz="800" dirty="0" smtClean="0">
-                          <a:latin typeface="Arial Narrow" panose="020B0606020202030204" pitchFamily="34" charset="0"/>
+                        <a:rPr lang="es-MX" sz="1000" dirty="0" smtClean="0">
+                          <a:latin typeface="+mj-lt"/>
                         </a:rPr>
                         <a:t>Durante</a:t>
                       </a:r>
-                      <a:endParaRPr lang="es-MX" sz="800" dirty="0">
-                        <a:latin typeface="Arial Narrow" panose="020B0606020202030204" pitchFamily="34" charset="0"/>
+                      <a:endParaRPr lang="es-MX" sz="1000" dirty="0">
+                        <a:latin typeface="+mj-lt"/>
                       </a:endParaRPr>
                     </a:p>
                   </a:txBody>
@@ -6672,13 +6589,13 @@
                     <a:p>
                       <a:pPr algn="ctr"/>
                       <a:r>
-                        <a:rPr lang="es-MX" sz="800" dirty="0" smtClean="0">
-                          <a:latin typeface="Arial Narrow" panose="020B0606020202030204" pitchFamily="34" charset="0"/>
+                        <a:rPr lang="es-MX" sz="1000" dirty="0" smtClean="0">
+                          <a:latin typeface="+mj-lt"/>
                         </a:rPr>
                         <a:t>Después</a:t>
                       </a:r>
-                      <a:endParaRPr lang="es-MX" sz="800" dirty="0">
-                        <a:latin typeface="Arial Narrow" panose="020B0606020202030204" pitchFamily="34" charset="0"/>
+                      <a:endParaRPr lang="es-MX" sz="1000" dirty="0">
+                        <a:latin typeface="+mj-lt"/>
                       </a:endParaRPr>
                     </a:p>
                   </a:txBody>
@@ -6763,8 +6680,8 @@
         </p:nvSpPr>
         <p:spPr>
           <a:xfrm>
-            <a:off x="1547664" y="2492896"/>
-            <a:ext cx="1284618" cy="215444"/>
+            <a:off x="1547664" y="2606715"/>
+            <a:ext cx="1284618" cy="246221"/>
           </a:xfrm>
           <a:prstGeom prst="rect">
             <a:avLst/>
@@ -6781,9 +6698,9 @@
               <a:defRPr sz="800"/>
             </a:pPr>
             <a:r>
-              <a:t>OB_CDI_00007</a:t>
-            </a:r>
-            <a:endParaRPr lang="es-MX" sz="800" dirty="0">
+              <a:t>OB_SEGOB_00001</a:t>
+            </a:r>
+            <a:endParaRPr lang="es-MX" sz="1000" b="1" dirty="0">
               <a:latin typeface="Arial Narrow" panose="020B0606020202030204" pitchFamily="34" charset="0"/>
             </a:endParaRPr>
           </a:p>
@@ -6797,8 +6714,8 @@
         </p:nvSpPr>
         <p:spPr>
           <a:xfrm>
-            <a:off x="1547664" y="2780928"/>
-            <a:ext cx="1440160" cy="215444"/>
+            <a:off x="1547664" y="2956882"/>
+            <a:ext cx="1440160" cy="246221"/>
           </a:xfrm>
           <a:prstGeom prst="rect">
             <a:avLst/>
@@ -6815,9 +6732,9 @@
               <a:defRPr sz="800"/>
             </a:pPr>
             <a:r>
-              <a:t>CONSTRUCCION DE CAPTORES DE AGUA PLUVIAL</a:t>
-            </a:r>
-            <a:endParaRPr lang="es-MX" sz="600" dirty="0">
+              <a:t>ESTACION MIGRATORIA (INM)</a:t>
+            </a:r>
+            <a:endParaRPr lang="es-MX" sz="800" b="1" dirty="0">
               <a:latin typeface="Arial Narrow" panose="020B0606020202030204" pitchFamily="34" charset="0"/>
             </a:endParaRPr>
           </a:p>
@@ -6831,8 +6748,8 @@
         </p:nvSpPr>
         <p:spPr>
           <a:xfrm>
-            <a:off x="1547664" y="3284984"/>
-            <a:ext cx="1284618" cy="215444"/>
+            <a:off x="1547664" y="3470231"/>
+            <a:ext cx="1284618" cy="246221"/>
           </a:xfrm>
           <a:prstGeom prst="rect">
             <a:avLst/>
@@ -6849,9 +6766,9 @@
               <a:defRPr sz="800"/>
             </a:pPr>
             <a:r>
-              <a:t>CDI</a:t>
-            </a:r>
-            <a:endParaRPr lang="es-MX" sz="800" dirty="0">
+              <a:t>SEGOB</a:t>
+            </a:r>
+            <a:endParaRPr lang="es-MX" sz="1000" b="1" dirty="0">
               <a:latin typeface="Arial Narrow" panose="020B0606020202030204" pitchFamily="34" charset="0"/>
             </a:endParaRPr>
           </a:p>
@@ -6865,8 +6782,8 @@
         </p:nvSpPr>
         <p:spPr>
           <a:xfrm>
-            <a:off x="1547664" y="3717612"/>
-            <a:ext cx="1201084" cy="215444"/>
+            <a:off x="1547664" y="3902859"/>
+            <a:ext cx="1201084" cy="246221"/>
           </a:xfrm>
           <a:prstGeom prst="rect">
             <a:avLst/>
@@ -6883,9 +6800,9 @@
               <a:defRPr sz="800"/>
             </a:pPr>
             <a:r>
-              <a:t>CAMPECHE</a:t>
-            </a:r>
-            <a:endParaRPr lang="es-MX" sz="800" dirty="0">
+              <a:t>CHIAPAS</a:t>
+            </a:r>
+            <a:endParaRPr lang="es-MX" sz="1000" b="1" dirty="0">
               <a:latin typeface="Arial Narrow" panose="020B0606020202030204" pitchFamily="34" charset="0"/>
             </a:endParaRPr>
           </a:p>
@@ -6899,8 +6816,8 @@
         </p:nvSpPr>
         <p:spPr>
           <a:xfrm>
-            <a:off x="1547664" y="4140957"/>
-            <a:ext cx="1117550" cy="215444"/>
+            <a:off x="1547664" y="4334907"/>
+            <a:ext cx="1117550" cy="246221"/>
           </a:xfrm>
           <a:prstGeom prst="rect">
             <a:avLst/>
@@ -6916,10 +6833,7 @@
             <a:pPr>
               <a:defRPr sz="800"/>
             </a:pPr>
-            <a:r>
-              <a:t>CALAKMUL</a:t>
-            </a:r>
-            <a:endParaRPr lang="es-MX" sz="800" dirty="0">
+            <a:endParaRPr lang="es-MX" sz="1000" b="1" dirty="0">
               <a:latin typeface="Arial Narrow" panose="020B0606020202030204" pitchFamily="34" charset="0"/>
             </a:endParaRPr>
           </a:p>
@@ -6933,8 +6847,8 @@
         </p:nvSpPr>
         <p:spPr>
           <a:xfrm>
-            <a:off x="1547664" y="4581128"/>
-            <a:ext cx="1117550" cy="215444"/>
+            <a:off x="1547664" y="4694947"/>
+            <a:ext cx="1117550" cy="246221"/>
           </a:xfrm>
           <a:prstGeom prst="rect">
             <a:avLst/>
@@ -6951,9 +6865,9 @@
               <a:defRPr sz="800"/>
             </a:pPr>
             <a:r>
-              <a:t>2013-07-04</a:t>
-            </a:r>
-            <a:endParaRPr lang="es-MX" sz="800" dirty="0">
+              <a:t>2013-09-01</a:t>
+            </a:r>
+            <a:endParaRPr lang="es-MX" sz="1000" b="1" dirty="0">
               <a:latin typeface="Arial Narrow" panose="020B0606020202030204" pitchFamily="34" charset="0"/>
             </a:endParaRPr>
           </a:p>
@@ -6967,8 +6881,8 @@
         </p:nvSpPr>
         <p:spPr>
           <a:xfrm>
-            <a:off x="1547664" y="5013176"/>
-            <a:ext cx="1201084" cy="215444"/>
+            <a:off x="1547664" y="5126995"/>
+            <a:ext cx="1201084" cy="246221"/>
           </a:xfrm>
           <a:prstGeom prst="rect">
             <a:avLst/>
@@ -6985,9 +6899,9 @@
               <a:defRPr sz="800"/>
             </a:pPr>
             <a:r>
-              <a:t>2013-10-01</a:t>
-            </a:r>
-            <a:endParaRPr lang="es-MX" sz="800" dirty="0">
+              <a:t>2014-01-01</a:t>
+            </a:r>
+            <a:endParaRPr lang="es-MX" sz="1000" b="1" dirty="0">
               <a:latin typeface="Arial Narrow" panose="020B0606020202030204" pitchFamily="34" charset="0"/>
             </a:endParaRPr>
           </a:p>
@@ -7001,8 +6915,8 @@
         </p:nvSpPr>
         <p:spPr>
           <a:xfrm>
-            <a:off x="1547664" y="5373216"/>
-            <a:ext cx="1117550" cy="215444"/>
+            <a:off x="1547664" y="5559043"/>
+            <a:ext cx="1117550" cy="246221"/>
           </a:xfrm>
           <a:prstGeom prst="rect">
             <a:avLst/>
@@ -7021,7 +6935,7 @@
             <a:r>
               <a:t>CONCLUIDAS</a:t>
             </a:r>
-            <a:endParaRPr lang="es-MX" sz="800" dirty="0">
+            <a:endParaRPr lang="es-MX" sz="1000" b="1" dirty="0">
               <a:latin typeface="Arial Narrow" panose="020B0606020202030204" pitchFamily="34" charset="0"/>
             </a:endParaRPr>
           </a:p>
@@ -7035,8 +6949,8 @@
         </p:nvSpPr>
         <p:spPr>
           <a:xfrm>
-            <a:off x="1547664" y="5805264"/>
-            <a:ext cx="1201084" cy="215444"/>
+            <a:off x="1547664" y="5991091"/>
+            <a:ext cx="1201084" cy="246221"/>
           </a:xfrm>
           <a:prstGeom prst="rect">
             <a:avLst/>
@@ -7055,7 +6969,7 @@
             <a:r>
               <a:t>100.0</a:t>
             </a:r>
-            <a:endParaRPr lang="es-MX" sz="800" dirty="0">
+            <a:endParaRPr lang="es-MX" sz="1000" b="1" dirty="0">
               <a:latin typeface="Arial Narrow" panose="020B0606020202030204" pitchFamily="34" charset="0"/>
             </a:endParaRPr>
           </a:p>
@@ -7069,8 +6983,8 @@
         </p:nvSpPr>
         <p:spPr>
           <a:xfrm>
-            <a:off x="1547664" y="6165304"/>
-            <a:ext cx="1368152" cy="215444"/>
+            <a:off x="1547664" y="6341258"/>
+            <a:ext cx="1368152" cy="246221"/>
           </a:xfrm>
           <a:prstGeom prst="rect">
             <a:avLst/>
@@ -7087,9 +7001,9 @@
               <a:defRPr sz="800"/>
             </a:pPr>
             <a:r>
-              <a:t>2015-07-27T18:01:30+00:00</a:t>
-            </a:r>
-            <a:endParaRPr lang="es-MX" sz="800" dirty="0">
+              <a:t>2015-09-21T05:59:36+00:00</a:t>
+            </a:r>
+            <a:endParaRPr lang="es-MX" sz="1000" b="1" dirty="0">
               <a:latin typeface="Arial Narrow" panose="020B0606020202030204" pitchFamily="34" charset="0"/>
             </a:endParaRPr>
           </a:p>
@@ -7103,8 +7017,8 @@
         </p:nvSpPr>
         <p:spPr>
           <a:xfrm>
-            <a:off x="3491880" y="1341348"/>
-            <a:ext cx="360040" cy="215444"/>
+            <a:off x="3563888" y="1268760"/>
+            <a:ext cx="360040" cy="246221"/>
           </a:xfrm>
           <a:prstGeom prst="rect">
             <a:avLst/>
@@ -7123,7 +7037,7 @@
             <a:r>
               <a:t>Si</a:t>
             </a:r>
-            <a:endParaRPr lang="es-MX" sz="800" dirty="0">
+            <a:endParaRPr lang="es-MX" sz="1000" b="1" dirty="0">
               <a:latin typeface="Arial Narrow" panose="020B0606020202030204" pitchFamily="34" charset="0"/>
             </a:endParaRPr>
           </a:p>
@@ -7137,8 +7051,8 @@
         </p:nvSpPr>
         <p:spPr>
           <a:xfrm>
-            <a:off x="4283968" y="1340768"/>
-            <a:ext cx="360040" cy="215444"/>
+            <a:off x="4283968" y="1268760"/>
+            <a:ext cx="360040" cy="246221"/>
           </a:xfrm>
           <a:prstGeom prst="rect">
             <a:avLst/>
@@ -7155,9 +7069,9 @@
               <a:defRPr sz="800"/>
             </a:pPr>
             <a:r>
-              <a:t>Si</a:t>
-            </a:r>
-            <a:endParaRPr lang="es-MX" sz="800" dirty="0">
+              <a:t>No</a:t>
+            </a:r>
+            <a:endParaRPr lang="es-MX" sz="1000" b="1" dirty="0">
               <a:latin typeface="Arial Narrow" panose="020B0606020202030204" pitchFamily="34" charset="0"/>
             </a:endParaRPr>
           </a:p>
@@ -7171,8 +7085,8 @@
         </p:nvSpPr>
         <p:spPr>
           <a:xfrm>
-            <a:off x="5184068" y="1340768"/>
-            <a:ext cx="396044" cy="215444"/>
+            <a:off x="5256076" y="1268760"/>
+            <a:ext cx="396044" cy="246221"/>
           </a:xfrm>
           <a:prstGeom prst="rect">
             <a:avLst/>
@@ -7189,9 +7103,9 @@
               <a:defRPr sz="800"/>
             </a:pPr>
             <a:r>
-              <a:t>Si</a:t>
-            </a:r>
-            <a:endParaRPr lang="es-MX" sz="800" dirty="0">
+              <a:t>No</a:t>
+            </a:r>
+            <a:endParaRPr lang="es-MX" sz="1000" b="1" dirty="0">
               <a:latin typeface="Arial Narrow" panose="020B0606020202030204" pitchFamily="34" charset="0"/>
             </a:endParaRPr>
           </a:p>
@@ -7205,8 +7119,8 @@
         </p:nvSpPr>
         <p:spPr>
           <a:xfrm>
-            <a:off x="6012160" y="1341348"/>
-            <a:ext cx="360040" cy="215444"/>
+            <a:off x="5940152" y="1268760"/>
+            <a:ext cx="360040" cy="246221"/>
           </a:xfrm>
           <a:prstGeom prst="rect">
             <a:avLst/>
@@ -7223,9 +7137,9 @@
               <a:defRPr sz="800"/>
             </a:pPr>
             <a:r>
-              <a:t>Si</a:t>
-            </a:r>
-            <a:endParaRPr lang="es-MX" sz="800" dirty="0">
+              <a:t>No</a:t>
+            </a:r>
+            <a:endParaRPr lang="es-MX" sz="1000" b="1" dirty="0">
               <a:latin typeface="Arial Narrow" panose="020B0606020202030204" pitchFamily="34" charset="0"/>
             </a:endParaRPr>
           </a:p>
@@ -7239,8 +7153,8 @@
         </p:nvSpPr>
         <p:spPr>
           <a:xfrm>
-            <a:off x="3491880" y="1700808"/>
-            <a:ext cx="360040" cy="215444"/>
+            <a:off x="3563888" y="1670611"/>
+            <a:ext cx="360040" cy="246221"/>
           </a:xfrm>
           <a:prstGeom prst="rect">
             <a:avLst/>
@@ -7257,9 +7171,9 @@
               <a:defRPr sz="800"/>
             </a:pPr>
             <a:r>
-              <a:t>Si</a:t>
-            </a:r>
-            <a:endParaRPr lang="es-MX" sz="800" dirty="0">
+              <a:t>No</a:t>
+            </a:r>
+            <a:endParaRPr lang="es-MX" sz="1000" b="1" dirty="0">
               <a:latin typeface="Arial Narrow" panose="020B0606020202030204" pitchFamily="34" charset="0"/>
             </a:endParaRPr>
           </a:p>
@@ -7273,8 +7187,8 @@
         </p:nvSpPr>
         <p:spPr>
           <a:xfrm>
-            <a:off x="4283968" y="1700808"/>
-            <a:ext cx="360040" cy="215444"/>
+            <a:off x="4283968" y="1670611"/>
+            <a:ext cx="360040" cy="246221"/>
           </a:xfrm>
           <a:prstGeom prst="rect">
             <a:avLst/>
@@ -7291,9 +7205,9 @@
               <a:defRPr sz="800"/>
             </a:pPr>
             <a:r>
-              <a:t>Si</a:t>
-            </a:r>
-            <a:endParaRPr lang="es-MX" sz="800" dirty="0">
+              <a:t>No</a:t>
+            </a:r>
+            <a:endParaRPr lang="es-MX" sz="1000" b="1" dirty="0">
               <a:latin typeface="Arial Narrow" panose="020B0606020202030204" pitchFamily="34" charset="0"/>
             </a:endParaRPr>
           </a:p>
@@ -7307,8 +7221,8 @@
         </p:nvSpPr>
         <p:spPr>
           <a:xfrm>
-            <a:off x="4572000" y="1700808"/>
-            <a:ext cx="1656184" cy="215444"/>
+            <a:off x="4572000" y="1670611"/>
+            <a:ext cx="1656184" cy="246221"/>
           </a:xfrm>
           <a:prstGeom prst="rect">
             <a:avLst/>
@@ -7327,7 +7241,7 @@
             <a:r>
               <a:t>N/A</a:t>
             </a:r>
-            <a:endParaRPr lang="es-MX" sz="800" dirty="0">
+            <a:endParaRPr lang="es-MX" sz="1000" b="1" dirty="0">
               <a:latin typeface="Arial Narrow" panose="020B0606020202030204" pitchFamily="34" charset="0"/>
             </a:endParaRPr>
           </a:p>
@@ -7341,8 +7255,8 @@
         </p:nvSpPr>
         <p:spPr>
           <a:xfrm>
-            <a:off x="3851920" y="2205444"/>
-            <a:ext cx="1224136" cy="215444"/>
+            <a:off x="3851920" y="2107530"/>
+            <a:ext cx="1224136" cy="246221"/>
           </a:xfrm>
           <a:prstGeom prst="rect">
             <a:avLst/>
@@ -7359,9 +7273,9 @@
               <a:defRPr sz="800"/>
             </a:pPr>
             <a:r>
-              <a:t>0.78</a:t>
-            </a:r>
-            <a:endParaRPr lang="es-MX" sz="800" dirty="0">
+              <a:t>18.05</a:t>
+            </a:r>
+            <a:endParaRPr lang="es-MX" sz="1000" b="1" dirty="0">
               <a:latin typeface="Arial Narrow" panose="020B0606020202030204" pitchFamily="34" charset="0"/>
             </a:endParaRPr>
           </a:p>
@@ -7375,8 +7289,8 @@
         </p:nvSpPr>
         <p:spPr>
           <a:xfrm>
-            <a:off x="5076056" y="2205444"/>
-            <a:ext cx="1080120" cy="215444"/>
+            <a:off x="5076056" y="2107530"/>
+            <a:ext cx="1080120" cy="246221"/>
           </a:xfrm>
           <a:prstGeom prst="rect">
             <a:avLst/>
@@ -7395,7 +7309,7 @@
             <a:r>
               <a:t>MDP</a:t>
             </a:r>
-            <a:endParaRPr lang="es-MX" sz="800" dirty="0">
+            <a:endParaRPr lang="es-MX" sz="1000" b="1" dirty="0">
               <a:latin typeface="Arial Narrow" panose="020B0606020202030204" pitchFamily="34" charset="0"/>
             </a:endParaRPr>
           </a:p>
@@ -7409,8 +7323,8 @@
         </p:nvSpPr>
         <p:spPr>
           <a:xfrm>
-            <a:off x="4067944" y="2924944"/>
-            <a:ext cx="2088232" cy="215444"/>
+            <a:off x="4067944" y="2996952"/>
+            <a:ext cx="2088232" cy="246221"/>
           </a:xfrm>
           <a:prstGeom prst="rect">
             <a:avLst/>
@@ -7427,9 +7341,9 @@
               <a:defRPr sz="800"/>
             </a:pPr>
             <a:r>
-              <a:t>HABITANTES</a:t>
-            </a:r>
-            <a:endParaRPr lang="es-MX" sz="800" dirty="0">
+              <a:t>EXTRANJEROS</a:t>
+            </a:r>
+            <a:endParaRPr lang="es-MX" sz="1000" b="1" dirty="0">
               <a:latin typeface="Arial Narrow" panose="020B0606020202030204" pitchFamily="34" charset="0"/>
             </a:endParaRPr>
           </a:p>
@@ -7443,8 +7357,8 @@
         </p:nvSpPr>
         <p:spPr>
           <a:xfrm>
-            <a:off x="4067944" y="3212976"/>
-            <a:ext cx="2088232" cy="215444"/>
+            <a:off x="4067944" y="3326795"/>
+            <a:ext cx="2088232" cy="246221"/>
           </a:xfrm>
           <a:prstGeom prst="rect">
             <a:avLst/>
@@ -7461,9 +7375,9 @@
               <a:defRPr sz="800"/>
             </a:pPr>
             <a:r>
-              <a:t>MUNICIPAL</a:t>
-            </a:r>
-            <a:endParaRPr lang="es-MX" sz="800" dirty="0">
+              <a:t>NACIONAL</a:t>
+            </a:r>
+            <a:endParaRPr lang="es-MX" sz="1000" b="1" dirty="0">
               <a:latin typeface="Arial Narrow" panose="020B0606020202030204" pitchFamily="34" charset="0"/>
             </a:endParaRPr>
           </a:p>
@@ -7477,8 +7391,8 @@
         </p:nvSpPr>
         <p:spPr>
           <a:xfrm>
-            <a:off x="4067944" y="3501008"/>
-            <a:ext cx="2088232" cy="215444"/>
+            <a:off x="4067944" y="3614827"/>
+            <a:ext cx="2088232" cy="246221"/>
           </a:xfrm>
           <a:prstGeom prst="rect">
             <a:avLst/>
@@ -7497,7 +7411,7 @@
             <a:r>
               <a:t>Si</a:t>
             </a:r>
-            <a:endParaRPr lang="es-MX" sz="800" dirty="0">
+            <a:endParaRPr lang="es-MX" sz="1000" b="1" dirty="0">
               <a:latin typeface="Arial Narrow" panose="020B0606020202030204" pitchFamily="34" charset="0"/>
             </a:endParaRPr>
           </a:p>
@@ -7511,8 +7425,8 @@
         </p:nvSpPr>
         <p:spPr>
           <a:xfrm>
-            <a:off x="3059832" y="4293096"/>
-            <a:ext cx="432048" cy="215444"/>
+            <a:off x="3059832" y="4448726"/>
+            <a:ext cx="432048" cy="246221"/>
           </a:xfrm>
           <a:prstGeom prst="rect">
             <a:avLst/>
@@ -7529,9 +7443,9 @@
               <a:defRPr sz="800"/>
             </a:pPr>
             <a:r>
-              <a:t>Si</a:t>
-            </a:r>
-            <a:endParaRPr lang="es-MX" sz="800" dirty="0">
+              <a:t>No</a:t>
+            </a:r>
+            <a:endParaRPr lang="es-MX" sz="1000" b="1" dirty="0">
               <a:latin typeface="Arial Narrow" panose="020B0606020202030204" pitchFamily="34" charset="0"/>
             </a:endParaRPr>
           </a:p>
@@ -7545,8 +7459,8 @@
         </p:nvSpPr>
         <p:spPr>
           <a:xfrm>
-            <a:off x="4572000" y="4293096"/>
-            <a:ext cx="1584176" cy="215444"/>
+            <a:off x="4644008" y="4464114"/>
+            <a:ext cx="1584176" cy="246221"/>
           </a:xfrm>
           <a:prstGeom prst="rect">
             <a:avLst/>
@@ -7559,14 +7473,15 @@
           </a:bodyPr>
           <a:lstStyle/>
           <a:p>
-            <a:pPr>
-              <a:defRPr sz="800"/>
-            </a:pPr>
-            <a:r>
-              <a:t>CG257</a:t>
-            </a:r>
-            <a:endParaRPr lang="es-MX" sz="800" dirty="0">
-              <a:latin typeface="Arial Narrow" panose="020B0606020202030204" pitchFamily="34" charset="0"/>
+            <a:r>
+              <a:rPr lang="es-MX" sz="1000" b="1" dirty="0" smtClean="0">
+                <a:latin typeface="+mj-lt"/>
+                <a:cs typeface="Angsana New" panose="02020603050405020304" pitchFamily="18" charset="-34"/>
+              </a:rPr>
+              <a:t>x</a:t>
+            </a:r>
+            <a:endParaRPr lang="es-MX" sz="1000" b="1" dirty="0">
+              <a:latin typeface="+mj-lt"/>
               <a:cs typeface="Angsana New" panose="02020603050405020304" pitchFamily="18" charset="-34"/>
             </a:endParaRPr>
           </a:p>
@@ -7580,8 +7495,8 @@
         </p:nvSpPr>
         <p:spPr>
           <a:xfrm>
-            <a:off x="3059832" y="4653136"/>
-            <a:ext cx="432048" cy="215444"/>
+            <a:off x="3059832" y="4797152"/>
+            <a:ext cx="432048" cy="246221"/>
           </a:xfrm>
           <a:prstGeom prst="rect">
             <a:avLst/>
@@ -7600,7 +7515,7 @@
             <a:r>
               <a:t>No</a:t>
             </a:r>
-            <a:endParaRPr lang="es-MX" sz="800" dirty="0">
+            <a:endParaRPr lang="es-MX" sz="1000" b="1" dirty="0">
               <a:latin typeface="Arial Narrow" panose="020B0606020202030204" pitchFamily="34" charset="0"/>
             </a:endParaRPr>
           </a:p>
@@ -7614,8 +7529,8 @@
         </p:nvSpPr>
         <p:spPr>
           <a:xfrm>
-            <a:off x="3059832" y="5013176"/>
-            <a:ext cx="360040" cy="215444"/>
+            <a:off x="3059832" y="5157192"/>
+            <a:ext cx="360040" cy="246221"/>
           </a:xfrm>
           <a:prstGeom prst="rect">
             <a:avLst/>
@@ -7634,7 +7549,7 @@
             <a:r>
               <a:t>No</a:t>
             </a:r>
-            <a:endParaRPr lang="es-MX" sz="800" dirty="0">
+            <a:endParaRPr lang="es-MX" sz="1000" b="1" dirty="0">
               <a:latin typeface="Arial Narrow" panose="020B0606020202030204" pitchFamily="34" charset="0"/>
             </a:endParaRPr>
           </a:p>
@@ -7648,8 +7563,8 @@
         </p:nvSpPr>
         <p:spPr>
           <a:xfrm>
-            <a:off x="3059832" y="5445804"/>
-            <a:ext cx="360040" cy="215444"/>
+            <a:off x="3059832" y="5547332"/>
+            <a:ext cx="360040" cy="246221"/>
           </a:xfrm>
           <a:prstGeom prst="rect">
             <a:avLst/>
@@ -7668,7 +7583,7 @@
             <a:r>
               <a:t>No</a:t>
             </a:r>
-            <a:endParaRPr lang="es-MX" sz="800" dirty="0">
+            <a:endParaRPr lang="es-MX" sz="1000" b="1" dirty="0">
               <a:latin typeface="Arial Narrow" panose="020B0606020202030204" pitchFamily="34" charset="0"/>
             </a:endParaRPr>
           </a:p>
@@ -7682,8 +7597,8 @@
         </p:nvSpPr>
         <p:spPr>
           <a:xfrm>
-            <a:off x="3059832" y="5805264"/>
-            <a:ext cx="360040" cy="215444"/>
+            <a:off x="3059832" y="5919083"/>
+            <a:ext cx="360040" cy="246221"/>
           </a:xfrm>
           <a:prstGeom prst="rect">
             <a:avLst/>
@@ -7700,9 +7615,9 @@
               <a:defRPr sz="800"/>
             </a:pPr>
             <a:r>
-              <a:t>Si</a:t>
-            </a:r>
-            <a:endParaRPr lang="es-MX" sz="800" dirty="0">
+              <a:t>No</a:t>
+            </a:r>
+            <a:endParaRPr lang="es-MX" sz="1000" b="1" dirty="0">
               <a:latin typeface="Arial Narrow" panose="020B0606020202030204" pitchFamily="34" charset="0"/>
             </a:endParaRPr>
           </a:p>
@@ -7716,8 +7631,8 @@
         </p:nvSpPr>
         <p:spPr>
           <a:xfrm>
-            <a:off x="3059832" y="6165304"/>
-            <a:ext cx="360040" cy="215444"/>
+            <a:off x="3059832" y="6279123"/>
+            <a:ext cx="360040" cy="246221"/>
           </a:xfrm>
           <a:prstGeom prst="rect">
             <a:avLst/>
@@ -7734,9 +7649,9 @@
               <a:defRPr sz="800"/>
             </a:pPr>
             <a:r>
-              <a:t>No</a:t>
-            </a:r>
-            <a:endParaRPr lang="es-MX" sz="800" dirty="0">
+              <a:t>Si</a:t>
+            </a:r>
+            <a:endParaRPr lang="es-MX" sz="1000" b="1" dirty="0">
               <a:latin typeface="Arial Narrow" panose="020B0606020202030204" pitchFamily="34" charset="0"/>
             </a:endParaRPr>
           </a:p>
@@ -7751,7 +7666,7 @@
         <p:spPr>
           <a:xfrm>
             <a:off x="6444208" y="1341348"/>
-            <a:ext cx="2160240" cy="215444"/>
+            <a:ext cx="2160240" cy="246221"/>
           </a:xfrm>
           <a:prstGeom prst="rect">
             <a:avLst/>
@@ -7768,9 +7683,9 @@
               <a:defRPr sz="800"/>
             </a:pPr>
             <a:r>
-              <a:t>PREELIMINARES  ALBAÑILERIA  INSTALACION HIDRAULICA  OBRA EXTERIOR</a:t>
-            </a:r>
-            <a:endParaRPr lang="es-MX" sz="800" dirty="0">
+              <a:t>MANTENIMIENTO MAYOR A INMUEBLES DE LA DELEGACION FEDERAL DEL INM EN EL ESTADO DE CHIAPAS</a:t>
+            </a:r>
+            <a:endParaRPr lang="es-MX" sz="1000" dirty="0">
               <a:latin typeface="Arial Narrow" panose="020B0606020202030204" pitchFamily="34" charset="0"/>
             </a:endParaRPr>
           </a:p>
@@ -7785,7 +7700,7 @@
         <p:spPr>
           <a:xfrm>
             <a:off x="6444208" y="2708340"/>
-            <a:ext cx="2160240" cy="215444"/>
+            <a:ext cx="2160240" cy="246221"/>
           </a:xfrm>
           <a:prstGeom prst="rect">
             <a:avLst/>
@@ -7802,9 +7717,9 @@
               <a:defRPr sz="800"/>
             </a:pPr>
             <a:r>
-              <a:t>N/A</a:t>
-            </a:r>
-            <a:endParaRPr lang="es-MX" sz="800" dirty="0">
+              <a:t>TRAMITES MIGRATORIOS: 248,213 EXTRANJEROS PRESENTADOS ANTE EL INM: 8,039</a:t>
+            </a:r>
+            <a:endParaRPr lang="es-MX" sz="1000" dirty="0">
               <a:latin typeface="Arial Narrow" panose="020B0606020202030204" pitchFamily="34" charset="0"/>
             </a:endParaRPr>
           </a:p>
@@ -7818,8 +7733,8 @@
         </p:nvSpPr>
         <p:spPr>
           <a:xfrm>
-            <a:off x="7524328" y="4077652"/>
-            <a:ext cx="936104" cy="215444"/>
+            <a:off x="7596336" y="4107268"/>
+            <a:ext cx="936104" cy="246221"/>
           </a:xfrm>
           <a:prstGeom prst="rect">
             <a:avLst/>
@@ -7838,7 +7753,7 @@
             <a:r>
               <a:t>Si</a:t>
             </a:r>
-            <a:endParaRPr lang="es-MX" sz="800" dirty="0">
+            <a:endParaRPr lang="es-MX" sz="1000" b="1" dirty="0">
               <a:latin typeface="Arial Narrow" panose="020B0606020202030204" pitchFamily="34" charset="0"/>
             </a:endParaRPr>
           </a:p>
@@ -7852,8 +7767,8 @@
         </p:nvSpPr>
         <p:spPr>
           <a:xfrm>
-            <a:off x="7524328" y="4293676"/>
-            <a:ext cx="1008112" cy="215444"/>
+            <a:off x="7596336" y="4437111"/>
+            <a:ext cx="1008112" cy="246221"/>
           </a:xfrm>
           <a:prstGeom prst="rect">
             <a:avLst/>
@@ -7872,7 +7787,7 @@
             <a:r>
               <a:t>Si</a:t>
             </a:r>
-            <a:endParaRPr lang="es-MX" sz="800" dirty="0">
+            <a:endParaRPr lang="es-MX" sz="1000" b="1" dirty="0">
               <a:latin typeface="Arial Narrow" panose="020B0606020202030204" pitchFamily="34" charset="0"/>
             </a:endParaRPr>
           </a:p>
@@ -7886,8 +7801,8 @@
         </p:nvSpPr>
         <p:spPr>
           <a:xfrm>
-            <a:off x="7524328" y="4509700"/>
-            <a:ext cx="1152128" cy="215444"/>
+            <a:off x="7596336" y="4725143"/>
+            <a:ext cx="1152128" cy="246221"/>
           </a:xfrm>
           <a:prstGeom prst="rect">
             <a:avLst/>
@@ -7906,7 +7821,7 @@
             <a:r>
               <a:t>OTRO</a:t>
             </a:r>
-            <a:endParaRPr lang="es-MX" sz="800" dirty="0">
+            <a:endParaRPr lang="es-MX" sz="1000" b="1" dirty="0">
               <a:latin typeface="Arial Narrow" panose="020B0606020202030204" pitchFamily="34" charset="0"/>
             </a:endParaRPr>
           </a:p>
@@ -7934,8 +7849,8 @@
         </p:blipFill>
         <p:spPr>
           <a:xfrm>
-            <a:off x="686806" y="1988840"/>
-            <a:ext cx="1944463" cy="493735"/>
+            <a:off x="971600" y="1988841"/>
+            <a:ext cx="1417777" cy="360000"/>
           </a:xfrm>
           <a:prstGeom prst="rect">
             <a:avLst/>
@@ -7964,8 +7879,8 @@
         </p:blipFill>
         <p:spPr>
           <a:xfrm>
-            <a:off x="3707904" y="908720"/>
-            <a:ext cx="1944463" cy="493735"/>
+            <a:off x="3946310" y="908721"/>
+            <a:ext cx="1417778" cy="360000"/>
           </a:xfrm>
           <a:prstGeom prst="rect">
             <a:avLst/>
@@ -7994,8 +7909,8 @@
         </p:blipFill>
         <p:spPr>
           <a:xfrm>
-            <a:off x="3671653" y="2569194"/>
-            <a:ext cx="1944463" cy="493735"/>
+            <a:off x="4018319" y="2569194"/>
+            <a:ext cx="1417777" cy="360000"/>
           </a:xfrm>
           <a:prstGeom prst="rect">
             <a:avLst/>
@@ -8024,8 +7939,8 @@
         </p:blipFill>
         <p:spPr>
           <a:xfrm>
-            <a:off x="3489762" y="3933056"/>
-            <a:ext cx="2450390" cy="493735"/>
+            <a:off x="3865453" y="4001413"/>
+            <a:ext cx="1786667" cy="360000"/>
           </a:xfrm>
           <a:prstGeom prst="rect">
             <a:avLst/>
@@ -8054,8 +7969,8 @@
         </p:blipFill>
         <p:spPr>
           <a:xfrm>
-            <a:off x="6341255" y="942577"/>
-            <a:ext cx="2450390" cy="493735"/>
+            <a:off x="6673764" y="942577"/>
+            <a:ext cx="1786668" cy="360000"/>
           </a:xfrm>
           <a:prstGeom prst="rect">
             <a:avLst/>
@@ -8084,8 +7999,8 @@
         </p:blipFill>
         <p:spPr>
           <a:xfrm>
-            <a:off x="6372200" y="2353750"/>
-            <a:ext cx="2450390" cy="493735"/>
+            <a:off x="6673764" y="2353751"/>
+            <a:ext cx="1786668" cy="360000"/>
           </a:xfrm>
           <a:prstGeom prst="rect">
             <a:avLst/>
@@ -8114,8 +8029,8 @@
         </p:blipFill>
         <p:spPr>
           <a:xfrm>
-            <a:off x="6372200" y="3694948"/>
-            <a:ext cx="2450390" cy="493735"/>
+            <a:off x="6673764" y="3725145"/>
+            <a:ext cx="1786668" cy="360000"/>
           </a:xfrm>
           <a:prstGeom prst="rect">
             <a:avLst/>
@@ -8144,8 +8059,8 @@
         </p:blipFill>
         <p:spPr>
           <a:xfrm>
-            <a:off x="6366846" y="4931899"/>
-            <a:ext cx="2450390" cy="493735"/>
+            <a:off x="6732240" y="5157232"/>
+            <a:ext cx="1786667" cy="360000"/>
           </a:xfrm>
           <a:prstGeom prst="rect">
             <a:avLst/>
@@ -8154,22 +8069,28 @@
       </p:pic>
       <p:pic>
         <p:nvPicPr>
-          <p:cNvPr id="28" name="Picture 27" descr="CDI.jpg"/>
+          <p:cNvPr id="46" name="45 Imagen"/>
           <p:cNvPicPr>
             <a:picLocks noChangeAspect="1"/>
           </p:cNvPicPr>
           <p:nvPr/>
         </p:nvPicPr>
         <p:blipFill>
-          <a:blip r:embed="rId10"/>
+          <a:blip r:embed="rId10" cstate="print">
+            <a:extLst>
+              <a:ext uri="{28A0092B-C50C-407E-A947-70E740481C1C}">
+                <a14:useLocalDpi xmlns:a14="http://schemas.microsoft.com/office/drawing/2010/main" val="0"/>
+              </a:ext>
+            </a:extLst>
+          </a:blip>
           <a:stretch>
             <a:fillRect/>
           </a:stretch>
         </p:blipFill>
         <p:spPr>
           <a:xfrm>
-            <a:off x="365760" y="914400"/>
-            <a:ext cx="2667000" cy="914400"/>
+            <a:off x="539552" y="1052736"/>
+            <a:ext cx="2284210" cy="764629"/>
           </a:xfrm>
           <a:prstGeom prst="rect">
             <a:avLst/>
@@ -8178,7 +8099,7 @@
       </p:pic>
       <p:pic>
         <p:nvPicPr>
-          <p:cNvPr id="45" name="Picture 44" descr="OB_CDI_00007_ANTES.JPG"/>
+          <p:cNvPr id="28" name="Picture 27" descr="SEGOB.png"/>
           <p:cNvPicPr>
             <a:picLocks noChangeAspect="1"/>
           </p:cNvPicPr>
@@ -8186,6 +8107,30 @@
         </p:nvPicPr>
         <p:blipFill>
           <a:blip r:embed="rId11"/>
+          <a:stretch>
+            <a:fillRect/>
+          </a:stretch>
+        </p:blipFill>
+        <p:spPr>
+          <a:xfrm>
+            <a:off x="365760" y="914400"/>
+            <a:ext cx="2667000" cy="1079500"/>
+          </a:xfrm>
+          <a:prstGeom prst="rect">
+            <a:avLst/>
+          </a:prstGeom>
+        </p:spPr>
+      </p:pic>
+      <p:pic>
+        <p:nvPicPr>
+          <p:cNvPr id="45" name="Picture 44" descr="OB_SEGOB_00001_ANTES.JPG"/>
+          <p:cNvPicPr>
+            <a:picLocks noChangeAspect="1"/>
+          </p:cNvPicPr>
+          <p:nvPr/>
+        </p:nvPicPr>
+        <p:blipFill>
+          <a:blip r:embed="rId12"/>
           <a:stretch>
             <a:fillRect/>
           </a:stretch>
@@ -8202,14 +8147,14 @@
       </p:pic>
       <p:pic>
         <p:nvPicPr>
-          <p:cNvPr id="46" name="Picture 45" descr="OB_CDI_00007_DESPUES.JPG"/>
+          <p:cNvPr id="47" name="Picture 46" descr="OB_SEGOB_00001_DESPUES.JPG"/>
           <p:cNvPicPr>
             <a:picLocks noChangeAspect="1"/>
           </p:cNvPicPr>
           <p:nvPr/>
         </p:nvPicPr>
         <p:blipFill>
-          <a:blip r:embed="rId12"/>
+          <a:blip r:embed="rId13"/>
           <a:stretch>
             <a:fillRect/>
           </a:stretch>

--- a/obras/static/ppt/ppt-generados/FichaTecnicaObras_1.pptx
+++ b/obras/static/ppt/ppt-generados/FichaTecnicaObras_1.pptx
@@ -6698,7 +6698,7 @@
               <a:defRPr sz="800"/>
             </a:pPr>
             <a:r>
-              <a:t>OB_SEGOB_00001</a:t>
+              <a:t>OB_SEP_00009</a:t>
             </a:r>
             <a:endParaRPr lang="es-MX" sz="1000" b="1" dirty="0">
               <a:latin typeface="Arial Narrow" panose="020B0606020202030204" pitchFamily="34" charset="0"/>
@@ -6732,7 +6732,7 @@
               <a:defRPr sz="800"/>
             </a:pPr>
             <a:r>
-              <a:t>ESTACION MIGRATORIA (INM)</a:t>
+              <a:t>UNIVERSIDAD AUTONOMA DE BAJA CALIFORNIA 2A ETAPA DEL EDIFICIO DEL SISTEMA DE INFORMACION ACADEMICA</a:t>
             </a:r>
             <a:endParaRPr lang="es-MX" sz="800" b="1" dirty="0">
               <a:latin typeface="Arial Narrow" panose="020B0606020202030204" pitchFamily="34" charset="0"/>
@@ -6766,7 +6766,7 @@
               <a:defRPr sz="800"/>
             </a:pPr>
             <a:r>
-              <a:t>SEGOB</a:t>
+              <a:t>SEP</a:t>
             </a:r>
             <a:endParaRPr lang="es-MX" sz="1000" b="1" dirty="0">
               <a:latin typeface="Arial Narrow" panose="020B0606020202030204" pitchFamily="34" charset="0"/>
@@ -6800,7 +6800,7 @@
               <a:defRPr sz="800"/>
             </a:pPr>
             <a:r>
-              <a:t>CHIAPAS</a:t>
+              <a:t>BAJA CALIFORNIA</a:t>
             </a:r>
             <a:endParaRPr lang="es-MX" sz="1000" b="1" dirty="0">
               <a:latin typeface="Arial Narrow" panose="020B0606020202030204" pitchFamily="34" charset="0"/>
@@ -6865,7 +6865,7 @@
               <a:defRPr sz="800"/>
             </a:pPr>
             <a:r>
-              <a:t>2013-09-01</a:t>
+              <a:t>2013-05-01</a:t>
             </a:r>
             <a:endParaRPr lang="es-MX" sz="1000" b="1" dirty="0">
               <a:latin typeface="Arial Narrow" panose="020B0606020202030204" pitchFamily="34" charset="0"/>
@@ -6899,7 +6899,7 @@
               <a:defRPr sz="800"/>
             </a:pPr>
             <a:r>
-              <a:t>2014-01-01</a:t>
+              <a:t>2013-09-01</a:t>
             </a:r>
             <a:endParaRPr lang="es-MX" sz="1000" b="1" dirty="0">
               <a:latin typeface="Arial Narrow" panose="020B0606020202030204" pitchFamily="34" charset="0"/>
@@ -7001,7 +7001,7 @@
               <a:defRPr sz="800"/>
             </a:pPr>
             <a:r>
-              <a:t>2015-09-21T05:59:36+00:00</a:t>
+              <a:t>2015-07-16T10:22:24+00:00</a:t>
             </a:r>
             <a:endParaRPr lang="es-MX" sz="1000" b="1" dirty="0">
               <a:latin typeface="Arial Narrow" panose="020B0606020202030204" pitchFamily="34" charset="0"/>
@@ -7069,7 +7069,7 @@
               <a:defRPr sz="800"/>
             </a:pPr>
             <a:r>
-              <a:t>No</a:t>
+              <a:t>Si</a:t>
             </a:r>
             <a:endParaRPr lang="es-MX" sz="1000" b="1" dirty="0">
               <a:latin typeface="Arial Narrow" panose="020B0606020202030204" pitchFamily="34" charset="0"/>
@@ -7103,7 +7103,7 @@
               <a:defRPr sz="800"/>
             </a:pPr>
             <a:r>
-              <a:t>No</a:t>
+              <a:t>Si</a:t>
             </a:r>
             <a:endParaRPr lang="es-MX" sz="1000" b="1" dirty="0">
               <a:latin typeface="Arial Narrow" panose="020B0606020202030204" pitchFamily="34" charset="0"/>
@@ -7137,7 +7137,7 @@
               <a:defRPr sz="800"/>
             </a:pPr>
             <a:r>
-              <a:t>No</a:t>
+              <a:t>Si</a:t>
             </a:r>
             <a:endParaRPr lang="es-MX" sz="1000" b="1" dirty="0">
               <a:latin typeface="Arial Narrow" panose="020B0606020202030204" pitchFamily="34" charset="0"/>
@@ -7171,7 +7171,7 @@
               <a:defRPr sz="800"/>
             </a:pPr>
             <a:r>
-              <a:t>No</a:t>
+              <a:t>Si</a:t>
             </a:r>
             <a:endParaRPr lang="es-MX" sz="1000" b="1" dirty="0">
               <a:latin typeface="Arial Narrow" panose="020B0606020202030204" pitchFamily="34" charset="0"/>
@@ -7205,7 +7205,7 @@
               <a:defRPr sz="800"/>
             </a:pPr>
             <a:r>
-              <a:t>No</a:t>
+              <a:t>Si</a:t>
             </a:r>
             <a:endParaRPr lang="es-MX" sz="1000" b="1" dirty="0">
               <a:latin typeface="Arial Narrow" panose="020B0606020202030204" pitchFamily="34" charset="0"/>
@@ -7273,7 +7273,7 @@
               <a:defRPr sz="800"/>
             </a:pPr>
             <a:r>
-              <a:t>18.05</a:t>
+              <a:t>21.28</a:t>
             </a:r>
             <a:endParaRPr lang="es-MX" sz="1000" b="1" dirty="0">
               <a:latin typeface="Arial Narrow" panose="020B0606020202030204" pitchFamily="34" charset="0"/>
@@ -7341,7 +7341,7 @@
               <a:defRPr sz="800"/>
             </a:pPr>
             <a:r>
-              <a:t>EXTRANJEROS</a:t>
+              <a:t>ALUMNOS</a:t>
             </a:r>
             <a:endParaRPr lang="es-MX" sz="1000" b="1" dirty="0">
               <a:latin typeface="Arial Narrow" panose="020B0606020202030204" pitchFamily="34" charset="0"/>
@@ -7374,9 +7374,6 @@
             <a:pPr>
               <a:defRPr sz="800"/>
             </a:pPr>
-            <a:r>
-              <a:t>NACIONAL</a:t>
-            </a:r>
             <a:endParaRPr lang="es-MX" sz="1000" b="1" dirty="0">
               <a:latin typeface="Arial Narrow" panose="020B0606020202030204" pitchFamily="34" charset="0"/>
             </a:endParaRPr>
@@ -7443,7 +7440,7 @@
               <a:defRPr sz="800"/>
             </a:pPr>
             <a:r>
-              <a:t>No</a:t>
+              <a:t>Si</a:t>
             </a:r>
             <a:endParaRPr lang="es-MX" sz="1000" b="1" dirty="0">
               <a:latin typeface="Arial Narrow" panose="020B0606020202030204" pitchFamily="34" charset="0"/>
@@ -7473,12 +7470,11 @@
           </a:bodyPr>
           <a:lstStyle/>
           <a:p>
-            <a:r>
-              <a:rPr lang="es-MX" sz="1000" b="1" dirty="0" smtClean="0">
-                <a:latin typeface="+mj-lt"/>
-                <a:cs typeface="Angsana New" panose="02020603050405020304" pitchFamily="18" charset="-34"/>
-              </a:rPr>
-              <a:t>x</a:t>
+            <a:pPr>
+              <a:defRPr sz="800"/>
+            </a:pPr>
+            <a:r>
+              <a:t>CG039</a:t>
             </a:r>
             <a:endParaRPr lang="es-MX" sz="1000" b="1" dirty="0">
               <a:latin typeface="+mj-lt"/>
@@ -7649,7 +7645,7 @@
               <a:defRPr sz="800"/>
             </a:pPr>
             <a:r>
-              <a:t>Si</a:t>
+              <a:t>No</a:t>
             </a:r>
             <a:endParaRPr lang="es-MX" sz="1000" b="1" dirty="0">
               <a:latin typeface="Arial Narrow" panose="020B0606020202030204" pitchFamily="34" charset="0"/>
@@ -7683,7 +7679,7 @@
               <a:defRPr sz="800"/>
             </a:pPr>
             <a:r>
-              <a:t>MANTENIMIENTO MAYOR A INMUEBLES DE LA DELEGACION FEDERAL DEL INM EN EL ESTADO DE CHIAPAS</a:t>
+              <a:t>CONSTRUCCION DE 5 LABORATORIOS 19 CUBICULOS 1 BIBLIOTECAS 1 AULAS MAGNAS 1 AULAS USOS MULTIPLES 3 AREAS COMUNES 3 SANITARIOS 3 OTROS PASILLOS, AREA DE ESPERA Y ACCESO,  JARDIN</a:t>
             </a:r>
             <a:endParaRPr lang="es-MX" sz="1000" dirty="0">
               <a:latin typeface="Arial Narrow" panose="020B0606020202030204" pitchFamily="34" charset="0"/>
@@ -7717,7 +7713,7 @@
               <a:defRPr sz="800"/>
             </a:pPr>
             <a:r>
-              <a:t>TRAMITES MIGRATORIOS: 248,213 EXTRANJEROS PRESENTADOS ANTE EL INM: 8,039</a:t>
+              <a:t>INAUGURADA EN OCTUBRE DEL 2013 POR EL GOBERNADOR Y RECTOR</a:t>
             </a:r>
             <a:endParaRPr lang="es-MX" sz="1000" dirty="0">
               <a:latin typeface="Arial Narrow" panose="020B0606020202030204" pitchFamily="34" charset="0"/>
@@ -8099,7 +8095,7 @@
       </p:pic>
       <p:pic>
         <p:nvPicPr>
-          <p:cNvPr id="28" name="Picture 27" descr="SEGOB.png"/>
+          <p:cNvPr id="28" name="Picture 27" descr="SEP.png"/>
           <p:cNvPicPr>
             <a:picLocks noChangeAspect="1"/>
           </p:cNvPicPr>
@@ -8123,7 +8119,7 @@
       </p:pic>
       <p:pic>
         <p:nvPicPr>
-          <p:cNvPr id="45" name="Picture 44" descr="OB_SEGOB_00001_ANTES.JPG"/>
+          <p:cNvPr id="45" name="Picture 44" descr="SEPOB00009_ANTES.JPG"/>
           <p:cNvPicPr>
             <a:picLocks noChangeAspect="1"/>
           </p:cNvPicPr>
@@ -8147,14 +8143,14 @@
       </p:pic>
       <p:pic>
         <p:nvPicPr>
-          <p:cNvPr id="47" name="Picture 46" descr="OB_SEGOB_00001_DESPUES.JPG"/>
+          <p:cNvPr id="47" name="Picture 46" descr="SEPOB00009_ANTES.JPG"/>
           <p:cNvPicPr>
             <a:picLocks noChangeAspect="1"/>
           </p:cNvPicPr>
           <p:nvPr/>
         </p:nvPicPr>
         <p:blipFill>
-          <a:blip r:embed="rId13"/>
+          <a:blip r:embed="rId12"/>
           <a:stretch>
             <a:fillRect/>
           </a:stretch>
